--- a/Fifteen Puzzle Game.pptx
+++ b/Fifteen Puzzle Game.pptx
@@ -1,39 +1,39 @@
 
 <file path=ppt/presentation.xml><?xml version="1.0" encoding="utf-8"?>
-<p:presentation xmlns:a="http://schemas.openxmlformats.org/drawingml/2006/main" xmlns:r="http://schemas.openxmlformats.org/officeDocument/2006/relationships" xmlns:mc="http://schemas.openxmlformats.org/markup-compatibility/2006" xmlns:mv="urn:schemas-microsoft-com:mac:vml" xmlns:p="http://schemas.openxmlformats.org/presentationml/2006/main" xmlns:c="http://schemas.openxmlformats.org/drawingml/2006/chart" xmlns:dgm="http://schemas.openxmlformats.org/drawingml/2006/diagram" xmlns:o="urn:schemas-microsoft-com:office:office" xmlns:v="urn:schemas-microsoft-com:vml" xmlns:pvml="urn:schemas-microsoft-com:office:powerpoint" xmlns:com="http://schemas.openxmlformats.org/drawingml/2006/compatibility" xmlns:p14="http://schemas.microsoft.com/office/powerpoint/2010/main" xmlns:p15="http://schemas.microsoft.com/office/powerpoint/2012/main" xmlns:ahyp="http://schemas.microsoft.com/office/drawing/2018/hyperlinkcolor" autoCompressPictures="0" embedTrueTypeFonts="1" strictFirstAndLastChars="0" saveSubsetFonts="1">
+<p:presentation xmlns:a="http://schemas.openxmlformats.org/drawingml/2006/main" xmlns:r="http://schemas.openxmlformats.org/officeDocument/2006/relationships" xmlns:p="http://schemas.openxmlformats.org/presentationml/2006/main" strictFirstAndLastChars="0" embedTrueTypeFonts="1" saveSubsetFonts="1" autoCompressPictures="0">
   <p:sldMasterIdLst>
-    <p:sldMasterId id="2147483659" r:id="rId4"/>
+    <p:sldMasterId id="2147483659" r:id="rId1"/>
   </p:sldMasterIdLst>
   <p:notesMasterIdLst>
-    <p:notesMasterId r:id="rId5"/>
+    <p:notesMasterId r:id="rId7"/>
   </p:notesMasterIdLst>
   <p:sldIdLst>
-    <p:sldId id="256" r:id="rId6"/>
-    <p:sldId id="257" r:id="rId7"/>
-    <p:sldId id="258" r:id="rId8"/>
-    <p:sldId id="259" r:id="rId9"/>
-    <p:sldId id="260" r:id="rId10"/>
+    <p:sldId id="256" r:id="rId2"/>
+    <p:sldId id="257" r:id="rId3"/>
+    <p:sldId id="258" r:id="rId4"/>
+    <p:sldId id="260" r:id="rId5"/>
+    <p:sldId id="261" r:id="rId6"/>
   </p:sldIdLst>
-  <p:sldSz cy="5143500" cx="9144000"/>
+  <p:sldSz cx="9144000" cy="5143500" type="screen16x9"/>
   <p:notesSz cx="6858000" cy="9144000"/>
   <p:embeddedFontLst>
     <p:embeddedFont>
-      <p:font typeface="Montserrat"/>
-      <p:regular r:id="rId11"/>
-      <p:bold r:id="rId12"/>
-      <p:italic r:id="rId13"/>
-      <p:boldItalic r:id="rId14"/>
+      <p:font typeface="Lato" panose="020B0604020202020204" charset="0"/>
+      <p:regular r:id="rId8"/>
+      <p:bold r:id="rId9"/>
+      <p:italic r:id="rId10"/>
+      <p:boldItalic r:id="rId11"/>
     </p:embeddedFont>
     <p:embeddedFont>
-      <p:font typeface="Lato"/>
-      <p:regular r:id="rId15"/>
-      <p:bold r:id="rId16"/>
-      <p:italic r:id="rId17"/>
-      <p:boldItalic r:id="rId18"/>
+      <p:font typeface="Montserrat" panose="020B0604020202020204" charset="0"/>
+      <p:regular r:id="rId12"/>
+      <p:bold r:id="rId13"/>
+      <p:italic r:id="rId14"/>
+      <p:boldItalic r:id="rId15"/>
     </p:embeddedFont>
   </p:embeddedFontLst>
   <p:defaultTextStyle>
-    <a:defPPr lvl="0" marR="0" rtl="0" algn="l">
+    <a:defPPr marR="0" lvl="0" algn="l" rtl="0">
       <a:lnSpc>
         <a:spcPct val="100000"/>
       </a:lnSpc>
@@ -44,7 +44,7 @@
         <a:spcPts val="0"/>
       </a:spcAft>
     </a:defPPr>
-    <a:lvl1pPr lvl="0" marR="0" rtl="0" algn="l">
+    <a:lvl1pPr marR="0" lvl="0" algn="l" rtl="0">
       <a:lnSpc>
         <a:spcPct val="100000"/>
       </a:lnSpc>
@@ -58,7 +58,7 @@
         <a:srgbClr val="000000"/>
       </a:buClr>
       <a:buFont typeface="Arial"/>
-      <a:defRPr b="0" i="0" sz="1400" u="none" cap="none" strike="noStrike">
+      <a:defRPr sz="1400" b="0" i="0" u="none" strike="noStrike" cap="none">
         <a:solidFill>
           <a:srgbClr val="000000"/>
         </a:solidFill>
@@ -68,7 +68,7 @@
         <a:sym typeface="Arial"/>
       </a:defRPr>
     </a:lvl1pPr>
-    <a:lvl2pPr lvl="1" marR="0" rtl="0" algn="l">
+    <a:lvl2pPr marR="0" lvl="1" algn="l" rtl="0">
       <a:lnSpc>
         <a:spcPct val="100000"/>
       </a:lnSpc>
@@ -82,7 +82,7 @@
         <a:srgbClr val="000000"/>
       </a:buClr>
       <a:buFont typeface="Arial"/>
-      <a:defRPr b="0" i="0" sz="1400" u="none" cap="none" strike="noStrike">
+      <a:defRPr sz="1400" b="0" i="0" u="none" strike="noStrike" cap="none">
         <a:solidFill>
           <a:srgbClr val="000000"/>
         </a:solidFill>
@@ -92,7 +92,7 @@
         <a:sym typeface="Arial"/>
       </a:defRPr>
     </a:lvl2pPr>
-    <a:lvl3pPr lvl="2" marR="0" rtl="0" algn="l">
+    <a:lvl3pPr marR="0" lvl="2" algn="l" rtl="0">
       <a:lnSpc>
         <a:spcPct val="100000"/>
       </a:lnSpc>
@@ -106,7 +106,7 @@
         <a:srgbClr val="000000"/>
       </a:buClr>
       <a:buFont typeface="Arial"/>
-      <a:defRPr b="0" i="0" sz="1400" u="none" cap="none" strike="noStrike">
+      <a:defRPr sz="1400" b="0" i="0" u="none" strike="noStrike" cap="none">
         <a:solidFill>
           <a:srgbClr val="000000"/>
         </a:solidFill>
@@ -116,7 +116,7 @@
         <a:sym typeface="Arial"/>
       </a:defRPr>
     </a:lvl3pPr>
-    <a:lvl4pPr lvl="3" marR="0" rtl="0" algn="l">
+    <a:lvl4pPr marR="0" lvl="3" algn="l" rtl="0">
       <a:lnSpc>
         <a:spcPct val="100000"/>
       </a:lnSpc>
@@ -130,7 +130,7 @@
         <a:srgbClr val="000000"/>
       </a:buClr>
       <a:buFont typeface="Arial"/>
-      <a:defRPr b="0" i="0" sz="1400" u="none" cap="none" strike="noStrike">
+      <a:defRPr sz="1400" b="0" i="0" u="none" strike="noStrike" cap="none">
         <a:solidFill>
           <a:srgbClr val="000000"/>
         </a:solidFill>
@@ -140,7 +140,7 @@
         <a:sym typeface="Arial"/>
       </a:defRPr>
     </a:lvl4pPr>
-    <a:lvl5pPr lvl="4" marR="0" rtl="0" algn="l">
+    <a:lvl5pPr marR="0" lvl="4" algn="l" rtl="0">
       <a:lnSpc>
         <a:spcPct val="100000"/>
       </a:lnSpc>
@@ -154,7 +154,7 @@
         <a:srgbClr val="000000"/>
       </a:buClr>
       <a:buFont typeface="Arial"/>
-      <a:defRPr b="0" i="0" sz="1400" u="none" cap="none" strike="noStrike">
+      <a:defRPr sz="1400" b="0" i="0" u="none" strike="noStrike" cap="none">
         <a:solidFill>
           <a:srgbClr val="000000"/>
         </a:solidFill>
@@ -164,7 +164,7 @@
         <a:sym typeface="Arial"/>
       </a:defRPr>
     </a:lvl5pPr>
-    <a:lvl6pPr lvl="5" marR="0" rtl="0" algn="l">
+    <a:lvl6pPr marR="0" lvl="5" algn="l" rtl="0">
       <a:lnSpc>
         <a:spcPct val="100000"/>
       </a:lnSpc>
@@ -178,7 +178,7 @@
         <a:srgbClr val="000000"/>
       </a:buClr>
       <a:buFont typeface="Arial"/>
-      <a:defRPr b="0" i="0" sz="1400" u="none" cap="none" strike="noStrike">
+      <a:defRPr sz="1400" b="0" i="0" u="none" strike="noStrike" cap="none">
         <a:solidFill>
           <a:srgbClr val="000000"/>
         </a:solidFill>
@@ -188,7 +188,7 @@
         <a:sym typeface="Arial"/>
       </a:defRPr>
     </a:lvl6pPr>
-    <a:lvl7pPr lvl="6" marR="0" rtl="0" algn="l">
+    <a:lvl7pPr marR="0" lvl="6" algn="l" rtl="0">
       <a:lnSpc>
         <a:spcPct val="100000"/>
       </a:lnSpc>
@@ -202,7 +202,7 @@
         <a:srgbClr val="000000"/>
       </a:buClr>
       <a:buFont typeface="Arial"/>
-      <a:defRPr b="0" i="0" sz="1400" u="none" cap="none" strike="noStrike">
+      <a:defRPr sz="1400" b="0" i="0" u="none" strike="noStrike" cap="none">
         <a:solidFill>
           <a:srgbClr val="000000"/>
         </a:solidFill>
@@ -212,7 +212,7 @@
         <a:sym typeface="Arial"/>
       </a:defRPr>
     </a:lvl7pPr>
-    <a:lvl8pPr lvl="7" marR="0" rtl="0" algn="l">
+    <a:lvl8pPr marR="0" lvl="7" algn="l" rtl="0">
       <a:lnSpc>
         <a:spcPct val="100000"/>
       </a:lnSpc>
@@ -226,7 +226,7 @@
         <a:srgbClr val="000000"/>
       </a:buClr>
       <a:buFont typeface="Arial"/>
-      <a:defRPr b="0" i="0" sz="1400" u="none" cap="none" strike="noStrike">
+      <a:defRPr sz="1400" b="0" i="0" u="none" strike="noStrike" cap="none">
         <a:solidFill>
           <a:srgbClr val="000000"/>
         </a:solidFill>
@@ -236,7 +236,7 @@
         <a:sym typeface="Arial"/>
       </a:defRPr>
     </a:lvl8pPr>
-    <a:lvl9pPr lvl="8" marR="0" rtl="0" algn="l">
+    <a:lvl9pPr marR="0" lvl="8" algn="l" rtl="0">
       <a:lnSpc>
         <a:spcPct val="100000"/>
       </a:lnSpc>
@@ -250,7 +250,7 @@
         <a:srgbClr val="000000"/>
       </a:buClr>
       <a:buFont typeface="Arial"/>
-      <a:defRPr b="0" i="0" sz="1400" u="none" cap="none" strike="noStrike">
+      <a:defRPr sz="1400" b="0" i="0" u="none" strike="noStrike" cap="none">
         <a:solidFill>
           <a:srgbClr val="000000"/>
         </a:solidFill>
@@ -263,7 +263,7 @@
   </p:defaultTextStyle>
   <p:extLst>
     <p:ext uri="{EFAFB233-063F-42B5-8137-9DF3F51BA10A}">
-      <p15:sldGuideLst>
+      <p15:sldGuideLst xmlns:p15="http://schemas.microsoft.com/office/powerpoint/2012/main">
         <p15:guide id="1" orient="horz" pos="1620">
           <p15:clr>
             <a:srgbClr val="A4A3A4"/>
@@ -281,11 +281,16 @@
 </file>
 
 <file path=ppt/notesMasters/notesMaster1.xml><?xml version="1.0" encoding="utf-8"?>
-<p:notesMaster xmlns:a="http://schemas.openxmlformats.org/drawingml/2006/main" xmlns:r="http://schemas.openxmlformats.org/officeDocument/2006/relationships" xmlns:mc="http://schemas.openxmlformats.org/markup-compatibility/2006" xmlns:mv="urn:schemas-microsoft-com:mac:vml" xmlns:p="http://schemas.openxmlformats.org/presentationml/2006/main" xmlns:c="http://schemas.openxmlformats.org/drawingml/2006/chart" xmlns:dgm="http://schemas.openxmlformats.org/drawingml/2006/diagram" xmlns:o="urn:schemas-microsoft-com:office:office" xmlns:v="urn:schemas-microsoft-com:vml" xmlns:pvml="urn:schemas-microsoft-com:office:powerpoint" xmlns:com="http://schemas.openxmlformats.org/drawingml/2006/compatibility" xmlns:p14="http://schemas.microsoft.com/office/powerpoint/2010/main" xmlns:p15="http://schemas.microsoft.com/office/powerpoint/2012/main" xmlns:ahyp="http://schemas.microsoft.com/office/drawing/2018/hyperlinkcolor">
+<p:notesMaster xmlns:a="http://schemas.openxmlformats.org/drawingml/2006/main" xmlns:r="http://schemas.openxmlformats.org/officeDocument/2006/relationships" xmlns:p="http://schemas.openxmlformats.org/presentationml/2006/main">
   <p:cSld>
+    <p:bg>
+      <p:bgRef idx="1001">
+        <a:schemeClr val="bg1"/>
+      </p:bgRef>
+    </p:bg>
     <p:spTree>
       <p:nvGrpSpPr>
-        <p:cNvPr id="2" name="Shape 2"/>
+        <p:cNvPr id="1" name="Shape 2"/>
         <p:cNvGrpSpPr/>
         <p:nvPr/>
       </p:nvGrpSpPr>
@@ -300,9 +305,11 @@
       <p:sp>
         <p:nvSpPr>
           <p:cNvPr id="3" name="Google Shape;3;n"/>
-          <p:cNvSpPr/>
+          <p:cNvSpPr>
+            <a:spLocks noGrp="1" noRot="1" noChangeAspect="1"/>
+          </p:cNvSpPr>
           <p:nvPr>
-            <p:ph idx="2" type="sldImg"/>
+            <p:ph type="sldImg" idx="2"/>
           </p:nvPr>
         </p:nvSpPr>
         <p:spPr>
@@ -311,9 +318,13 @@
             <a:ext cx="6096075" cy="3429000"/>
           </a:xfrm>
           <a:custGeom>
-            <a:rect b="b" l="l" r="r" t="t"/>
+            <a:avLst/>
+            <a:gdLst/>
+            <a:ahLst/>
+            <a:cxnLst/>
+            <a:rect l="l" t="t" r="r" b="b"/>
             <a:pathLst>
-              <a:path extrusionOk="0" h="120000" w="120000">
+              <a:path w="120000" h="120000" extrusionOk="0">
                 <a:moveTo>
                   <a:pt x="0" y="0"/>
                 </a:moveTo>
@@ -331,23 +342,25 @@
             </a:pathLst>
           </a:custGeom>
           <a:noFill/>
-          <a:ln cap="flat" cmpd="sng" w="9525">
+          <a:ln w="9525" cap="flat" cmpd="sng">
             <a:solidFill>
               <a:srgbClr val="000000"/>
             </a:solidFill>
             <a:prstDash val="solid"/>
             <a:round/>
-            <a:headEnd len="sm" w="sm" type="none"/>
-            <a:tailEnd len="sm" w="sm" type="none"/>
+            <a:headEnd type="none" w="sm" len="sm"/>
+            <a:tailEnd type="none" w="sm" len="sm"/>
           </a:ln>
         </p:spPr>
       </p:sp>
       <p:sp>
         <p:nvSpPr>
           <p:cNvPr id="4" name="Google Shape;4;n"/>
-          <p:cNvSpPr txBox="1"/>
+          <p:cNvSpPr txBox="1">
+            <a:spLocks noGrp="1"/>
+          </p:cNvSpPr>
           <p:nvPr>
-            <p:ph idx="1" type="body"/>
+            <p:ph type="body" idx="1"/>
           </p:nvPr>
         </p:nvSpPr>
         <p:spPr>
@@ -364,11 +377,11 @@
           </a:ln>
         </p:spPr>
         <p:txBody>
-          <a:bodyPr anchorCtr="0" anchor="t" bIns="91425" lIns="91425" spcFirstLastPara="1" rIns="91425" wrap="square" tIns="91425">
+          <a:bodyPr spcFirstLastPara="1" wrap="square" lIns="91425" tIns="91425" rIns="91425" bIns="91425" anchor="t" anchorCtr="0">
             <a:noAutofit/>
           </a:bodyPr>
           <a:lstStyle>
-            <a:lvl1pPr indent="-298450" lvl="0" marL="457200">
+            <a:lvl1pPr marL="457200" lvl="0" indent="-298450">
               <a:spcBef>
                 <a:spcPts val="0"/>
               </a:spcBef>
@@ -379,7 +392,7 @@
               <a:buChar char="●"/>
               <a:defRPr sz="1100"/>
             </a:lvl1pPr>
-            <a:lvl2pPr indent="-298450" lvl="1" marL="914400">
+            <a:lvl2pPr marL="914400" lvl="1" indent="-298450">
               <a:spcBef>
                 <a:spcPts val="0"/>
               </a:spcBef>
@@ -390,7 +403,7 @@
               <a:buChar char="○"/>
               <a:defRPr sz="1100"/>
             </a:lvl2pPr>
-            <a:lvl3pPr indent="-298450" lvl="2" marL="1371600">
+            <a:lvl3pPr marL="1371600" lvl="2" indent="-298450">
               <a:spcBef>
                 <a:spcPts val="0"/>
               </a:spcBef>
@@ -401,7 +414,7 @@
               <a:buChar char="■"/>
               <a:defRPr sz="1100"/>
             </a:lvl3pPr>
-            <a:lvl4pPr indent="-298450" lvl="3" marL="1828800">
+            <a:lvl4pPr marL="1828800" lvl="3" indent="-298450">
               <a:spcBef>
                 <a:spcPts val="0"/>
               </a:spcBef>
@@ -412,7 +425,7 @@
               <a:buChar char="●"/>
               <a:defRPr sz="1100"/>
             </a:lvl4pPr>
-            <a:lvl5pPr indent="-298450" lvl="4" marL="2286000">
+            <a:lvl5pPr marL="2286000" lvl="4" indent="-298450">
               <a:spcBef>
                 <a:spcPts val="0"/>
               </a:spcBef>
@@ -423,7 +436,7 @@
               <a:buChar char="○"/>
               <a:defRPr sz="1100"/>
             </a:lvl5pPr>
-            <a:lvl6pPr indent="-298450" lvl="5" marL="2743200">
+            <a:lvl6pPr marL="2743200" lvl="5" indent="-298450">
               <a:spcBef>
                 <a:spcPts val="0"/>
               </a:spcBef>
@@ -434,7 +447,7 @@
               <a:buChar char="■"/>
               <a:defRPr sz="1100"/>
             </a:lvl6pPr>
-            <a:lvl7pPr indent="-298450" lvl="6" marL="3200400">
+            <a:lvl7pPr marL="3200400" lvl="6" indent="-298450">
               <a:spcBef>
                 <a:spcPts val="0"/>
               </a:spcBef>
@@ -445,7 +458,7 @@
               <a:buChar char="●"/>
               <a:defRPr sz="1100"/>
             </a:lvl7pPr>
-            <a:lvl8pPr indent="-298450" lvl="7" marL="3657600">
+            <a:lvl8pPr marL="3657600" lvl="7" indent="-298450">
               <a:spcBef>
                 <a:spcPts val="0"/>
               </a:spcBef>
@@ -456,7 +469,7 @@
               <a:buChar char="○"/>
               <a:defRPr sz="1100"/>
             </a:lvl8pPr>
-            <a:lvl9pPr indent="-298450" lvl="8" marL="4114800">
+            <a:lvl9pPr marL="4114800" lvl="8" indent="-298450">
               <a:spcBef>
                 <a:spcPts val="0"/>
               </a:spcBef>
@@ -468,14 +481,16 @@
               <a:defRPr sz="1100"/>
             </a:lvl9pPr>
           </a:lstStyle>
-          <a:p/>
+          <a:p>
+            <a:endParaRPr/>
+          </a:p>
         </p:txBody>
       </p:sp>
     </p:spTree>
   </p:cSld>
-  <p:clrMap accent1="accent1" accent2="accent2" accent3="accent3" accent4="accent4" accent5="accent5" accent6="accent6" bg1="lt1" bg2="dk2" tx1="dk1" tx2="lt2" folHlink="folHlink" hlink="hlink"/>
+  <p:clrMap bg1="lt1" tx1="dk1" bg2="dk2" tx2="lt2" accent1="accent1" accent2="accent2" accent3="accent3" accent4="accent4" accent5="accent5" accent6="accent6" hlink="hlink" folHlink="folHlink"/>
   <p:notesStyle>
-    <a:defPPr lvl="0" marR="0" rtl="0" algn="l">
+    <a:defPPr marR="0" lvl="0" algn="l" rtl="0">
       <a:lnSpc>
         <a:spcPct val="100000"/>
       </a:lnSpc>
@@ -486,7 +501,7 @@
         <a:spcPts val="0"/>
       </a:spcAft>
     </a:defPPr>
-    <a:lvl1pPr lvl="0" marR="0" rtl="0" algn="l">
+    <a:lvl1pPr marR="0" lvl="0" algn="l" rtl="0">
       <a:lnSpc>
         <a:spcPct val="100000"/>
       </a:lnSpc>
@@ -500,7 +515,7 @@
         <a:srgbClr val="000000"/>
       </a:buClr>
       <a:buFont typeface="Arial"/>
-      <a:defRPr b="0" i="0" sz="1400" u="none" cap="none" strike="noStrike">
+      <a:defRPr sz="1400" b="0" i="0" u="none" strike="noStrike" cap="none">
         <a:solidFill>
           <a:srgbClr val="000000"/>
         </a:solidFill>
@@ -510,7 +525,7 @@
         <a:sym typeface="Arial"/>
       </a:defRPr>
     </a:lvl1pPr>
-    <a:lvl2pPr lvl="1" marR="0" rtl="0" algn="l">
+    <a:lvl2pPr marR="0" lvl="1" algn="l" rtl="0">
       <a:lnSpc>
         <a:spcPct val="100000"/>
       </a:lnSpc>
@@ -524,7 +539,7 @@
         <a:srgbClr val="000000"/>
       </a:buClr>
       <a:buFont typeface="Arial"/>
-      <a:defRPr b="0" i="0" sz="1400" u="none" cap="none" strike="noStrike">
+      <a:defRPr sz="1400" b="0" i="0" u="none" strike="noStrike" cap="none">
         <a:solidFill>
           <a:srgbClr val="000000"/>
         </a:solidFill>
@@ -534,7 +549,7 @@
         <a:sym typeface="Arial"/>
       </a:defRPr>
     </a:lvl2pPr>
-    <a:lvl3pPr lvl="2" marR="0" rtl="0" algn="l">
+    <a:lvl3pPr marR="0" lvl="2" algn="l" rtl="0">
       <a:lnSpc>
         <a:spcPct val="100000"/>
       </a:lnSpc>
@@ -548,7 +563,7 @@
         <a:srgbClr val="000000"/>
       </a:buClr>
       <a:buFont typeface="Arial"/>
-      <a:defRPr b="0" i="0" sz="1400" u="none" cap="none" strike="noStrike">
+      <a:defRPr sz="1400" b="0" i="0" u="none" strike="noStrike" cap="none">
         <a:solidFill>
           <a:srgbClr val="000000"/>
         </a:solidFill>
@@ -558,7 +573,7 @@
         <a:sym typeface="Arial"/>
       </a:defRPr>
     </a:lvl3pPr>
-    <a:lvl4pPr lvl="3" marR="0" rtl="0" algn="l">
+    <a:lvl4pPr marR="0" lvl="3" algn="l" rtl="0">
       <a:lnSpc>
         <a:spcPct val="100000"/>
       </a:lnSpc>
@@ -572,7 +587,7 @@
         <a:srgbClr val="000000"/>
       </a:buClr>
       <a:buFont typeface="Arial"/>
-      <a:defRPr b="0" i="0" sz="1400" u="none" cap="none" strike="noStrike">
+      <a:defRPr sz="1400" b="0" i="0" u="none" strike="noStrike" cap="none">
         <a:solidFill>
           <a:srgbClr val="000000"/>
         </a:solidFill>
@@ -582,7 +597,7 @@
         <a:sym typeface="Arial"/>
       </a:defRPr>
     </a:lvl4pPr>
-    <a:lvl5pPr lvl="4" marR="0" rtl="0" algn="l">
+    <a:lvl5pPr marR="0" lvl="4" algn="l" rtl="0">
       <a:lnSpc>
         <a:spcPct val="100000"/>
       </a:lnSpc>
@@ -596,7 +611,7 @@
         <a:srgbClr val="000000"/>
       </a:buClr>
       <a:buFont typeface="Arial"/>
-      <a:defRPr b="0" i="0" sz="1400" u="none" cap="none" strike="noStrike">
+      <a:defRPr sz="1400" b="0" i="0" u="none" strike="noStrike" cap="none">
         <a:solidFill>
           <a:srgbClr val="000000"/>
         </a:solidFill>
@@ -606,7 +621,7 @@
         <a:sym typeface="Arial"/>
       </a:defRPr>
     </a:lvl5pPr>
-    <a:lvl6pPr lvl="5" marR="0" rtl="0" algn="l">
+    <a:lvl6pPr marR="0" lvl="5" algn="l" rtl="0">
       <a:lnSpc>
         <a:spcPct val="100000"/>
       </a:lnSpc>
@@ -620,7 +635,7 @@
         <a:srgbClr val="000000"/>
       </a:buClr>
       <a:buFont typeface="Arial"/>
-      <a:defRPr b="0" i="0" sz="1400" u="none" cap="none" strike="noStrike">
+      <a:defRPr sz="1400" b="0" i="0" u="none" strike="noStrike" cap="none">
         <a:solidFill>
           <a:srgbClr val="000000"/>
         </a:solidFill>
@@ -630,7 +645,7 @@
         <a:sym typeface="Arial"/>
       </a:defRPr>
     </a:lvl6pPr>
-    <a:lvl7pPr lvl="6" marR="0" rtl="0" algn="l">
+    <a:lvl7pPr marR="0" lvl="6" algn="l" rtl="0">
       <a:lnSpc>
         <a:spcPct val="100000"/>
       </a:lnSpc>
@@ -644,7 +659,7 @@
         <a:srgbClr val="000000"/>
       </a:buClr>
       <a:buFont typeface="Arial"/>
-      <a:defRPr b="0" i="0" sz="1400" u="none" cap="none" strike="noStrike">
+      <a:defRPr sz="1400" b="0" i="0" u="none" strike="noStrike" cap="none">
         <a:solidFill>
           <a:srgbClr val="000000"/>
         </a:solidFill>
@@ -654,7 +669,7 @@
         <a:sym typeface="Arial"/>
       </a:defRPr>
     </a:lvl7pPr>
-    <a:lvl8pPr lvl="7" marR="0" rtl="0" algn="l">
+    <a:lvl8pPr marR="0" lvl="7" algn="l" rtl="0">
       <a:lnSpc>
         <a:spcPct val="100000"/>
       </a:lnSpc>
@@ -668,7 +683,7 @@
         <a:srgbClr val="000000"/>
       </a:buClr>
       <a:buFont typeface="Arial"/>
-      <a:defRPr b="0" i="0" sz="1400" u="none" cap="none" strike="noStrike">
+      <a:defRPr sz="1400" b="0" i="0" u="none" strike="noStrike" cap="none">
         <a:solidFill>
           <a:srgbClr val="000000"/>
         </a:solidFill>
@@ -678,7 +693,7 @@
         <a:sym typeface="Arial"/>
       </a:defRPr>
     </a:lvl8pPr>
-    <a:lvl9pPr lvl="8" marR="0" rtl="0" algn="l">
+    <a:lvl9pPr marR="0" lvl="8" algn="l" rtl="0">
       <a:lnSpc>
         <a:spcPct val="100000"/>
       </a:lnSpc>
@@ -692,7 +707,7 @@
         <a:srgbClr val="000000"/>
       </a:buClr>
       <a:buFont typeface="Arial"/>
-      <a:defRPr b="0" i="0" sz="1400" u="none" cap="none" strike="noStrike">
+      <a:defRPr sz="1400" b="0" i="0" u="none" strike="noStrike" cap="none">
         <a:solidFill>
           <a:srgbClr val="000000"/>
         </a:solidFill>
@@ -707,11 +722,11 @@
 </file>
 
 <file path=ppt/notesSlides/notesSlide1.xml><?xml version="1.0" encoding="utf-8"?>
-<p:notes xmlns:a="http://schemas.openxmlformats.org/drawingml/2006/main" xmlns:r="http://schemas.openxmlformats.org/officeDocument/2006/relationships" xmlns:mc="http://schemas.openxmlformats.org/markup-compatibility/2006" xmlns:mv="urn:schemas-microsoft-com:mac:vml" xmlns:p="http://schemas.openxmlformats.org/presentationml/2006/main" xmlns:c="http://schemas.openxmlformats.org/drawingml/2006/chart" xmlns:dgm="http://schemas.openxmlformats.org/drawingml/2006/diagram" xmlns:o="urn:schemas-microsoft-com:office:office" xmlns:v="urn:schemas-microsoft-com:vml" xmlns:pvml="urn:schemas-microsoft-com:office:powerpoint" xmlns:com="http://schemas.openxmlformats.org/drawingml/2006/compatibility" xmlns:p14="http://schemas.microsoft.com/office/powerpoint/2010/main" xmlns:p15="http://schemas.microsoft.com/office/powerpoint/2012/main" xmlns:ahyp="http://schemas.microsoft.com/office/drawing/2018/hyperlinkcolor" showMasterPhAnim="0" showMasterSp="0">
+<p:notes xmlns:a="http://schemas.openxmlformats.org/drawingml/2006/main" xmlns:r="http://schemas.openxmlformats.org/officeDocument/2006/relationships" xmlns:p="http://schemas.openxmlformats.org/presentationml/2006/main" showMasterSp="0" showMasterPhAnim="0">
   <p:cSld>
     <p:spTree>
       <p:nvGrpSpPr>
-        <p:cNvPr id="130" name="Shape 130"/>
+        <p:cNvPr id="1" name="Shape 130"/>
         <p:cNvGrpSpPr/>
         <p:nvPr/>
       </p:nvGrpSpPr>
@@ -726,9 +741,11 @@
       <p:sp>
         <p:nvSpPr>
           <p:cNvPr id="131" name="Google Shape;131;p:notes"/>
-          <p:cNvSpPr/>
+          <p:cNvSpPr>
+            <a:spLocks noGrp="1" noRot="1" noChangeAspect="1"/>
+          </p:cNvSpPr>
           <p:nvPr>
-            <p:ph idx="2" type="sldImg"/>
+            <p:ph type="sldImg" idx="2"/>
           </p:nvPr>
         </p:nvSpPr>
         <p:spPr>
@@ -737,9 +754,13 @@
             <a:ext cx="6096075" cy="3429000"/>
           </a:xfrm>
           <a:custGeom>
-            <a:rect b="b" l="l" r="r" t="t"/>
+            <a:avLst/>
+            <a:gdLst/>
+            <a:ahLst/>
+            <a:cxnLst/>
+            <a:rect l="l" t="t" r="r" b="b"/>
             <a:pathLst>
-              <a:path extrusionOk="0" h="120000" w="120000">
+              <a:path w="120000" h="120000" extrusionOk="0">
                 <a:moveTo>
                   <a:pt x="0" y="0"/>
                 </a:moveTo>
@@ -761,9 +782,11 @@
       <p:sp>
         <p:nvSpPr>
           <p:cNvPr id="132" name="Google Shape;132;p:notes"/>
-          <p:cNvSpPr txBox="1"/>
+          <p:cNvSpPr txBox="1">
+            <a:spLocks noGrp="1"/>
+          </p:cNvSpPr>
           <p:nvPr>
-            <p:ph idx="1" type="body"/>
+            <p:ph type="body" idx="1"/>
           </p:nvPr>
         </p:nvSpPr>
         <p:spPr>
@@ -776,12 +799,12 @@
           </a:prstGeom>
         </p:spPr>
         <p:txBody>
-          <a:bodyPr anchorCtr="0" anchor="t" bIns="91425" lIns="91425" spcFirstLastPara="1" rIns="91425" wrap="square" tIns="91425">
+          <a:bodyPr spcFirstLastPara="1" wrap="square" lIns="91425" tIns="91425" rIns="91425" bIns="91425" anchor="t" anchorCtr="0">
             <a:noAutofit/>
           </a:bodyPr>
           <a:lstStyle/>
           <a:p>
-            <a:pPr indent="0" lvl="0" marL="0" rtl="0" algn="l">
+            <a:pPr marL="0" lvl="0" indent="0" algn="l" rtl="0">
               <a:spcBef>
                 <a:spcPts val="0"/>
               </a:spcBef>
@@ -790,9 +813,6 @@
               </a:spcAft>
               <a:buNone/>
             </a:pPr>
-            <a:r>
-              <a:t/>
-            </a:r>
             <a:endParaRPr/>
           </a:p>
         </p:txBody>
@@ -806,11 +826,11 @@
 </file>
 
 <file path=ppt/notesSlides/notesSlide2.xml><?xml version="1.0" encoding="utf-8"?>
-<p:notes xmlns:a="http://schemas.openxmlformats.org/drawingml/2006/main" xmlns:r="http://schemas.openxmlformats.org/officeDocument/2006/relationships" xmlns:mc="http://schemas.openxmlformats.org/markup-compatibility/2006" xmlns:mv="urn:schemas-microsoft-com:mac:vml" xmlns:p="http://schemas.openxmlformats.org/presentationml/2006/main" xmlns:c="http://schemas.openxmlformats.org/drawingml/2006/chart" xmlns:dgm="http://schemas.openxmlformats.org/drawingml/2006/diagram" xmlns:o="urn:schemas-microsoft-com:office:office" xmlns:v="urn:schemas-microsoft-com:vml" xmlns:pvml="urn:schemas-microsoft-com:office:powerpoint" xmlns:com="http://schemas.openxmlformats.org/drawingml/2006/compatibility" xmlns:p14="http://schemas.microsoft.com/office/powerpoint/2010/main" xmlns:p15="http://schemas.microsoft.com/office/powerpoint/2012/main" xmlns:ahyp="http://schemas.microsoft.com/office/drawing/2018/hyperlinkcolor" showMasterPhAnim="0" showMasterSp="0">
+<p:notes xmlns:a="http://schemas.openxmlformats.org/drawingml/2006/main" xmlns:r="http://schemas.openxmlformats.org/officeDocument/2006/relationships" xmlns:p="http://schemas.openxmlformats.org/presentationml/2006/main" showMasterSp="0" showMasterPhAnim="0">
   <p:cSld>
     <p:spTree>
       <p:nvGrpSpPr>
-        <p:cNvPr id="136" name="Shape 136"/>
+        <p:cNvPr id="1" name="Shape 136"/>
         <p:cNvGrpSpPr/>
         <p:nvPr/>
       </p:nvGrpSpPr>
@@ -825,9 +845,11 @@
       <p:sp>
         <p:nvSpPr>
           <p:cNvPr id="137" name="Google Shape;137;gaede49a3d0_2_125:notes"/>
-          <p:cNvSpPr/>
+          <p:cNvSpPr>
+            <a:spLocks noGrp="1" noRot="1" noChangeAspect="1"/>
+          </p:cNvSpPr>
           <p:nvPr>
-            <p:ph idx="2" type="sldImg"/>
+            <p:ph type="sldImg" idx="2"/>
           </p:nvPr>
         </p:nvSpPr>
         <p:spPr>
@@ -836,9 +858,13 @@
             <a:ext cx="6096000" cy="3429000"/>
           </a:xfrm>
           <a:custGeom>
-            <a:rect b="b" l="l" r="r" t="t"/>
+            <a:avLst/>
+            <a:gdLst/>
+            <a:ahLst/>
+            <a:cxnLst/>
+            <a:rect l="l" t="t" r="r" b="b"/>
             <a:pathLst>
-              <a:path extrusionOk="0" h="120000" w="120000">
+              <a:path w="120000" h="120000" extrusionOk="0">
                 <a:moveTo>
                   <a:pt x="0" y="0"/>
                 </a:moveTo>
@@ -860,9 +886,11 @@
       <p:sp>
         <p:nvSpPr>
           <p:cNvPr id="138" name="Google Shape;138;gaede49a3d0_2_125:notes"/>
-          <p:cNvSpPr txBox="1"/>
+          <p:cNvSpPr txBox="1">
+            <a:spLocks noGrp="1"/>
+          </p:cNvSpPr>
           <p:nvPr>
-            <p:ph idx="1" type="body"/>
+            <p:ph type="body" idx="1"/>
           </p:nvPr>
         </p:nvSpPr>
         <p:spPr>
@@ -875,12 +903,12 @@
           </a:prstGeom>
         </p:spPr>
         <p:txBody>
-          <a:bodyPr anchorCtr="0" anchor="t" bIns="91425" lIns="91425" spcFirstLastPara="1" rIns="91425" wrap="square" tIns="91425">
+          <a:bodyPr spcFirstLastPara="1" wrap="square" lIns="91425" tIns="91425" rIns="91425" bIns="91425" anchor="t" anchorCtr="0">
             <a:noAutofit/>
           </a:bodyPr>
           <a:lstStyle/>
           <a:p>
-            <a:pPr indent="0" lvl="0" marL="0" rtl="0" algn="l">
+            <a:pPr marL="0" lvl="0" indent="0" algn="l" rtl="0">
               <a:spcBef>
                 <a:spcPts val="0"/>
               </a:spcBef>
@@ -889,9 +917,6 @@
               </a:spcAft>
               <a:buNone/>
             </a:pPr>
-            <a:r>
-              <a:t/>
-            </a:r>
             <a:endParaRPr/>
           </a:p>
         </p:txBody>
@@ -905,11 +930,11 @@
 </file>
 
 <file path=ppt/notesSlides/notesSlide3.xml><?xml version="1.0" encoding="utf-8"?>
-<p:notes xmlns:a="http://schemas.openxmlformats.org/drawingml/2006/main" xmlns:r="http://schemas.openxmlformats.org/officeDocument/2006/relationships" xmlns:mc="http://schemas.openxmlformats.org/markup-compatibility/2006" xmlns:mv="urn:schemas-microsoft-com:mac:vml" xmlns:p="http://schemas.openxmlformats.org/presentationml/2006/main" xmlns:c="http://schemas.openxmlformats.org/drawingml/2006/chart" xmlns:dgm="http://schemas.openxmlformats.org/drawingml/2006/diagram" xmlns:o="urn:schemas-microsoft-com:office:office" xmlns:v="urn:schemas-microsoft-com:vml" xmlns:pvml="urn:schemas-microsoft-com:office:powerpoint" xmlns:com="http://schemas.openxmlformats.org/drawingml/2006/compatibility" xmlns:p14="http://schemas.microsoft.com/office/powerpoint/2010/main" xmlns:p15="http://schemas.microsoft.com/office/powerpoint/2012/main" xmlns:ahyp="http://schemas.microsoft.com/office/drawing/2018/hyperlinkcolor" showMasterPhAnim="0" showMasterSp="0">
+<p:notes xmlns:a="http://schemas.openxmlformats.org/drawingml/2006/main" xmlns:r="http://schemas.openxmlformats.org/officeDocument/2006/relationships" xmlns:p="http://schemas.openxmlformats.org/presentationml/2006/main" showMasterSp="0" showMasterPhAnim="0">
   <p:cSld>
     <p:spTree>
       <p:nvGrpSpPr>
-        <p:cNvPr id="142" name="Shape 142"/>
+        <p:cNvPr id="1" name="Shape 142"/>
         <p:cNvGrpSpPr/>
         <p:nvPr/>
       </p:nvGrpSpPr>
@@ -924,9 +949,11 @@
       <p:sp>
         <p:nvSpPr>
           <p:cNvPr id="143" name="Google Shape;143;gaede49a3d0_2_130:notes"/>
-          <p:cNvSpPr/>
+          <p:cNvSpPr>
+            <a:spLocks noGrp="1" noRot="1" noChangeAspect="1"/>
+          </p:cNvSpPr>
           <p:nvPr>
-            <p:ph idx="2" type="sldImg"/>
+            <p:ph type="sldImg" idx="2"/>
           </p:nvPr>
         </p:nvSpPr>
         <p:spPr>
@@ -935,9 +962,13 @@
             <a:ext cx="6096000" cy="3429000"/>
           </a:xfrm>
           <a:custGeom>
-            <a:rect b="b" l="l" r="r" t="t"/>
+            <a:avLst/>
+            <a:gdLst/>
+            <a:ahLst/>
+            <a:cxnLst/>
+            <a:rect l="l" t="t" r="r" b="b"/>
             <a:pathLst>
-              <a:path extrusionOk="0" h="120000" w="120000">
+              <a:path w="120000" h="120000" extrusionOk="0">
                 <a:moveTo>
                   <a:pt x="0" y="0"/>
                 </a:moveTo>
@@ -959,9 +990,11 @@
       <p:sp>
         <p:nvSpPr>
           <p:cNvPr id="144" name="Google Shape;144;gaede49a3d0_2_130:notes"/>
-          <p:cNvSpPr txBox="1"/>
+          <p:cNvSpPr txBox="1">
+            <a:spLocks noGrp="1"/>
+          </p:cNvSpPr>
           <p:nvPr>
-            <p:ph idx="1" type="body"/>
+            <p:ph type="body" idx="1"/>
           </p:nvPr>
         </p:nvSpPr>
         <p:spPr>
@@ -974,12 +1007,12 @@
           </a:prstGeom>
         </p:spPr>
         <p:txBody>
-          <a:bodyPr anchorCtr="0" anchor="t" bIns="91425" lIns="91425" spcFirstLastPara="1" rIns="91425" wrap="square" tIns="91425">
+          <a:bodyPr spcFirstLastPara="1" wrap="square" lIns="91425" tIns="91425" rIns="91425" bIns="91425" anchor="t" anchorCtr="0">
             <a:noAutofit/>
           </a:bodyPr>
           <a:lstStyle/>
           <a:p>
-            <a:pPr indent="0" lvl="0" marL="0" rtl="0" algn="l">
+            <a:pPr marL="0" lvl="0" indent="0" algn="l" rtl="0">
               <a:spcBef>
                 <a:spcPts val="0"/>
               </a:spcBef>
@@ -988,9 +1021,6 @@
               </a:spcAft>
               <a:buNone/>
             </a:pPr>
-            <a:r>
-              <a:t/>
-            </a:r>
             <a:endParaRPr/>
           </a:p>
         </p:txBody>
@@ -1004,110 +1034,11 @@
 </file>
 
 <file path=ppt/notesSlides/notesSlide4.xml><?xml version="1.0" encoding="utf-8"?>
-<p:notes xmlns:a="http://schemas.openxmlformats.org/drawingml/2006/main" xmlns:r="http://schemas.openxmlformats.org/officeDocument/2006/relationships" xmlns:mc="http://schemas.openxmlformats.org/markup-compatibility/2006" xmlns:mv="urn:schemas-microsoft-com:mac:vml" xmlns:p="http://schemas.openxmlformats.org/presentationml/2006/main" xmlns:c="http://schemas.openxmlformats.org/drawingml/2006/chart" xmlns:dgm="http://schemas.openxmlformats.org/drawingml/2006/diagram" xmlns:o="urn:schemas-microsoft-com:office:office" xmlns:v="urn:schemas-microsoft-com:vml" xmlns:pvml="urn:schemas-microsoft-com:office:powerpoint" xmlns:com="http://schemas.openxmlformats.org/drawingml/2006/compatibility" xmlns:p14="http://schemas.microsoft.com/office/powerpoint/2010/main" xmlns:p15="http://schemas.microsoft.com/office/powerpoint/2012/main" xmlns:ahyp="http://schemas.microsoft.com/office/drawing/2018/hyperlinkcolor" showMasterPhAnim="0" showMasterSp="0">
+<p:notes xmlns:a="http://schemas.openxmlformats.org/drawingml/2006/main" xmlns:r="http://schemas.openxmlformats.org/officeDocument/2006/relationships" xmlns:p="http://schemas.openxmlformats.org/presentationml/2006/main" showMasterSp="0" showMasterPhAnim="0">
   <p:cSld>
     <p:spTree>
       <p:nvGrpSpPr>
-        <p:cNvPr id="148" name="Shape 148"/>
-        <p:cNvGrpSpPr/>
-        <p:nvPr/>
-      </p:nvGrpSpPr>
-      <p:grpSpPr>
-        <a:xfrm>
-          <a:off x="0" y="0"/>
-          <a:ext cx="0" cy="0"/>
-          <a:chOff x="0" y="0"/>
-          <a:chExt cx="0" cy="0"/>
-        </a:xfrm>
-      </p:grpSpPr>
-      <p:sp>
-        <p:nvSpPr>
-          <p:cNvPr id="149" name="Google Shape;149;gaede49a3d0_2_169:notes"/>
-          <p:cNvSpPr/>
-          <p:nvPr>
-            <p:ph idx="2" type="sldImg"/>
-          </p:nvPr>
-        </p:nvSpPr>
-        <p:spPr>
-          <a:xfrm>
-            <a:off x="381300" y="685800"/>
-            <a:ext cx="6096000" cy="3429000"/>
-          </a:xfrm>
-          <a:custGeom>
-            <a:rect b="b" l="l" r="r" t="t"/>
-            <a:pathLst>
-              <a:path extrusionOk="0" h="120000" w="120000">
-                <a:moveTo>
-                  <a:pt x="0" y="0"/>
-                </a:moveTo>
-                <a:lnTo>
-                  <a:pt x="120000" y="0"/>
-                </a:lnTo>
-                <a:lnTo>
-                  <a:pt x="120000" y="120000"/>
-                </a:lnTo>
-                <a:lnTo>
-                  <a:pt x="0" y="120000"/>
-                </a:lnTo>
-                <a:close/>
-              </a:path>
-            </a:pathLst>
-          </a:custGeom>
-        </p:spPr>
-      </p:sp>
-      <p:sp>
-        <p:nvSpPr>
-          <p:cNvPr id="150" name="Google Shape;150;gaede49a3d0_2_169:notes"/>
-          <p:cNvSpPr txBox="1"/>
-          <p:nvPr>
-            <p:ph idx="1" type="body"/>
-          </p:nvPr>
-        </p:nvSpPr>
-        <p:spPr>
-          <a:xfrm>
-            <a:off x="685800" y="4343400"/>
-            <a:ext cx="5486400" cy="4114800"/>
-          </a:xfrm>
-          <a:prstGeom prst="rect">
-            <a:avLst/>
-          </a:prstGeom>
-        </p:spPr>
-        <p:txBody>
-          <a:bodyPr anchorCtr="0" anchor="t" bIns="91425" lIns="91425" spcFirstLastPara="1" rIns="91425" wrap="square" tIns="91425">
-            <a:noAutofit/>
-          </a:bodyPr>
-          <a:lstStyle/>
-          <a:p>
-            <a:pPr indent="0" lvl="0" marL="0" rtl="0" algn="l">
-              <a:spcBef>
-                <a:spcPts val="0"/>
-              </a:spcBef>
-              <a:spcAft>
-                <a:spcPts val="0"/>
-              </a:spcAft>
-              <a:buNone/>
-            </a:pPr>
-            <a:r>
-              <a:t/>
-            </a:r>
-            <a:endParaRPr/>
-          </a:p>
-        </p:txBody>
-      </p:sp>
-    </p:spTree>
-  </p:cSld>
-  <p:clrMapOvr>
-    <a:masterClrMapping/>
-  </p:clrMapOvr>
-</p:notes>
-</file>
-
-<file path=ppt/notesSlides/notesSlide5.xml><?xml version="1.0" encoding="utf-8"?>
-<p:notes xmlns:a="http://schemas.openxmlformats.org/drawingml/2006/main" xmlns:r="http://schemas.openxmlformats.org/officeDocument/2006/relationships" xmlns:mc="http://schemas.openxmlformats.org/markup-compatibility/2006" xmlns:mv="urn:schemas-microsoft-com:mac:vml" xmlns:p="http://schemas.openxmlformats.org/presentationml/2006/main" xmlns:c="http://schemas.openxmlformats.org/drawingml/2006/chart" xmlns:dgm="http://schemas.openxmlformats.org/drawingml/2006/diagram" xmlns:o="urn:schemas-microsoft-com:office:office" xmlns:v="urn:schemas-microsoft-com:vml" xmlns:pvml="urn:schemas-microsoft-com:office:powerpoint" xmlns:com="http://schemas.openxmlformats.org/drawingml/2006/compatibility" xmlns:p14="http://schemas.microsoft.com/office/powerpoint/2010/main" xmlns:p15="http://schemas.microsoft.com/office/powerpoint/2012/main" xmlns:ahyp="http://schemas.microsoft.com/office/drawing/2018/hyperlinkcolor" showMasterPhAnim="0" showMasterSp="0">
-  <p:cSld>
-    <p:spTree>
-      <p:nvGrpSpPr>
-        <p:cNvPr id="154" name="Shape 154"/>
+        <p:cNvPr id="1" name="Shape 154"/>
         <p:cNvGrpSpPr/>
         <p:nvPr/>
       </p:nvGrpSpPr>
@@ -1122,20 +1053,26 @@
       <p:sp>
         <p:nvSpPr>
           <p:cNvPr id="155" name="Google Shape;155;gaede49a3d0_2_174:notes"/>
-          <p:cNvSpPr/>
+          <p:cNvSpPr>
+            <a:spLocks noGrp="1" noRot="1" noChangeAspect="1"/>
+          </p:cNvSpPr>
           <p:nvPr>
-            <p:ph idx="2" type="sldImg"/>
+            <p:ph type="sldImg" idx="2"/>
           </p:nvPr>
         </p:nvSpPr>
         <p:spPr>
           <a:xfrm>
-            <a:off x="381300" y="685800"/>
+            <a:off x="381000" y="685800"/>
             <a:ext cx="6096000" cy="3429000"/>
           </a:xfrm>
           <a:custGeom>
-            <a:rect b="b" l="l" r="r" t="t"/>
+            <a:avLst/>
+            <a:gdLst/>
+            <a:ahLst/>
+            <a:cxnLst/>
+            <a:rect l="l" t="t" r="r" b="b"/>
             <a:pathLst>
-              <a:path extrusionOk="0" h="120000" w="120000">
+              <a:path w="120000" h="120000" extrusionOk="0">
                 <a:moveTo>
                   <a:pt x="0" y="0"/>
                 </a:moveTo>
@@ -1157,9 +1094,11 @@
       <p:sp>
         <p:nvSpPr>
           <p:cNvPr id="156" name="Google Shape;156;gaede49a3d0_2_174:notes"/>
-          <p:cNvSpPr txBox="1"/>
+          <p:cNvSpPr txBox="1">
+            <a:spLocks noGrp="1"/>
+          </p:cNvSpPr>
           <p:nvPr>
-            <p:ph idx="1" type="body"/>
+            <p:ph type="body" idx="1"/>
           </p:nvPr>
         </p:nvSpPr>
         <p:spPr>
@@ -1172,12 +1111,12 @@
           </a:prstGeom>
         </p:spPr>
         <p:txBody>
-          <a:bodyPr anchorCtr="0" anchor="t" bIns="91425" lIns="91425" spcFirstLastPara="1" rIns="91425" wrap="square" tIns="91425">
+          <a:bodyPr spcFirstLastPara="1" wrap="square" lIns="91425" tIns="91425" rIns="91425" bIns="91425" anchor="t" anchorCtr="0">
             <a:noAutofit/>
           </a:bodyPr>
           <a:lstStyle/>
           <a:p>
-            <a:pPr indent="0" lvl="0" marL="0" rtl="0" algn="l">
+            <a:pPr marL="0" lvl="0" indent="0" algn="l" rtl="0">
               <a:spcBef>
                 <a:spcPts val="0"/>
               </a:spcBef>
@@ -1186,9 +1125,6 @@
               </a:spcAft>
               <a:buNone/>
             </a:pPr>
-            <a:r>
-              <a:t/>
-            </a:r>
             <a:endParaRPr/>
           </a:p>
         </p:txBody>
@@ -1202,11 +1138,11 @@
 </file>
 
 <file path=ppt/slideLayouts/slideLayout1.xml><?xml version="1.0" encoding="utf-8"?>
-<p:sldLayout xmlns:a="http://schemas.openxmlformats.org/drawingml/2006/main" xmlns:r="http://schemas.openxmlformats.org/officeDocument/2006/relationships" xmlns:mc="http://schemas.openxmlformats.org/markup-compatibility/2006" xmlns:mv="urn:schemas-microsoft-com:mac:vml" xmlns:p="http://schemas.openxmlformats.org/presentationml/2006/main" xmlns:c="http://schemas.openxmlformats.org/drawingml/2006/chart" xmlns:dgm="http://schemas.openxmlformats.org/drawingml/2006/diagram" xmlns:o="urn:schemas-microsoft-com:office:office" xmlns:v="urn:schemas-microsoft-com:vml" xmlns:pvml="urn:schemas-microsoft-com:office:powerpoint" xmlns:com="http://schemas.openxmlformats.org/drawingml/2006/compatibility" xmlns:p14="http://schemas.microsoft.com/office/powerpoint/2010/main" xmlns:p15="http://schemas.microsoft.com/office/powerpoint/2012/main" xmlns:ahyp="http://schemas.microsoft.com/office/drawing/2018/hyperlinkcolor" matchingName="Title slide" type="title">
+<p:sldLayout xmlns:a="http://schemas.openxmlformats.org/drawingml/2006/main" xmlns:r="http://schemas.openxmlformats.org/officeDocument/2006/relationships" xmlns:p="http://schemas.openxmlformats.org/presentationml/2006/main" matchingName="Title slide" type="title">
   <p:cSld name="TITLE">
     <p:spTree>
       <p:nvGrpSpPr>
-        <p:cNvPr id="9" name="Shape 9"/>
+        <p:cNvPr id="1" name="Shape 9"/>
         <p:cNvGrpSpPr/>
         <p:nvPr/>
       </p:nvGrpSpPr>
@@ -1231,7 +1167,7 @@
           </a:xfrm>
           <a:prstGeom prst="diagStripe">
             <a:avLst>
-              <a:gd fmla="val 0" name="adj"/>
+              <a:gd name="adj" fmla="val 0"/>
             </a:avLst>
           </a:prstGeom>
           <a:solidFill>
@@ -1244,12 +1180,12 @@
           </a:ln>
         </p:spPr>
         <p:txBody>
-          <a:bodyPr anchorCtr="0" anchor="ctr" bIns="91425" lIns="91425" spcFirstLastPara="1" rIns="91425" wrap="square" tIns="91425">
+          <a:bodyPr spcFirstLastPara="1" wrap="square" lIns="91425" tIns="91425" rIns="91425" bIns="91425" anchor="ctr" anchorCtr="0">
             <a:noAutofit/>
           </a:bodyPr>
           <a:lstStyle/>
           <a:p>
-            <a:pPr indent="0" lvl="0" marL="0" rtl="0" algn="l">
+            <a:pPr marL="0" lvl="0" indent="0" algn="l" rtl="0">
               <a:spcBef>
                 <a:spcPts val="0"/>
               </a:spcBef>
@@ -1258,9 +1194,6 @@
               </a:spcAft>
               <a:buNone/>
             </a:pPr>
-            <a:r>
-              <a:t/>
-            </a:r>
             <a:endParaRPr/>
           </a:p>
         </p:txBody>
@@ -1292,7 +1225,7 @@
             </a:xfrm>
             <a:prstGeom prst="diagStripe">
               <a:avLst>
-                <a:gd fmla="val 50000" name="adj"/>
+                <a:gd name="adj" fmla="val 50000"/>
               </a:avLst>
             </a:prstGeom>
             <a:solidFill>
@@ -1305,12 +1238,12 @@
             </a:ln>
           </p:spPr>
           <p:txBody>
-            <a:bodyPr anchorCtr="0" anchor="ctr" bIns="91425" lIns="91425" spcFirstLastPara="1" rIns="91425" wrap="square" tIns="91425">
+            <a:bodyPr spcFirstLastPara="1" wrap="square" lIns="91425" tIns="91425" rIns="91425" bIns="91425" anchor="ctr" anchorCtr="0">
               <a:noAutofit/>
             </a:bodyPr>
             <a:lstStyle/>
             <a:p>
-              <a:pPr indent="0" lvl="0" marL="0" rtl="0" algn="l">
+              <a:pPr marL="0" lvl="0" indent="0" algn="l" rtl="0">
                 <a:spcBef>
                   <a:spcPts val="0"/>
                 </a:spcBef>
@@ -1319,9 +1252,6 @@
                 </a:spcAft>
                 <a:buNone/>
               </a:pPr>
-              <a:r>
-                <a:t/>
-              </a:r>
               <a:endParaRPr/>
             </a:p>
           </p:txBody>
@@ -1339,7 +1269,7 @@
             </a:xfrm>
             <a:prstGeom prst="diagStripe">
               <a:avLst>
-                <a:gd fmla="val 58774" name="adj"/>
+                <a:gd name="adj" fmla="val 58774"/>
               </a:avLst>
             </a:prstGeom>
             <a:solidFill>
@@ -1352,12 +1282,12 @@
             </a:ln>
           </p:spPr>
           <p:txBody>
-            <a:bodyPr anchorCtr="0" anchor="ctr" bIns="91425" lIns="91425" spcFirstLastPara="1" rIns="91425" wrap="square" tIns="91425">
+            <a:bodyPr spcFirstLastPara="1" wrap="square" lIns="91425" tIns="91425" rIns="91425" bIns="91425" anchor="ctr" anchorCtr="0">
               <a:noAutofit/>
             </a:bodyPr>
             <a:lstStyle/>
             <a:p>
-              <a:pPr indent="0" lvl="0" marL="0" rtl="0" algn="l">
+              <a:pPr marL="0" lvl="0" indent="0" algn="l" rtl="0">
                 <a:spcBef>
                   <a:spcPts val="0"/>
                 </a:spcBef>
@@ -1366,9 +1296,6 @@
                 </a:spcAft>
                 <a:buNone/>
               </a:pPr>
-              <a:r>
-                <a:t/>
-              </a:r>
               <a:endParaRPr/>
             </a:p>
           </p:txBody>
@@ -1386,7 +1313,7 @@
             </a:xfrm>
             <a:prstGeom prst="diagStripe">
               <a:avLst>
-                <a:gd fmla="val 50000" name="adj"/>
+                <a:gd name="adj" fmla="val 50000"/>
               </a:avLst>
             </a:prstGeom>
             <a:solidFill>
@@ -1397,12 +1324,12 @@
             </a:ln>
           </p:spPr>
           <p:txBody>
-            <a:bodyPr anchorCtr="0" anchor="ctr" bIns="91425" lIns="91425" spcFirstLastPara="1" rIns="91425" wrap="square" tIns="91425">
+            <a:bodyPr spcFirstLastPara="1" wrap="square" lIns="91425" tIns="91425" rIns="91425" bIns="91425" anchor="ctr" anchorCtr="0">
               <a:noAutofit/>
             </a:bodyPr>
             <a:lstStyle/>
             <a:p>
-              <a:pPr indent="0" lvl="0" marL="0" rtl="0" algn="l">
+              <a:pPr marL="0" lvl="0" indent="0" algn="l" rtl="0">
                 <a:spcBef>
                   <a:spcPts val="0"/>
                 </a:spcBef>
@@ -1411,9 +1338,6 @@
                 </a:spcAft>
                 <a:buNone/>
               </a:pPr>
-              <a:r>
-                <a:t/>
-              </a:r>
               <a:endParaRPr/>
             </a:p>
           </p:txBody>
@@ -1431,7 +1355,7 @@
             </a:xfrm>
             <a:prstGeom prst="diagStripe">
               <a:avLst>
-                <a:gd fmla="val 50000" name="adj"/>
+                <a:gd name="adj" fmla="val 50000"/>
               </a:avLst>
             </a:prstGeom>
             <a:solidFill>
@@ -1442,12 +1366,12 @@
             </a:ln>
           </p:spPr>
           <p:txBody>
-            <a:bodyPr anchorCtr="0" anchor="ctr" bIns="91425" lIns="91425" spcFirstLastPara="1" rIns="91425" wrap="square" tIns="91425">
+            <a:bodyPr spcFirstLastPara="1" wrap="square" lIns="91425" tIns="91425" rIns="91425" bIns="91425" anchor="ctr" anchorCtr="0">
               <a:noAutofit/>
             </a:bodyPr>
             <a:lstStyle/>
             <a:p>
-              <a:pPr indent="0" lvl="0" marL="0" rtl="0" algn="l">
+              <a:pPr marL="0" lvl="0" indent="0" algn="l" rtl="0">
                 <a:spcBef>
                   <a:spcPts val="0"/>
                 </a:spcBef>
@@ -1456,9 +1380,6 @@
                 </a:spcAft>
                 <a:buNone/>
               </a:pPr>
-              <a:r>
-                <a:t/>
-              </a:r>
               <a:endParaRPr/>
             </a:p>
           </p:txBody>
@@ -1467,7 +1388,9 @@
       <p:sp>
         <p:nvSpPr>
           <p:cNvPr id="16" name="Google Shape;16;p2"/>
-          <p:cNvSpPr txBox="1"/>
+          <p:cNvSpPr txBox="1">
+            <a:spLocks noGrp="1"/>
+          </p:cNvSpPr>
           <p:nvPr>
             <p:ph type="ctrTitle"/>
           </p:nvPr>
@@ -1482,7 +1405,7 @@
           </a:prstGeom>
         </p:spPr>
         <p:txBody>
-          <a:bodyPr anchorCtr="0" anchor="t" bIns="91425" lIns="91425" spcFirstLastPara="1" rIns="91425" wrap="square" tIns="91425">
+          <a:bodyPr spcFirstLastPara="1" wrap="square" lIns="91425" tIns="91425" rIns="91425" bIns="91425" anchor="t" anchorCtr="0">
             <a:noAutofit/>
           </a:bodyPr>
           <a:lstStyle>
@@ -1586,15 +1509,19 @@
               <a:defRPr sz="4000"/>
             </a:lvl9pPr>
           </a:lstStyle>
-          <a:p/>
+          <a:p>
+            <a:endParaRPr/>
+          </a:p>
         </p:txBody>
       </p:sp>
       <p:sp>
         <p:nvSpPr>
           <p:cNvPr id="17" name="Google Shape;17;p2"/>
-          <p:cNvSpPr txBox="1"/>
+          <p:cNvSpPr txBox="1">
+            <a:spLocks noGrp="1"/>
+          </p:cNvSpPr>
           <p:nvPr>
-            <p:ph idx="1" type="subTitle"/>
+            <p:ph type="subTitle" idx="1"/>
           </p:nvPr>
         </p:nvSpPr>
         <p:spPr>
@@ -1607,7 +1534,7 @@
           </a:prstGeom>
         </p:spPr>
         <p:txBody>
-          <a:bodyPr anchorCtr="0" anchor="t" bIns="91425" lIns="91425" spcFirstLastPara="1" rIns="91425" wrap="square" tIns="91425">
+          <a:bodyPr spcFirstLastPara="1" wrap="square" lIns="91425" tIns="91425" rIns="91425" bIns="91425" anchor="t" anchorCtr="0">
             <a:noAutofit/>
           </a:bodyPr>
           <a:lstStyle>
@@ -1738,15 +1665,19 @@
               <a:defRPr sz="1300"/>
             </a:lvl9pPr>
           </a:lstStyle>
-          <a:p/>
+          <a:p>
+            <a:endParaRPr/>
+          </a:p>
         </p:txBody>
       </p:sp>
       <p:sp>
         <p:nvSpPr>
           <p:cNvPr id="18" name="Google Shape;18;p2"/>
-          <p:cNvSpPr txBox="1"/>
+          <p:cNvSpPr txBox="1">
+            <a:spLocks noGrp="1"/>
+          </p:cNvSpPr>
           <p:nvPr>
-            <p:ph idx="12" type="sldNum"/>
+            <p:ph type="sldNum" idx="12"/>
           </p:nvPr>
         </p:nvSpPr>
         <p:spPr>
@@ -1759,7 +1690,7 @@
           </a:prstGeom>
         </p:spPr>
         <p:txBody>
-          <a:bodyPr anchorCtr="0" anchor="ctr" bIns="91425" lIns="91425" spcFirstLastPara="1" rIns="91425" wrap="square" tIns="91425">
+          <a:bodyPr spcFirstLastPara="1" wrap="square" lIns="91425" tIns="91425" rIns="91425" bIns="91425" anchor="ctr" anchorCtr="0">
             <a:noAutofit/>
           </a:bodyPr>
           <a:lstStyle>
@@ -1801,7 +1732,7 @@
             </a:lvl9pPr>
           </a:lstStyle>
           <a:p>
-            <a:pPr indent="0" lvl="0" marL="0" rtl="0" algn="r">
+            <a:pPr marL="0" lvl="0" indent="0" algn="r" rtl="0">
               <a:spcBef>
                 <a:spcPts val="0"/>
               </a:spcBef>
@@ -1827,11 +1758,11 @@
 </file>
 
 <file path=ppt/slideLayouts/slideLayout10.xml><?xml version="1.0" encoding="utf-8"?>
-<p:sldLayout xmlns:a="http://schemas.openxmlformats.org/drawingml/2006/main" xmlns:r="http://schemas.openxmlformats.org/officeDocument/2006/relationships" xmlns:mc="http://schemas.openxmlformats.org/markup-compatibility/2006" xmlns:mv="urn:schemas-microsoft-com:mac:vml" xmlns:p="http://schemas.openxmlformats.org/presentationml/2006/main" xmlns:c="http://schemas.openxmlformats.org/drawingml/2006/chart" xmlns:dgm="http://schemas.openxmlformats.org/drawingml/2006/diagram" xmlns:o="urn:schemas-microsoft-com:office:office" xmlns:v="urn:schemas-microsoft-com:vml" xmlns:pvml="urn:schemas-microsoft-com:office:powerpoint" xmlns:com="http://schemas.openxmlformats.org/drawingml/2006/compatibility" xmlns:p14="http://schemas.microsoft.com/office/powerpoint/2010/main" xmlns:p15="http://schemas.microsoft.com/office/powerpoint/2012/main" xmlns:ahyp="http://schemas.microsoft.com/office/drawing/2018/hyperlinkcolor" matchingName="Big number">
+<p:sldLayout xmlns:a="http://schemas.openxmlformats.org/drawingml/2006/main" xmlns:r="http://schemas.openxmlformats.org/officeDocument/2006/relationships" xmlns:p="http://schemas.openxmlformats.org/presentationml/2006/main" matchingName="Big number">
   <p:cSld name="BIG_NUMBER">
     <p:spTree>
       <p:nvGrpSpPr>
-        <p:cNvPr id="105" name="Shape 105"/>
+        <p:cNvPr id="1" name="Shape 105"/>
         <p:cNvGrpSpPr/>
         <p:nvPr/>
       </p:nvGrpSpPr>
@@ -1870,7 +1801,7 @@
             </a:xfrm>
             <a:prstGeom prst="diagStripe">
               <a:avLst>
-                <a:gd fmla="val 49469" name="adj"/>
+                <a:gd name="adj" fmla="val 49469"/>
               </a:avLst>
             </a:prstGeom>
             <a:solidFill>
@@ -1883,12 +1814,12 @@
             </a:ln>
           </p:spPr>
           <p:txBody>
-            <a:bodyPr anchorCtr="0" anchor="ctr" bIns="91425" lIns="91425" spcFirstLastPara="1" rIns="91425" wrap="square" tIns="91425">
+            <a:bodyPr spcFirstLastPara="1" wrap="square" lIns="91425" tIns="91425" rIns="91425" bIns="91425" anchor="ctr" anchorCtr="0">
               <a:noAutofit/>
             </a:bodyPr>
             <a:lstStyle/>
             <a:p>
-              <a:pPr indent="0" lvl="0" marL="0" rtl="0" algn="l">
+              <a:pPr marL="0" lvl="0" indent="0" algn="l" rtl="0">
                 <a:spcBef>
                   <a:spcPts val="0"/>
                 </a:spcBef>
@@ -1897,9 +1828,6 @@
                 </a:spcAft>
                 <a:buNone/>
               </a:pPr>
-              <a:r>
-                <a:t/>
-              </a:r>
               <a:endParaRPr/>
             </a:p>
           </p:txBody>
@@ -1917,7 +1845,7 @@
             </a:xfrm>
             <a:prstGeom prst="diagStripe">
               <a:avLst>
-                <a:gd fmla="val 0" name="adj"/>
+                <a:gd name="adj" fmla="val 0"/>
               </a:avLst>
             </a:prstGeom>
             <a:solidFill>
@@ -1930,12 +1858,12 @@
             </a:ln>
           </p:spPr>
           <p:txBody>
-            <a:bodyPr anchorCtr="0" anchor="ctr" bIns="91425" lIns="91425" spcFirstLastPara="1" rIns="91425" wrap="square" tIns="91425">
+            <a:bodyPr spcFirstLastPara="1" wrap="square" lIns="91425" tIns="91425" rIns="91425" bIns="91425" anchor="ctr" anchorCtr="0">
               <a:noAutofit/>
             </a:bodyPr>
             <a:lstStyle/>
             <a:p>
-              <a:pPr indent="0" lvl="0" marL="0" rtl="0" algn="l">
+              <a:pPr marL="0" lvl="0" indent="0" algn="l" rtl="0">
                 <a:spcBef>
                   <a:spcPts val="0"/>
                 </a:spcBef>
@@ -1944,9 +1872,6 @@
                 </a:spcAft>
                 <a:buNone/>
               </a:pPr>
-              <a:r>
-                <a:t/>
-              </a:r>
               <a:endParaRPr/>
             </a:p>
           </p:txBody>
@@ -1964,7 +1889,7 @@
             </a:xfrm>
             <a:prstGeom prst="diagStripe">
               <a:avLst>
-                <a:gd fmla="val 50000" name="adj"/>
+                <a:gd name="adj" fmla="val 50000"/>
               </a:avLst>
             </a:prstGeom>
             <a:solidFill>
@@ -1977,12 +1902,12 @@
             </a:ln>
           </p:spPr>
           <p:txBody>
-            <a:bodyPr anchorCtr="0" anchor="ctr" bIns="91425" lIns="91425" spcFirstLastPara="1" rIns="91425" wrap="square" tIns="91425">
+            <a:bodyPr spcFirstLastPara="1" wrap="square" lIns="91425" tIns="91425" rIns="91425" bIns="91425" anchor="ctr" anchorCtr="0">
               <a:noAutofit/>
             </a:bodyPr>
             <a:lstStyle/>
             <a:p>
-              <a:pPr indent="0" lvl="0" marL="0" rtl="0" algn="l">
+              <a:pPr marL="0" lvl="0" indent="0" algn="l" rtl="0">
                 <a:spcBef>
                   <a:spcPts val="0"/>
                 </a:spcBef>
@@ -1991,9 +1916,6 @@
                 </a:spcAft>
                 <a:buNone/>
               </a:pPr>
-              <a:r>
-                <a:t/>
-              </a:r>
               <a:endParaRPr/>
             </a:p>
           </p:txBody>
@@ -2011,7 +1933,7 @@
             </a:xfrm>
             <a:prstGeom prst="diagStripe">
               <a:avLst>
-                <a:gd fmla="val 50000" name="adj"/>
+                <a:gd name="adj" fmla="val 50000"/>
               </a:avLst>
             </a:prstGeom>
             <a:solidFill>
@@ -2024,12 +1946,12 @@
             </a:ln>
           </p:spPr>
           <p:txBody>
-            <a:bodyPr anchorCtr="0" anchor="ctr" bIns="91425" lIns="91425" spcFirstLastPara="1" rIns="91425" wrap="square" tIns="91425">
+            <a:bodyPr spcFirstLastPara="1" wrap="square" lIns="91425" tIns="91425" rIns="91425" bIns="91425" anchor="ctr" anchorCtr="0">
               <a:noAutofit/>
             </a:bodyPr>
             <a:lstStyle/>
             <a:p>
-              <a:pPr indent="0" lvl="0" marL="0" rtl="0" algn="l">
+              <a:pPr marL="0" lvl="0" indent="0" algn="l" rtl="0">
                 <a:spcBef>
                   <a:spcPts val="0"/>
                 </a:spcBef>
@@ -2038,9 +1960,6 @@
                 </a:spcAft>
                 <a:buNone/>
               </a:pPr>
-              <a:r>
-                <a:t/>
-              </a:r>
               <a:endParaRPr/>
             </a:p>
           </p:txBody>
@@ -2058,7 +1977,7 @@
             </a:xfrm>
             <a:prstGeom prst="diagStripe">
               <a:avLst>
-                <a:gd fmla="val 50000" name="adj"/>
+                <a:gd name="adj" fmla="val 50000"/>
               </a:avLst>
             </a:prstGeom>
             <a:solidFill>
@@ -2071,12 +1990,12 @@
             </a:ln>
           </p:spPr>
           <p:txBody>
-            <a:bodyPr anchorCtr="0" anchor="ctr" bIns="91425" lIns="91425" spcFirstLastPara="1" rIns="91425" wrap="square" tIns="91425">
+            <a:bodyPr spcFirstLastPara="1" wrap="square" lIns="91425" tIns="91425" rIns="91425" bIns="91425" anchor="ctr" anchorCtr="0">
               <a:noAutofit/>
             </a:bodyPr>
             <a:lstStyle/>
             <a:p>
-              <a:pPr indent="0" lvl="0" marL="0" rtl="0" algn="l">
+              <a:pPr marL="0" lvl="0" indent="0" algn="l" rtl="0">
                 <a:spcBef>
                   <a:spcPts val="0"/>
                 </a:spcBef>
@@ -2085,9 +2004,6 @@
                 </a:spcAft>
                 <a:buNone/>
               </a:pPr>
-              <a:r>
-                <a:t/>
-              </a:r>
               <a:endParaRPr/>
             </a:p>
           </p:txBody>
@@ -2105,7 +2021,7 @@
             </a:xfrm>
             <a:prstGeom prst="diagStripe">
               <a:avLst>
-                <a:gd fmla="val 50000" name="adj"/>
+                <a:gd name="adj" fmla="val 50000"/>
               </a:avLst>
             </a:prstGeom>
             <a:solidFill>
@@ -2118,12 +2034,12 @@
             </a:ln>
           </p:spPr>
           <p:txBody>
-            <a:bodyPr anchorCtr="0" anchor="ctr" bIns="91425" lIns="91425" spcFirstLastPara="1" rIns="91425" wrap="square" tIns="91425">
+            <a:bodyPr spcFirstLastPara="1" wrap="square" lIns="91425" tIns="91425" rIns="91425" bIns="91425" anchor="ctr" anchorCtr="0">
               <a:noAutofit/>
             </a:bodyPr>
             <a:lstStyle/>
             <a:p>
-              <a:pPr indent="0" lvl="0" marL="0" rtl="0" algn="l">
+              <a:pPr marL="0" lvl="0" indent="0" algn="l" rtl="0">
                 <a:spcBef>
                   <a:spcPts val="0"/>
                 </a:spcBef>
@@ -2132,9 +2048,6 @@
                 </a:spcAft>
                 <a:buNone/>
               </a:pPr>
-              <a:r>
-                <a:t/>
-              </a:r>
               <a:endParaRPr/>
             </a:p>
           </p:txBody>
@@ -2152,7 +2065,7 @@
             </a:xfrm>
             <a:prstGeom prst="diagStripe">
               <a:avLst>
-                <a:gd fmla="val 50000" name="adj"/>
+                <a:gd name="adj" fmla="val 50000"/>
               </a:avLst>
             </a:prstGeom>
             <a:solidFill>
@@ -2165,12 +2078,12 @@
             </a:ln>
           </p:spPr>
           <p:txBody>
-            <a:bodyPr anchorCtr="0" anchor="ctr" bIns="91425" lIns="91425" spcFirstLastPara="1" rIns="91425" wrap="square" tIns="91425">
+            <a:bodyPr spcFirstLastPara="1" wrap="square" lIns="91425" tIns="91425" rIns="91425" bIns="91425" anchor="ctr" anchorCtr="0">
               <a:noAutofit/>
             </a:bodyPr>
             <a:lstStyle/>
             <a:p>
-              <a:pPr indent="0" lvl="0" marL="0" rtl="0" algn="l">
+              <a:pPr marL="0" lvl="0" indent="0" algn="l" rtl="0">
                 <a:spcBef>
                   <a:spcPts val="0"/>
                 </a:spcBef>
@@ -2179,9 +2092,6 @@
                 </a:spcAft>
                 <a:buNone/>
               </a:pPr>
-              <a:r>
-                <a:t/>
-              </a:r>
               <a:endParaRPr/>
             </a:p>
           </p:txBody>
@@ -2199,7 +2109,7 @@
             </a:xfrm>
             <a:prstGeom prst="diagStripe">
               <a:avLst>
-                <a:gd fmla="val 50000" name="adj"/>
+                <a:gd name="adj" fmla="val 50000"/>
               </a:avLst>
             </a:prstGeom>
             <a:solidFill>
@@ -2210,12 +2120,12 @@
             </a:ln>
           </p:spPr>
           <p:txBody>
-            <a:bodyPr anchorCtr="0" anchor="ctr" bIns="91425" lIns="91425" spcFirstLastPara="1" rIns="91425" wrap="square" tIns="91425">
+            <a:bodyPr spcFirstLastPara="1" wrap="square" lIns="91425" tIns="91425" rIns="91425" bIns="91425" anchor="ctr" anchorCtr="0">
               <a:noAutofit/>
             </a:bodyPr>
             <a:lstStyle/>
             <a:p>
-              <a:pPr indent="0" lvl="0" marL="0" rtl="0" algn="l">
+              <a:pPr marL="0" lvl="0" indent="0" algn="l" rtl="0">
                 <a:spcBef>
                   <a:spcPts val="0"/>
                 </a:spcBef>
@@ -2224,9 +2134,6 @@
                 </a:spcAft>
                 <a:buNone/>
               </a:pPr>
-              <a:r>
-                <a:t/>
-              </a:r>
               <a:endParaRPr/>
             </a:p>
           </p:txBody>
@@ -2244,7 +2151,7 @@
             </a:xfrm>
             <a:prstGeom prst="diagStripe">
               <a:avLst>
-                <a:gd fmla="val 50000" name="adj"/>
+                <a:gd name="adj" fmla="val 50000"/>
               </a:avLst>
             </a:prstGeom>
             <a:solidFill>
@@ -2257,12 +2164,12 @@
             </a:ln>
           </p:spPr>
           <p:txBody>
-            <a:bodyPr anchorCtr="0" anchor="ctr" bIns="91425" lIns="91425" spcFirstLastPara="1" rIns="91425" wrap="square" tIns="91425">
+            <a:bodyPr spcFirstLastPara="1" wrap="square" lIns="91425" tIns="91425" rIns="91425" bIns="91425" anchor="ctr" anchorCtr="0">
               <a:noAutofit/>
             </a:bodyPr>
             <a:lstStyle/>
             <a:p>
-              <a:pPr indent="0" lvl="0" marL="0" rtl="0" algn="l">
+              <a:pPr marL="0" lvl="0" indent="0" algn="l" rtl="0">
                 <a:spcBef>
                   <a:spcPts val="0"/>
                 </a:spcBef>
@@ -2271,9 +2178,6 @@
                 </a:spcAft>
                 <a:buNone/>
               </a:pPr>
-              <a:r>
-                <a:t/>
-              </a:r>
               <a:endParaRPr/>
             </a:p>
           </p:txBody>
@@ -2291,7 +2195,7 @@
             </a:xfrm>
             <a:prstGeom prst="diagStripe">
               <a:avLst>
-                <a:gd fmla="val 50000" name="adj"/>
+                <a:gd name="adj" fmla="val 50000"/>
               </a:avLst>
             </a:prstGeom>
             <a:solidFill>
@@ -2304,12 +2208,12 @@
             </a:ln>
           </p:spPr>
           <p:txBody>
-            <a:bodyPr anchorCtr="0" anchor="ctr" bIns="91425" lIns="91425" spcFirstLastPara="1" rIns="91425" wrap="square" tIns="91425">
+            <a:bodyPr spcFirstLastPara="1" wrap="square" lIns="91425" tIns="91425" rIns="91425" bIns="91425" anchor="ctr" anchorCtr="0">
               <a:noAutofit/>
             </a:bodyPr>
             <a:lstStyle/>
             <a:p>
-              <a:pPr indent="0" lvl="0" marL="0" rtl="0" algn="l">
+              <a:pPr marL="0" lvl="0" indent="0" algn="l" rtl="0">
                 <a:spcBef>
                   <a:spcPts val="0"/>
                 </a:spcBef>
@@ -2318,9 +2222,6 @@
                 </a:spcAft>
                 <a:buNone/>
               </a:pPr>
-              <a:r>
-                <a:t/>
-              </a:r>
               <a:endParaRPr/>
             </a:p>
           </p:txBody>
@@ -2338,7 +2239,7 @@
             </a:xfrm>
             <a:prstGeom prst="diagStripe">
               <a:avLst>
-                <a:gd fmla="val 50000" name="adj"/>
+                <a:gd name="adj" fmla="val 50000"/>
               </a:avLst>
             </a:prstGeom>
             <a:solidFill>
@@ -2351,12 +2252,12 @@
             </a:ln>
           </p:spPr>
           <p:txBody>
-            <a:bodyPr anchorCtr="0" anchor="ctr" bIns="91425" lIns="91425" spcFirstLastPara="1" rIns="91425" wrap="square" tIns="91425">
+            <a:bodyPr spcFirstLastPara="1" wrap="square" lIns="91425" tIns="91425" rIns="91425" bIns="91425" anchor="ctr" anchorCtr="0">
               <a:noAutofit/>
             </a:bodyPr>
             <a:lstStyle/>
             <a:p>
-              <a:pPr indent="0" lvl="0" marL="0" rtl="0" algn="l">
+              <a:pPr marL="0" lvl="0" indent="0" algn="l" rtl="0">
                 <a:spcBef>
                   <a:spcPts val="0"/>
                 </a:spcBef>
@@ -2365,9 +2266,6 @@
                 </a:spcAft>
                 <a:buNone/>
               </a:pPr>
-              <a:r>
-                <a:t/>
-              </a:r>
               <a:endParaRPr/>
             </a:p>
           </p:txBody>
@@ -2385,7 +2283,7 @@
             </a:xfrm>
             <a:prstGeom prst="diagStripe">
               <a:avLst>
-                <a:gd fmla="val 50000" name="adj"/>
+                <a:gd name="adj" fmla="val 50000"/>
               </a:avLst>
             </a:prstGeom>
             <a:solidFill>
@@ -2398,12 +2296,12 @@
             </a:ln>
           </p:spPr>
           <p:txBody>
-            <a:bodyPr anchorCtr="0" anchor="ctr" bIns="91425" lIns="91425" spcFirstLastPara="1" rIns="91425" wrap="square" tIns="91425">
+            <a:bodyPr spcFirstLastPara="1" wrap="square" lIns="91425" tIns="91425" rIns="91425" bIns="91425" anchor="ctr" anchorCtr="0">
               <a:noAutofit/>
             </a:bodyPr>
             <a:lstStyle/>
             <a:p>
-              <a:pPr indent="0" lvl="0" marL="0" rtl="0" algn="l">
+              <a:pPr marL="0" lvl="0" indent="0" algn="l" rtl="0">
                 <a:spcBef>
                   <a:spcPts val="0"/>
                 </a:spcBef>
@@ -2412,9 +2310,6 @@
                 </a:spcAft>
                 <a:buNone/>
               </a:pPr>
-              <a:r>
-                <a:t/>
-              </a:r>
               <a:endParaRPr/>
             </a:p>
           </p:txBody>
@@ -2432,7 +2327,7 @@
             </a:xfrm>
             <a:prstGeom prst="diagStripe">
               <a:avLst>
-                <a:gd fmla="val 50000" name="adj"/>
+                <a:gd name="adj" fmla="val 50000"/>
               </a:avLst>
             </a:prstGeom>
             <a:solidFill>
@@ -2445,12 +2340,12 @@
             </a:ln>
           </p:spPr>
           <p:txBody>
-            <a:bodyPr anchorCtr="0" anchor="ctr" bIns="91425" lIns="91425" spcFirstLastPara="1" rIns="91425" wrap="square" tIns="91425">
+            <a:bodyPr spcFirstLastPara="1" wrap="square" lIns="91425" tIns="91425" rIns="91425" bIns="91425" anchor="ctr" anchorCtr="0">
               <a:noAutofit/>
             </a:bodyPr>
             <a:lstStyle/>
             <a:p>
-              <a:pPr indent="0" lvl="0" marL="0" rtl="0" algn="l">
+              <a:pPr marL="0" lvl="0" indent="0" algn="l" rtl="0">
                 <a:spcBef>
                   <a:spcPts val="0"/>
                 </a:spcBef>
@@ -2459,9 +2354,6 @@
                 </a:spcAft>
                 <a:buNone/>
               </a:pPr>
-              <a:r>
-                <a:t/>
-              </a:r>
               <a:endParaRPr/>
             </a:p>
           </p:txBody>
@@ -2479,7 +2371,7 @@
             </a:xfrm>
             <a:prstGeom prst="diagStripe">
               <a:avLst>
-                <a:gd fmla="val 50000" name="adj"/>
+                <a:gd name="adj" fmla="val 50000"/>
               </a:avLst>
             </a:prstGeom>
             <a:solidFill>
@@ -2490,12 +2382,12 @@
             </a:ln>
           </p:spPr>
           <p:txBody>
-            <a:bodyPr anchorCtr="0" anchor="ctr" bIns="91425" lIns="91425" spcFirstLastPara="1" rIns="91425" wrap="square" tIns="91425">
+            <a:bodyPr spcFirstLastPara="1" wrap="square" lIns="91425" tIns="91425" rIns="91425" bIns="91425" anchor="ctr" anchorCtr="0">
               <a:noAutofit/>
             </a:bodyPr>
             <a:lstStyle/>
             <a:p>
-              <a:pPr indent="0" lvl="0" marL="0" rtl="0" algn="l">
+              <a:pPr marL="0" lvl="0" indent="0" algn="l" rtl="0">
                 <a:spcBef>
                   <a:spcPts val="0"/>
                 </a:spcBef>
@@ -2504,9 +2396,6 @@
                 </a:spcAft>
                 <a:buNone/>
               </a:pPr>
-              <a:r>
-                <a:t/>
-              </a:r>
               <a:endParaRPr/>
             </a:p>
           </p:txBody>
@@ -2524,7 +2413,7 @@
             </a:xfrm>
             <a:prstGeom prst="diagStripe">
               <a:avLst>
-                <a:gd fmla="val 50000" name="adj"/>
+                <a:gd name="adj" fmla="val 50000"/>
               </a:avLst>
             </a:prstGeom>
             <a:solidFill>
@@ -2537,12 +2426,12 @@
             </a:ln>
           </p:spPr>
           <p:txBody>
-            <a:bodyPr anchorCtr="0" anchor="ctr" bIns="91425" lIns="91425" spcFirstLastPara="1" rIns="91425" wrap="square" tIns="91425">
+            <a:bodyPr spcFirstLastPara="1" wrap="square" lIns="91425" tIns="91425" rIns="91425" bIns="91425" anchor="ctr" anchorCtr="0">
               <a:noAutofit/>
             </a:bodyPr>
             <a:lstStyle/>
             <a:p>
-              <a:pPr indent="0" lvl="0" marL="0" rtl="0" algn="l">
+              <a:pPr marL="0" lvl="0" indent="0" algn="l" rtl="0">
                 <a:spcBef>
                   <a:spcPts val="0"/>
                 </a:spcBef>
@@ -2551,9 +2440,6 @@
                 </a:spcAft>
                 <a:buNone/>
               </a:pPr>
-              <a:r>
-                <a:t/>
-              </a:r>
               <a:endParaRPr/>
             </a:p>
           </p:txBody>
@@ -2571,7 +2457,7 @@
             </a:xfrm>
             <a:prstGeom prst="diagStripe">
               <a:avLst>
-                <a:gd fmla="val 50000" name="adj"/>
+                <a:gd name="adj" fmla="val 50000"/>
               </a:avLst>
             </a:prstGeom>
             <a:solidFill>
@@ -2584,12 +2470,12 @@
             </a:ln>
           </p:spPr>
           <p:txBody>
-            <a:bodyPr anchorCtr="0" anchor="ctr" bIns="91425" lIns="91425" spcFirstLastPara="1" rIns="91425" wrap="square" tIns="91425">
+            <a:bodyPr spcFirstLastPara="1" wrap="square" lIns="91425" tIns="91425" rIns="91425" bIns="91425" anchor="ctr" anchorCtr="0">
               <a:noAutofit/>
             </a:bodyPr>
             <a:lstStyle/>
             <a:p>
-              <a:pPr indent="0" lvl="0" marL="0" rtl="0" algn="l">
+              <a:pPr marL="0" lvl="0" indent="0" algn="l" rtl="0">
                 <a:spcBef>
                   <a:spcPts val="0"/>
                 </a:spcBef>
@@ -2598,9 +2484,6 @@
                 </a:spcAft>
                 <a:buNone/>
               </a:pPr>
-              <a:r>
-                <a:t/>
-              </a:r>
               <a:endParaRPr/>
             </a:p>
           </p:txBody>
@@ -2618,7 +2501,7 @@
             </a:xfrm>
             <a:prstGeom prst="diagStripe">
               <a:avLst>
-                <a:gd fmla="val 50000" name="adj"/>
+                <a:gd name="adj" fmla="val 50000"/>
               </a:avLst>
             </a:prstGeom>
             <a:solidFill>
@@ -2631,12 +2514,12 @@
             </a:ln>
           </p:spPr>
           <p:txBody>
-            <a:bodyPr anchorCtr="0" anchor="ctr" bIns="91425" lIns="91425" spcFirstLastPara="1" rIns="91425" wrap="square" tIns="91425">
+            <a:bodyPr spcFirstLastPara="1" wrap="square" lIns="91425" tIns="91425" rIns="91425" bIns="91425" anchor="ctr" anchorCtr="0">
               <a:noAutofit/>
             </a:bodyPr>
             <a:lstStyle/>
             <a:p>
-              <a:pPr indent="0" lvl="0" marL="0" rtl="0" algn="l">
+              <a:pPr marL="0" lvl="0" indent="0" algn="l" rtl="0">
                 <a:spcBef>
                   <a:spcPts val="0"/>
                 </a:spcBef>
@@ -2645,9 +2528,6 @@
                 </a:spcAft>
                 <a:buNone/>
               </a:pPr>
-              <a:r>
-                <a:t/>
-              </a:r>
               <a:endParaRPr/>
             </a:p>
           </p:txBody>
@@ -2665,7 +2545,7 @@
             </a:xfrm>
             <a:prstGeom prst="diagStripe">
               <a:avLst>
-                <a:gd fmla="val 50000" name="adj"/>
+                <a:gd name="adj" fmla="val 50000"/>
               </a:avLst>
             </a:prstGeom>
             <a:solidFill>
@@ -2678,12 +2558,12 @@
             </a:ln>
           </p:spPr>
           <p:txBody>
-            <a:bodyPr anchorCtr="0" anchor="ctr" bIns="91425" lIns="91425" spcFirstLastPara="1" rIns="91425" wrap="square" tIns="91425">
+            <a:bodyPr spcFirstLastPara="1" wrap="square" lIns="91425" tIns="91425" rIns="91425" bIns="91425" anchor="ctr" anchorCtr="0">
               <a:noAutofit/>
             </a:bodyPr>
             <a:lstStyle/>
             <a:p>
-              <a:pPr indent="0" lvl="0" marL="0" rtl="0" algn="l">
+              <a:pPr marL="0" lvl="0" indent="0" algn="l" rtl="0">
                 <a:spcBef>
                   <a:spcPts val="0"/>
                 </a:spcBef>
@@ -2692,9 +2572,6 @@
                 </a:spcAft>
                 <a:buNone/>
               </a:pPr>
-              <a:r>
-                <a:t/>
-              </a:r>
               <a:endParaRPr/>
             </a:p>
           </p:txBody>
@@ -2703,9 +2580,11 @@
       <p:sp>
         <p:nvSpPr>
           <p:cNvPr id="125" name="Google Shape;125;p11"/>
-          <p:cNvSpPr txBox="1"/>
+          <p:cNvSpPr txBox="1">
+            <a:spLocks noGrp="1"/>
+          </p:cNvSpPr>
           <p:nvPr>
-            <p:ph hasCustomPrompt="1" type="title"/>
+            <p:ph type="title" hasCustomPrompt="1"/>
           </p:nvPr>
         </p:nvSpPr>
         <p:spPr>
@@ -2718,7 +2597,7 @@
           </a:prstGeom>
         </p:spPr>
         <p:txBody>
-          <a:bodyPr anchorCtr="0" anchor="t" bIns="91425" lIns="91425" spcFirstLastPara="1" rIns="91425" wrap="square" tIns="91425">
+          <a:bodyPr spcFirstLastPara="1" wrap="square" lIns="91425" tIns="91425" rIns="91425" bIns="91425" anchor="t" anchorCtr="0">
             <a:noAutofit/>
           </a:bodyPr>
           <a:lstStyle>
@@ -2832,9 +2711,11 @@
       <p:sp>
         <p:nvSpPr>
           <p:cNvPr id="126" name="Google Shape;126;p11"/>
-          <p:cNvSpPr txBox="1"/>
+          <p:cNvSpPr txBox="1">
+            <a:spLocks noGrp="1"/>
+          </p:cNvSpPr>
           <p:nvPr>
-            <p:ph idx="1" type="body"/>
+            <p:ph type="body" idx="1"/>
           </p:nvPr>
         </p:nvSpPr>
         <p:spPr>
@@ -2847,11 +2728,11 @@
           </a:prstGeom>
         </p:spPr>
         <p:txBody>
-          <a:bodyPr anchorCtr="0" anchor="t" bIns="91425" lIns="91425" spcFirstLastPara="1" rIns="91425" wrap="square" tIns="91425">
+          <a:bodyPr spcFirstLastPara="1" wrap="square" lIns="91425" tIns="91425" rIns="91425" bIns="91425" anchor="t" anchorCtr="0">
             <a:noAutofit/>
           </a:bodyPr>
           <a:lstStyle>
-            <a:lvl1pPr indent="-311150" lvl="0" marL="457200">
+            <a:lvl1pPr marL="457200" lvl="0" indent="-311150">
               <a:spcBef>
                 <a:spcPts val="0"/>
               </a:spcBef>
@@ -2862,7 +2743,7 @@
               <a:buChar char="●"/>
               <a:defRPr/>
             </a:lvl1pPr>
-            <a:lvl2pPr indent="-298450" lvl="1" marL="914400">
+            <a:lvl2pPr marL="914400" lvl="1" indent="-298450">
               <a:spcBef>
                 <a:spcPts val="1600"/>
               </a:spcBef>
@@ -2873,7 +2754,7 @@
               <a:buChar char="○"/>
               <a:defRPr/>
             </a:lvl2pPr>
-            <a:lvl3pPr indent="-298450" lvl="2" marL="1371600">
+            <a:lvl3pPr marL="1371600" lvl="2" indent="-298450">
               <a:spcBef>
                 <a:spcPts val="1600"/>
               </a:spcBef>
@@ -2884,7 +2765,7 @@
               <a:buChar char="■"/>
               <a:defRPr/>
             </a:lvl3pPr>
-            <a:lvl4pPr indent="-298450" lvl="3" marL="1828800">
+            <a:lvl4pPr marL="1828800" lvl="3" indent="-298450">
               <a:spcBef>
                 <a:spcPts val="1600"/>
               </a:spcBef>
@@ -2895,7 +2776,7 @@
               <a:buChar char="●"/>
               <a:defRPr/>
             </a:lvl4pPr>
-            <a:lvl5pPr indent="-298450" lvl="4" marL="2286000">
+            <a:lvl5pPr marL="2286000" lvl="4" indent="-298450">
               <a:spcBef>
                 <a:spcPts val="1600"/>
               </a:spcBef>
@@ -2906,7 +2787,7 @@
               <a:buChar char="○"/>
               <a:defRPr/>
             </a:lvl5pPr>
-            <a:lvl6pPr indent="-298450" lvl="5" marL="2743200">
+            <a:lvl6pPr marL="2743200" lvl="5" indent="-298450">
               <a:spcBef>
                 <a:spcPts val="1600"/>
               </a:spcBef>
@@ -2917,7 +2798,7 @@
               <a:buChar char="■"/>
               <a:defRPr/>
             </a:lvl6pPr>
-            <a:lvl7pPr indent="-298450" lvl="6" marL="3200400">
+            <a:lvl7pPr marL="3200400" lvl="6" indent="-298450">
               <a:spcBef>
                 <a:spcPts val="1600"/>
               </a:spcBef>
@@ -2928,7 +2809,7 @@
               <a:buChar char="●"/>
               <a:defRPr/>
             </a:lvl7pPr>
-            <a:lvl8pPr indent="-298450" lvl="7" marL="3657600">
+            <a:lvl8pPr marL="3657600" lvl="7" indent="-298450">
               <a:spcBef>
                 <a:spcPts val="1600"/>
               </a:spcBef>
@@ -2939,7 +2820,7 @@
               <a:buChar char="○"/>
               <a:defRPr/>
             </a:lvl8pPr>
-            <a:lvl9pPr indent="-298450" lvl="8" marL="4114800">
+            <a:lvl9pPr marL="4114800" lvl="8" indent="-298450">
               <a:spcBef>
                 <a:spcPts val="1600"/>
               </a:spcBef>
@@ -2951,15 +2832,19 @@
               <a:defRPr/>
             </a:lvl9pPr>
           </a:lstStyle>
-          <a:p/>
+          <a:p>
+            <a:endParaRPr/>
+          </a:p>
         </p:txBody>
       </p:sp>
       <p:sp>
         <p:nvSpPr>
           <p:cNvPr id="127" name="Google Shape;127;p11"/>
-          <p:cNvSpPr txBox="1"/>
+          <p:cNvSpPr txBox="1">
+            <a:spLocks noGrp="1"/>
+          </p:cNvSpPr>
           <p:nvPr>
-            <p:ph idx="12" type="sldNum"/>
+            <p:ph type="sldNum" idx="12"/>
           </p:nvPr>
         </p:nvSpPr>
         <p:spPr>
@@ -2972,7 +2857,7 @@
           </a:prstGeom>
         </p:spPr>
         <p:txBody>
-          <a:bodyPr anchorCtr="0" anchor="ctr" bIns="91425" lIns="91425" spcFirstLastPara="1" rIns="91425" wrap="square" tIns="91425">
+          <a:bodyPr spcFirstLastPara="1" wrap="square" lIns="91425" tIns="91425" rIns="91425" bIns="91425" anchor="ctr" anchorCtr="0">
             <a:noAutofit/>
           </a:bodyPr>
           <a:lstStyle>
@@ -3014,7 +2899,7 @@
             </a:lvl9pPr>
           </a:lstStyle>
           <a:p>
-            <a:pPr indent="0" lvl="0" marL="0" rtl="0" algn="r">
+            <a:pPr marL="0" lvl="0" indent="0" algn="r" rtl="0">
               <a:spcBef>
                 <a:spcPts val="0"/>
               </a:spcBef>
@@ -3040,11 +2925,11 @@
 </file>
 
 <file path=ppt/slideLayouts/slideLayout11.xml><?xml version="1.0" encoding="utf-8"?>
-<p:sldLayout xmlns:a="http://schemas.openxmlformats.org/drawingml/2006/main" xmlns:r="http://schemas.openxmlformats.org/officeDocument/2006/relationships" xmlns:mc="http://schemas.openxmlformats.org/markup-compatibility/2006" xmlns:mv="urn:schemas-microsoft-com:mac:vml" xmlns:p="http://schemas.openxmlformats.org/presentationml/2006/main" xmlns:c="http://schemas.openxmlformats.org/drawingml/2006/chart" xmlns:dgm="http://schemas.openxmlformats.org/drawingml/2006/diagram" xmlns:o="urn:schemas-microsoft-com:office:office" xmlns:v="urn:schemas-microsoft-com:vml" xmlns:pvml="urn:schemas-microsoft-com:office:powerpoint" xmlns:com="http://schemas.openxmlformats.org/drawingml/2006/compatibility" xmlns:p14="http://schemas.microsoft.com/office/powerpoint/2010/main" xmlns:p15="http://schemas.microsoft.com/office/powerpoint/2012/main" xmlns:ahyp="http://schemas.microsoft.com/office/drawing/2018/hyperlinkcolor" matchingName="Blank" type="blank">
+<p:sldLayout xmlns:a="http://schemas.openxmlformats.org/drawingml/2006/main" xmlns:r="http://schemas.openxmlformats.org/officeDocument/2006/relationships" xmlns:p="http://schemas.openxmlformats.org/presentationml/2006/main" matchingName="Blank" type="blank">
   <p:cSld name="BLANK">
     <p:spTree>
       <p:nvGrpSpPr>
-        <p:cNvPr id="128" name="Shape 128"/>
+        <p:cNvPr id="1" name="Shape 128"/>
         <p:cNvGrpSpPr/>
         <p:nvPr/>
       </p:nvGrpSpPr>
@@ -3059,9 +2944,11 @@
       <p:sp>
         <p:nvSpPr>
           <p:cNvPr id="129" name="Google Shape;129;p12"/>
-          <p:cNvSpPr txBox="1"/>
+          <p:cNvSpPr txBox="1">
+            <a:spLocks noGrp="1"/>
+          </p:cNvSpPr>
           <p:nvPr>
-            <p:ph idx="12" type="sldNum"/>
+            <p:ph type="sldNum" idx="12"/>
           </p:nvPr>
         </p:nvSpPr>
         <p:spPr>
@@ -3074,7 +2961,7 @@
           </a:prstGeom>
         </p:spPr>
         <p:txBody>
-          <a:bodyPr anchorCtr="0" anchor="ctr" bIns="91425" lIns="91425" spcFirstLastPara="1" rIns="91425" wrap="square" tIns="91425">
+          <a:bodyPr spcFirstLastPara="1" wrap="square" lIns="91425" tIns="91425" rIns="91425" bIns="91425" anchor="ctr" anchorCtr="0">
             <a:noAutofit/>
           </a:bodyPr>
           <a:lstStyle>
@@ -3116,7 +3003,7 @@
             </a:lvl9pPr>
           </a:lstStyle>
           <a:p>
-            <a:pPr indent="0" lvl="0" marL="0" rtl="0" algn="r">
+            <a:pPr marL="0" lvl="0" indent="0" algn="r" rtl="0">
               <a:spcBef>
                 <a:spcPts val="0"/>
               </a:spcBef>
@@ -3142,11 +3029,11 @@
 </file>
 
 <file path=ppt/slideLayouts/slideLayout2.xml><?xml version="1.0" encoding="utf-8"?>
-<p:sldLayout xmlns:a="http://schemas.openxmlformats.org/drawingml/2006/main" xmlns:r="http://schemas.openxmlformats.org/officeDocument/2006/relationships" xmlns:mc="http://schemas.openxmlformats.org/markup-compatibility/2006" xmlns:mv="urn:schemas-microsoft-com:mac:vml" xmlns:p="http://schemas.openxmlformats.org/presentationml/2006/main" xmlns:c="http://schemas.openxmlformats.org/drawingml/2006/chart" xmlns:dgm="http://schemas.openxmlformats.org/drawingml/2006/diagram" xmlns:o="urn:schemas-microsoft-com:office:office" xmlns:v="urn:schemas-microsoft-com:vml" xmlns:pvml="urn:schemas-microsoft-com:office:powerpoint" xmlns:com="http://schemas.openxmlformats.org/drawingml/2006/compatibility" xmlns:p14="http://schemas.microsoft.com/office/powerpoint/2010/main" xmlns:p15="http://schemas.microsoft.com/office/powerpoint/2012/main" xmlns:ahyp="http://schemas.microsoft.com/office/drawing/2018/hyperlinkcolor" matchingName="Section header" type="secHead">
+<p:sldLayout xmlns:a="http://schemas.openxmlformats.org/drawingml/2006/main" xmlns:r="http://schemas.openxmlformats.org/officeDocument/2006/relationships" xmlns:p="http://schemas.openxmlformats.org/presentationml/2006/main" matchingName="Section header" type="secHead">
   <p:cSld name="SECTION_HEADER">
     <p:spTree>
       <p:nvGrpSpPr>
-        <p:cNvPr id="19" name="Shape 19"/>
+        <p:cNvPr id="1" name="Shape 19"/>
         <p:cNvGrpSpPr/>
         <p:nvPr/>
       </p:nvGrpSpPr>
@@ -3185,7 +3072,7 @@
             </a:xfrm>
             <a:prstGeom prst="diagStripe">
               <a:avLst>
-                <a:gd fmla="val 49469" name="adj"/>
+                <a:gd name="adj" fmla="val 49469"/>
               </a:avLst>
             </a:prstGeom>
             <a:solidFill>
@@ -3198,12 +3085,12 @@
             </a:ln>
           </p:spPr>
           <p:txBody>
-            <a:bodyPr anchorCtr="0" anchor="ctr" bIns="91425" lIns="91425" spcFirstLastPara="1" rIns="91425" wrap="square" tIns="91425">
+            <a:bodyPr spcFirstLastPara="1" wrap="square" lIns="91425" tIns="91425" rIns="91425" bIns="91425" anchor="ctr" anchorCtr="0">
               <a:noAutofit/>
             </a:bodyPr>
             <a:lstStyle/>
             <a:p>
-              <a:pPr indent="0" lvl="0" marL="0" rtl="0" algn="l">
+              <a:pPr marL="0" lvl="0" indent="0" algn="l" rtl="0">
                 <a:spcBef>
                   <a:spcPts val="0"/>
                 </a:spcBef>
@@ -3212,9 +3099,6 @@
                 </a:spcAft>
                 <a:buNone/>
               </a:pPr>
-              <a:r>
-                <a:t/>
-              </a:r>
               <a:endParaRPr/>
             </a:p>
           </p:txBody>
@@ -3232,7 +3116,7 @@
             </a:xfrm>
             <a:prstGeom prst="diagStripe">
               <a:avLst>
-                <a:gd fmla="val 0" name="adj"/>
+                <a:gd name="adj" fmla="val 0"/>
               </a:avLst>
             </a:prstGeom>
             <a:solidFill>
@@ -3245,12 +3129,12 @@
             </a:ln>
           </p:spPr>
           <p:txBody>
-            <a:bodyPr anchorCtr="0" anchor="ctr" bIns="91425" lIns="91425" spcFirstLastPara="1" rIns="91425" wrap="square" tIns="91425">
+            <a:bodyPr spcFirstLastPara="1" wrap="square" lIns="91425" tIns="91425" rIns="91425" bIns="91425" anchor="ctr" anchorCtr="0">
               <a:noAutofit/>
             </a:bodyPr>
             <a:lstStyle/>
             <a:p>
-              <a:pPr indent="0" lvl="0" marL="0" rtl="0" algn="l">
+              <a:pPr marL="0" lvl="0" indent="0" algn="l" rtl="0">
                 <a:spcBef>
                   <a:spcPts val="0"/>
                 </a:spcBef>
@@ -3259,9 +3143,6 @@
                 </a:spcAft>
                 <a:buNone/>
               </a:pPr>
-              <a:r>
-                <a:t/>
-              </a:r>
               <a:endParaRPr/>
             </a:p>
           </p:txBody>
@@ -3279,7 +3160,7 @@
             </a:xfrm>
             <a:prstGeom prst="diagStripe">
               <a:avLst>
-                <a:gd fmla="val 50000" name="adj"/>
+                <a:gd name="adj" fmla="val 50000"/>
               </a:avLst>
             </a:prstGeom>
             <a:solidFill>
@@ -3292,12 +3173,12 @@
             </a:ln>
           </p:spPr>
           <p:txBody>
-            <a:bodyPr anchorCtr="0" anchor="ctr" bIns="91425" lIns="91425" spcFirstLastPara="1" rIns="91425" wrap="square" tIns="91425">
+            <a:bodyPr spcFirstLastPara="1" wrap="square" lIns="91425" tIns="91425" rIns="91425" bIns="91425" anchor="ctr" anchorCtr="0">
               <a:noAutofit/>
             </a:bodyPr>
             <a:lstStyle/>
             <a:p>
-              <a:pPr indent="0" lvl="0" marL="0" rtl="0" algn="l">
+              <a:pPr marL="0" lvl="0" indent="0" algn="l" rtl="0">
                 <a:spcBef>
                   <a:spcPts val="0"/>
                 </a:spcBef>
@@ -3306,9 +3187,6 @@
                 </a:spcAft>
                 <a:buNone/>
               </a:pPr>
-              <a:r>
-                <a:t/>
-              </a:r>
               <a:endParaRPr/>
             </a:p>
           </p:txBody>
@@ -3326,7 +3204,7 @@
             </a:xfrm>
             <a:prstGeom prst="diagStripe">
               <a:avLst>
-                <a:gd fmla="val 50000" name="adj"/>
+                <a:gd name="adj" fmla="val 50000"/>
               </a:avLst>
             </a:prstGeom>
             <a:solidFill>
@@ -3339,12 +3217,12 @@
             </a:ln>
           </p:spPr>
           <p:txBody>
-            <a:bodyPr anchorCtr="0" anchor="ctr" bIns="91425" lIns="91425" spcFirstLastPara="1" rIns="91425" wrap="square" tIns="91425">
+            <a:bodyPr spcFirstLastPara="1" wrap="square" lIns="91425" tIns="91425" rIns="91425" bIns="91425" anchor="ctr" anchorCtr="0">
               <a:noAutofit/>
             </a:bodyPr>
             <a:lstStyle/>
             <a:p>
-              <a:pPr indent="0" lvl="0" marL="0" rtl="0" algn="l">
+              <a:pPr marL="0" lvl="0" indent="0" algn="l" rtl="0">
                 <a:spcBef>
                   <a:spcPts val="0"/>
                 </a:spcBef>
@@ -3353,9 +3231,6 @@
                 </a:spcAft>
                 <a:buNone/>
               </a:pPr>
-              <a:r>
-                <a:t/>
-              </a:r>
               <a:endParaRPr/>
             </a:p>
           </p:txBody>
@@ -3373,7 +3248,7 @@
             </a:xfrm>
             <a:prstGeom prst="diagStripe">
               <a:avLst>
-                <a:gd fmla="val 50000" name="adj"/>
+                <a:gd name="adj" fmla="val 50000"/>
               </a:avLst>
             </a:prstGeom>
             <a:solidFill>
@@ -3386,12 +3261,12 @@
             </a:ln>
           </p:spPr>
           <p:txBody>
-            <a:bodyPr anchorCtr="0" anchor="ctr" bIns="91425" lIns="91425" spcFirstLastPara="1" rIns="91425" wrap="square" tIns="91425">
+            <a:bodyPr spcFirstLastPara="1" wrap="square" lIns="91425" tIns="91425" rIns="91425" bIns="91425" anchor="ctr" anchorCtr="0">
               <a:noAutofit/>
             </a:bodyPr>
             <a:lstStyle/>
             <a:p>
-              <a:pPr indent="0" lvl="0" marL="0" rtl="0" algn="l">
+              <a:pPr marL="0" lvl="0" indent="0" algn="l" rtl="0">
                 <a:spcBef>
                   <a:spcPts val="0"/>
                 </a:spcBef>
@@ -3400,9 +3275,6 @@
                 </a:spcAft>
                 <a:buNone/>
               </a:pPr>
-              <a:r>
-                <a:t/>
-              </a:r>
               <a:endParaRPr/>
             </a:p>
           </p:txBody>
@@ -3420,7 +3292,7 @@
             </a:xfrm>
             <a:prstGeom prst="diagStripe">
               <a:avLst>
-                <a:gd fmla="val 50000" name="adj"/>
+                <a:gd name="adj" fmla="val 50000"/>
               </a:avLst>
             </a:prstGeom>
             <a:solidFill>
@@ -3433,12 +3305,12 @@
             </a:ln>
           </p:spPr>
           <p:txBody>
-            <a:bodyPr anchorCtr="0" anchor="ctr" bIns="91425" lIns="91425" spcFirstLastPara="1" rIns="91425" wrap="square" tIns="91425">
+            <a:bodyPr spcFirstLastPara="1" wrap="square" lIns="91425" tIns="91425" rIns="91425" bIns="91425" anchor="ctr" anchorCtr="0">
               <a:noAutofit/>
             </a:bodyPr>
             <a:lstStyle/>
             <a:p>
-              <a:pPr indent="0" lvl="0" marL="0" rtl="0" algn="l">
+              <a:pPr marL="0" lvl="0" indent="0" algn="l" rtl="0">
                 <a:spcBef>
                   <a:spcPts val="0"/>
                 </a:spcBef>
@@ -3447,9 +3319,6 @@
                 </a:spcAft>
                 <a:buNone/>
               </a:pPr>
-              <a:r>
-                <a:t/>
-              </a:r>
               <a:endParaRPr/>
             </a:p>
           </p:txBody>
@@ -3467,7 +3336,7 @@
             </a:xfrm>
             <a:prstGeom prst="diagStripe">
               <a:avLst>
-                <a:gd fmla="val 50000" name="adj"/>
+                <a:gd name="adj" fmla="val 50000"/>
               </a:avLst>
             </a:prstGeom>
             <a:solidFill>
@@ -3480,12 +3349,12 @@
             </a:ln>
           </p:spPr>
           <p:txBody>
-            <a:bodyPr anchorCtr="0" anchor="ctr" bIns="91425" lIns="91425" spcFirstLastPara="1" rIns="91425" wrap="square" tIns="91425">
+            <a:bodyPr spcFirstLastPara="1" wrap="square" lIns="91425" tIns="91425" rIns="91425" bIns="91425" anchor="ctr" anchorCtr="0">
               <a:noAutofit/>
             </a:bodyPr>
             <a:lstStyle/>
             <a:p>
-              <a:pPr indent="0" lvl="0" marL="0" rtl="0" algn="l">
+              <a:pPr marL="0" lvl="0" indent="0" algn="l" rtl="0">
                 <a:spcBef>
                   <a:spcPts val="0"/>
                 </a:spcBef>
@@ -3494,9 +3363,6 @@
                 </a:spcAft>
                 <a:buNone/>
               </a:pPr>
-              <a:r>
-                <a:t/>
-              </a:r>
               <a:endParaRPr/>
             </a:p>
           </p:txBody>
@@ -3514,7 +3380,7 @@
             </a:xfrm>
             <a:prstGeom prst="diagStripe">
               <a:avLst>
-                <a:gd fmla="val 50000" name="adj"/>
+                <a:gd name="adj" fmla="val 50000"/>
               </a:avLst>
             </a:prstGeom>
             <a:solidFill>
@@ -3525,12 +3391,12 @@
             </a:ln>
           </p:spPr>
           <p:txBody>
-            <a:bodyPr anchorCtr="0" anchor="ctr" bIns="91425" lIns="91425" spcFirstLastPara="1" rIns="91425" wrap="square" tIns="91425">
+            <a:bodyPr spcFirstLastPara="1" wrap="square" lIns="91425" tIns="91425" rIns="91425" bIns="91425" anchor="ctr" anchorCtr="0">
               <a:noAutofit/>
             </a:bodyPr>
             <a:lstStyle/>
             <a:p>
-              <a:pPr indent="0" lvl="0" marL="0" rtl="0" algn="l">
+              <a:pPr marL="0" lvl="0" indent="0" algn="l" rtl="0">
                 <a:spcBef>
                   <a:spcPts val="0"/>
                 </a:spcBef>
@@ -3539,9 +3405,6 @@
                 </a:spcAft>
                 <a:buNone/>
               </a:pPr>
-              <a:r>
-                <a:t/>
-              </a:r>
               <a:endParaRPr/>
             </a:p>
           </p:txBody>
@@ -3559,7 +3422,7 @@
             </a:xfrm>
             <a:prstGeom prst="diagStripe">
               <a:avLst>
-                <a:gd fmla="val 50000" name="adj"/>
+                <a:gd name="adj" fmla="val 50000"/>
               </a:avLst>
             </a:prstGeom>
             <a:solidFill>
@@ -3572,12 +3435,12 @@
             </a:ln>
           </p:spPr>
           <p:txBody>
-            <a:bodyPr anchorCtr="0" anchor="ctr" bIns="91425" lIns="91425" spcFirstLastPara="1" rIns="91425" wrap="square" tIns="91425">
+            <a:bodyPr spcFirstLastPara="1" wrap="square" lIns="91425" tIns="91425" rIns="91425" bIns="91425" anchor="ctr" anchorCtr="0">
               <a:noAutofit/>
             </a:bodyPr>
             <a:lstStyle/>
             <a:p>
-              <a:pPr indent="0" lvl="0" marL="0" rtl="0" algn="l">
+              <a:pPr marL="0" lvl="0" indent="0" algn="l" rtl="0">
                 <a:spcBef>
                   <a:spcPts val="0"/>
                 </a:spcBef>
@@ -3586,9 +3449,6 @@
                 </a:spcAft>
                 <a:buNone/>
               </a:pPr>
-              <a:r>
-                <a:t/>
-              </a:r>
               <a:endParaRPr/>
             </a:p>
           </p:txBody>
@@ -3606,7 +3466,7 @@
             </a:xfrm>
             <a:prstGeom prst="diagStripe">
               <a:avLst>
-                <a:gd fmla="val 50000" name="adj"/>
+                <a:gd name="adj" fmla="val 50000"/>
               </a:avLst>
             </a:prstGeom>
             <a:solidFill>
@@ -3619,12 +3479,12 @@
             </a:ln>
           </p:spPr>
           <p:txBody>
-            <a:bodyPr anchorCtr="0" anchor="ctr" bIns="91425" lIns="91425" spcFirstLastPara="1" rIns="91425" wrap="square" tIns="91425">
+            <a:bodyPr spcFirstLastPara="1" wrap="square" lIns="91425" tIns="91425" rIns="91425" bIns="91425" anchor="ctr" anchorCtr="0">
               <a:noAutofit/>
             </a:bodyPr>
             <a:lstStyle/>
             <a:p>
-              <a:pPr indent="0" lvl="0" marL="0" rtl="0" algn="l">
+              <a:pPr marL="0" lvl="0" indent="0" algn="l" rtl="0">
                 <a:spcBef>
                   <a:spcPts val="0"/>
                 </a:spcBef>
@@ -3633,9 +3493,6 @@
                 </a:spcAft>
                 <a:buNone/>
               </a:pPr>
-              <a:r>
-                <a:t/>
-              </a:r>
               <a:endParaRPr/>
             </a:p>
           </p:txBody>
@@ -3653,7 +3510,7 @@
             </a:xfrm>
             <a:prstGeom prst="diagStripe">
               <a:avLst>
-                <a:gd fmla="val 50000" name="adj"/>
+                <a:gd name="adj" fmla="val 50000"/>
               </a:avLst>
             </a:prstGeom>
             <a:solidFill>
@@ -3666,12 +3523,12 @@
             </a:ln>
           </p:spPr>
           <p:txBody>
-            <a:bodyPr anchorCtr="0" anchor="ctr" bIns="91425" lIns="91425" spcFirstLastPara="1" rIns="91425" wrap="square" tIns="91425">
+            <a:bodyPr spcFirstLastPara="1" wrap="square" lIns="91425" tIns="91425" rIns="91425" bIns="91425" anchor="ctr" anchorCtr="0">
               <a:noAutofit/>
             </a:bodyPr>
             <a:lstStyle/>
             <a:p>
-              <a:pPr indent="0" lvl="0" marL="0" rtl="0" algn="l">
+              <a:pPr marL="0" lvl="0" indent="0" algn="l" rtl="0">
                 <a:spcBef>
                   <a:spcPts val="0"/>
                 </a:spcBef>
@@ -3680,9 +3537,6 @@
                 </a:spcAft>
                 <a:buNone/>
               </a:pPr>
-              <a:r>
-                <a:t/>
-              </a:r>
               <a:endParaRPr/>
             </a:p>
           </p:txBody>
@@ -3700,7 +3554,7 @@
             </a:xfrm>
             <a:prstGeom prst="diagStripe">
               <a:avLst>
-                <a:gd fmla="val 50000" name="adj"/>
+                <a:gd name="adj" fmla="val 50000"/>
               </a:avLst>
             </a:prstGeom>
             <a:solidFill>
@@ -3713,12 +3567,12 @@
             </a:ln>
           </p:spPr>
           <p:txBody>
-            <a:bodyPr anchorCtr="0" anchor="ctr" bIns="91425" lIns="91425" spcFirstLastPara="1" rIns="91425" wrap="square" tIns="91425">
+            <a:bodyPr spcFirstLastPara="1" wrap="square" lIns="91425" tIns="91425" rIns="91425" bIns="91425" anchor="ctr" anchorCtr="0">
               <a:noAutofit/>
             </a:bodyPr>
             <a:lstStyle/>
             <a:p>
-              <a:pPr indent="0" lvl="0" marL="0" rtl="0" algn="l">
+              <a:pPr marL="0" lvl="0" indent="0" algn="l" rtl="0">
                 <a:spcBef>
                   <a:spcPts val="0"/>
                 </a:spcBef>
@@ -3727,9 +3581,6 @@
                 </a:spcAft>
                 <a:buNone/>
               </a:pPr>
-              <a:r>
-                <a:t/>
-              </a:r>
               <a:endParaRPr/>
             </a:p>
           </p:txBody>
@@ -3747,7 +3598,7 @@
             </a:xfrm>
             <a:prstGeom prst="diagStripe">
               <a:avLst>
-                <a:gd fmla="val 50000" name="adj"/>
+                <a:gd name="adj" fmla="val 50000"/>
               </a:avLst>
             </a:prstGeom>
             <a:solidFill>
@@ -3760,12 +3611,12 @@
             </a:ln>
           </p:spPr>
           <p:txBody>
-            <a:bodyPr anchorCtr="0" anchor="ctr" bIns="91425" lIns="91425" spcFirstLastPara="1" rIns="91425" wrap="square" tIns="91425">
+            <a:bodyPr spcFirstLastPara="1" wrap="square" lIns="91425" tIns="91425" rIns="91425" bIns="91425" anchor="ctr" anchorCtr="0">
               <a:noAutofit/>
             </a:bodyPr>
             <a:lstStyle/>
             <a:p>
-              <a:pPr indent="0" lvl="0" marL="0" rtl="0" algn="l">
+              <a:pPr marL="0" lvl="0" indent="0" algn="l" rtl="0">
                 <a:spcBef>
                   <a:spcPts val="0"/>
                 </a:spcBef>
@@ -3774,9 +3625,6 @@
                 </a:spcAft>
                 <a:buNone/>
               </a:pPr>
-              <a:r>
-                <a:t/>
-              </a:r>
               <a:endParaRPr/>
             </a:p>
           </p:txBody>
@@ -3794,7 +3642,7 @@
             </a:xfrm>
             <a:prstGeom prst="diagStripe">
               <a:avLst>
-                <a:gd fmla="val 50000" name="adj"/>
+                <a:gd name="adj" fmla="val 50000"/>
               </a:avLst>
             </a:prstGeom>
             <a:solidFill>
@@ -3805,12 +3653,12 @@
             </a:ln>
           </p:spPr>
           <p:txBody>
-            <a:bodyPr anchorCtr="0" anchor="ctr" bIns="91425" lIns="91425" spcFirstLastPara="1" rIns="91425" wrap="square" tIns="91425">
+            <a:bodyPr spcFirstLastPara="1" wrap="square" lIns="91425" tIns="91425" rIns="91425" bIns="91425" anchor="ctr" anchorCtr="0">
               <a:noAutofit/>
             </a:bodyPr>
             <a:lstStyle/>
             <a:p>
-              <a:pPr indent="0" lvl="0" marL="0" rtl="0" algn="l">
+              <a:pPr marL="0" lvl="0" indent="0" algn="l" rtl="0">
                 <a:spcBef>
                   <a:spcPts val="0"/>
                 </a:spcBef>
@@ -3819,9 +3667,6 @@
                 </a:spcAft>
                 <a:buNone/>
               </a:pPr>
-              <a:r>
-                <a:t/>
-              </a:r>
               <a:endParaRPr/>
             </a:p>
           </p:txBody>
@@ -3839,7 +3684,7 @@
             </a:xfrm>
             <a:prstGeom prst="diagStripe">
               <a:avLst>
-                <a:gd fmla="val 50000" name="adj"/>
+                <a:gd name="adj" fmla="val 50000"/>
               </a:avLst>
             </a:prstGeom>
             <a:solidFill>
@@ -3852,12 +3697,12 @@
             </a:ln>
           </p:spPr>
           <p:txBody>
-            <a:bodyPr anchorCtr="0" anchor="ctr" bIns="91425" lIns="91425" spcFirstLastPara="1" rIns="91425" wrap="square" tIns="91425">
+            <a:bodyPr spcFirstLastPara="1" wrap="square" lIns="91425" tIns="91425" rIns="91425" bIns="91425" anchor="ctr" anchorCtr="0">
               <a:noAutofit/>
             </a:bodyPr>
             <a:lstStyle/>
             <a:p>
-              <a:pPr indent="0" lvl="0" marL="0" rtl="0" algn="l">
+              <a:pPr marL="0" lvl="0" indent="0" algn="l" rtl="0">
                 <a:spcBef>
                   <a:spcPts val="0"/>
                 </a:spcBef>
@@ -3866,9 +3711,6 @@
                 </a:spcAft>
                 <a:buNone/>
               </a:pPr>
-              <a:r>
-                <a:t/>
-              </a:r>
               <a:endParaRPr/>
             </a:p>
           </p:txBody>
@@ -3886,7 +3728,7 @@
             </a:xfrm>
             <a:prstGeom prst="diagStripe">
               <a:avLst>
-                <a:gd fmla="val 50000" name="adj"/>
+                <a:gd name="adj" fmla="val 50000"/>
               </a:avLst>
             </a:prstGeom>
             <a:solidFill>
@@ -3899,12 +3741,12 @@
             </a:ln>
           </p:spPr>
           <p:txBody>
-            <a:bodyPr anchorCtr="0" anchor="ctr" bIns="91425" lIns="91425" spcFirstLastPara="1" rIns="91425" wrap="square" tIns="91425">
+            <a:bodyPr spcFirstLastPara="1" wrap="square" lIns="91425" tIns="91425" rIns="91425" bIns="91425" anchor="ctr" anchorCtr="0">
               <a:noAutofit/>
             </a:bodyPr>
             <a:lstStyle/>
             <a:p>
-              <a:pPr indent="0" lvl="0" marL="0" rtl="0" algn="l">
+              <a:pPr marL="0" lvl="0" indent="0" algn="l" rtl="0">
                 <a:spcBef>
                   <a:spcPts val="0"/>
                 </a:spcBef>
@@ -3913,9 +3755,6 @@
                 </a:spcAft>
                 <a:buNone/>
               </a:pPr>
-              <a:r>
-                <a:t/>
-              </a:r>
               <a:endParaRPr/>
             </a:p>
           </p:txBody>
@@ -3933,7 +3772,7 @@
             </a:xfrm>
             <a:prstGeom prst="diagStripe">
               <a:avLst>
-                <a:gd fmla="val 50000" name="adj"/>
+                <a:gd name="adj" fmla="val 50000"/>
               </a:avLst>
             </a:prstGeom>
             <a:solidFill>
@@ -3946,12 +3785,12 @@
             </a:ln>
           </p:spPr>
           <p:txBody>
-            <a:bodyPr anchorCtr="0" anchor="ctr" bIns="91425" lIns="91425" spcFirstLastPara="1" rIns="91425" wrap="square" tIns="91425">
+            <a:bodyPr spcFirstLastPara="1" wrap="square" lIns="91425" tIns="91425" rIns="91425" bIns="91425" anchor="ctr" anchorCtr="0">
               <a:noAutofit/>
             </a:bodyPr>
             <a:lstStyle/>
             <a:p>
-              <a:pPr indent="0" lvl="0" marL="0" rtl="0" algn="l">
+              <a:pPr marL="0" lvl="0" indent="0" algn="l" rtl="0">
                 <a:spcBef>
                   <a:spcPts val="0"/>
                 </a:spcBef>
@@ -3960,9 +3799,6 @@
                 </a:spcAft>
                 <a:buNone/>
               </a:pPr>
-              <a:r>
-                <a:t/>
-              </a:r>
               <a:endParaRPr/>
             </a:p>
           </p:txBody>
@@ -3980,7 +3816,7 @@
             </a:xfrm>
             <a:prstGeom prst="diagStripe">
               <a:avLst>
-                <a:gd fmla="val 50000" name="adj"/>
+                <a:gd name="adj" fmla="val 50000"/>
               </a:avLst>
             </a:prstGeom>
             <a:solidFill>
@@ -3993,12 +3829,12 @@
             </a:ln>
           </p:spPr>
           <p:txBody>
-            <a:bodyPr anchorCtr="0" anchor="ctr" bIns="91425" lIns="91425" spcFirstLastPara="1" rIns="91425" wrap="square" tIns="91425">
+            <a:bodyPr spcFirstLastPara="1" wrap="square" lIns="91425" tIns="91425" rIns="91425" bIns="91425" anchor="ctr" anchorCtr="0">
               <a:noAutofit/>
             </a:bodyPr>
             <a:lstStyle/>
             <a:p>
-              <a:pPr indent="0" lvl="0" marL="0" rtl="0" algn="l">
+              <a:pPr marL="0" lvl="0" indent="0" algn="l" rtl="0">
                 <a:spcBef>
                   <a:spcPts val="0"/>
                 </a:spcBef>
@@ -4007,9 +3843,6 @@
                 </a:spcAft>
                 <a:buNone/>
               </a:pPr>
-              <a:r>
-                <a:t/>
-              </a:r>
               <a:endParaRPr/>
             </a:p>
           </p:txBody>
@@ -4018,7 +3851,9 @@
       <p:sp>
         <p:nvSpPr>
           <p:cNvPr id="39" name="Google Shape;39;p3"/>
-          <p:cNvSpPr txBox="1"/>
+          <p:cNvSpPr txBox="1">
+            <a:spLocks noGrp="1"/>
+          </p:cNvSpPr>
           <p:nvPr>
             <p:ph type="title"/>
           </p:nvPr>
@@ -4033,7 +3868,7 @@
           </a:prstGeom>
         </p:spPr>
         <p:txBody>
-          <a:bodyPr anchorCtr="0" anchor="ctr" bIns="91425" lIns="91425" spcFirstLastPara="1" rIns="91425" wrap="square" tIns="91425">
+          <a:bodyPr spcFirstLastPara="1" wrap="square" lIns="91425" tIns="91425" rIns="91425" bIns="91425" anchor="ctr" anchorCtr="0">
             <a:noAutofit/>
           </a:bodyPr>
           <a:lstStyle>
@@ -4137,15 +3972,19 @@
               <a:defRPr/>
             </a:lvl9pPr>
           </a:lstStyle>
-          <a:p/>
+          <a:p>
+            <a:endParaRPr/>
+          </a:p>
         </p:txBody>
       </p:sp>
       <p:sp>
         <p:nvSpPr>
           <p:cNvPr id="40" name="Google Shape;40;p3"/>
-          <p:cNvSpPr txBox="1"/>
+          <p:cNvSpPr txBox="1">
+            <a:spLocks noGrp="1"/>
+          </p:cNvSpPr>
           <p:nvPr>
-            <p:ph idx="12" type="sldNum"/>
+            <p:ph type="sldNum" idx="12"/>
           </p:nvPr>
         </p:nvSpPr>
         <p:spPr>
@@ -4158,7 +3997,7 @@
           </a:prstGeom>
         </p:spPr>
         <p:txBody>
-          <a:bodyPr anchorCtr="0" anchor="ctr" bIns="91425" lIns="91425" spcFirstLastPara="1" rIns="91425" wrap="square" tIns="91425">
+          <a:bodyPr spcFirstLastPara="1" wrap="square" lIns="91425" tIns="91425" rIns="91425" bIns="91425" anchor="ctr" anchorCtr="0">
             <a:noAutofit/>
           </a:bodyPr>
           <a:lstStyle>
@@ -4200,7 +4039,7 @@
             </a:lvl9pPr>
           </a:lstStyle>
           <a:p>
-            <a:pPr indent="0" lvl="0" marL="0" rtl="0" algn="r">
+            <a:pPr marL="0" lvl="0" indent="0" algn="r" rtl="0">
               <a:spcBef>
                 <a:spcPts val="0"/>
               </a:spcBef>
@@ -4226,11 +4065,11 @@
 </file>
 
 <file path=ppt/slideLayouts/slideLayout3.xml><?xml version="1.0" encoding="utf-8"?>
-<p:sldLayout xmlns:a="http://schemas.openxmlformats.org/drawingml/2006/main" xmlns:r="http://schemas.openxmlformats.org/officeDocument/2006/relationships" xmlns:mc="http://schemas.openxmlformats.org/markup-compatibility/2006" xmlns:mv="urn:schemas-microsoft-com:mac:vml" xmlns:p="http://schemas.openxmlformats.org/presentationml/2006/main" xmlns:c="http://schemas.openxmlformats.org/drawingml/2006/chart" xmlns:dgm="http://schemas.openxmlformats.org/drawingml/2006/diagram" xmlns:o="urn:schemas-microsoft-com:office:office" xmlns:v="urn:schemas-microsoft-com:vml" xmlns:pvml="urn:schemas-microsoft-com:office:powerpoint" xmlns:com="http://schemas.openxmlformats.org/drawingml/2006/compatibility" xmlns:p14="http://schemas.microsoft.com/office/powerpoint/2010/main" xmlns:p15="http://schemas.microsoft.com/office/powerpoint/2012/main" xmlns:ahyp="http://schemas.microsoft.com/office/drawing/2018/hyperlinkcolor" matchingName="Title and body" type="tx">
+<p:sldLayout xmlns:a="http://schemas.openxmlformats.org/drawingml/2006/main" xmlns:r="http://schemas.openxmlformats.org/officeDocument/2006/relationships" xmlns:p="http://schemas.openxmlformats.org/presentationml/2006/main" matchingName="Title and body" type="tx">
   <p:cSld name="TITLE_AND_BODY">
     <p:spTree>
       <p:nvGrpSpPr>
-        <p:cNvPr id="41" name="Shape 41"/>
+        <p:cNvPr id="1" name="Shape 41"/>
         <p:cNvGrpSpPr/>
         <p:nvPr/>
       </p:nvGrpSpPr>
@@ -4269,7 +4108,7 @@
             </a:xfrm>
             <a:prstGeom prst="diagStripe">
               <a:avLst>
-                <a:gd fmla="val 50000" name="adj"/>
+                <a:gd name="adj" fmla="val 50000"/>
               </a:avLst>
             </a:prstGeom>
             <a:solidFill>
@@ -4280,12 +4119,12 @@
             </a:ln>
           </p:spPr>
           <p:txBody>
-            <a:bodyPr anchorCtr="0" anchor="ctr" bIns="91425" lIns="91425" spcFirstLastPara="1" rIns="91425" wrap="square" tIns="91425">
+            <a:bodyPr spcFirstLastPara="1" wrap="square" lIns="91425" tIns="91425" rIns="91425" bIns="91425" anchor="ctr" anchorCtr="0">
               <a:noAutofit/>
             </a:bodyPr>
             <a:lstStyle/>
             <a:p>
-              <a:pPr indent="0" lvl="0" marL="0" rtl="0" algn="l">
+              <a:pPr marL="0" lvl="0" indent="0" algn="l" rtl="0">
                 <a:spcBef>
                   <a:spcPts val="0"/>
                 </a:spcBef>
@@ -4294,9 +4133,6 @@
                 </a:spcAft>
                 <a:buNone/>
               </a:pPr>
-              <a:r>
-                <a:t/>
-              </a:r>
               <a:endParaRPr/>
             </a:p>
           </p:txBody>
@@ -4314,7 +4150,7 @@
             </a:xfrm>
             <a:prstGeom prst="diagStripe">
               <a:avLst>
-                <a:gd fmla="val 50000" name="adj"/>
+                <a:gd name="adj" fmla="val 50000"/>
               </a:avLst>
             </a:prstGeom>
             <a:solidFill>
@@ -4325,12 +4161,12 @@
             </a:ln>
           </p:spPr>
           <p:txBody>
-            <a:bodyPr anchorCtr="0" anchor="ctr" bIns="91425" lIns="91425" spcFirstLastPara="1" rIns="91425" wrap="square" tIns="91425">
+            <a:bodyPr spcFirstLastPara="1" wrap="square" lIns="91425" tIns="91425" rIns="91425" bIns="91425" anchor="ctr" anchorCtr="0">
               <a:noAutofit/>
             </a:bodyPr>
             <a:lstStyle/>
             <a:p>
-              <a:pPr indent="0" lvl="0" marL="0" rtl="0" algn="l">
+              <a:pPr marL="0" lvl="0" indent="0" algn="l" rtl="0">
                 <a:spcBef>
                   <a:spcPts val="0"/>
                 </a:spcBef>
@@ -4339,9 +4175,6 @@
                 </a:spcAft>
                 <a:buNone/>
               </a:pPr>
-              <a:r>
-                <a:t/>
-              </a:r>
               <a:endParaRPr/>
             </a:p>
           </p:txBody>
@@ -4350,7 +4183,9 @@
       <p:sp>
         <p:nvSpPr>
           <p:cNvPr id="45" name="Google Shape;45;p4"/>
-          <p:cNvSpPr txBox="1"/>
+          <p:cNvSpPr txBox="1">
+            <a:spLocks noGrp="1"/>
+          </p:cNvSpPr>
           <p:nvPr>
             <p:ph type="title"/>
           </p:nvPr>
@@ -4365,7 +4200,7 @@
           </a:prstGeom>
         </p:spPr>
         <p:txBody>
-          <a:bodyPr anchorCtr="0" anchor="t" bIns="91425" lIns="91425" spcFirstLastPara="1" rIns="91425" wrap="square" tIns="91425">
+          <a:bodyPr spcFirstLastPara="1" wrap="square" lIns="91425" tIns="91425" rIns="91425" bIns="91425" anchor="t" anchorCtr="0">
             <a:noAutofit/>
           </a:bodyPr>
           <a:lstStyle>
@@ -4469,15 +4304,19 @@
               <a:defRPr sz="2400"/>
             </a:lvl9pPr>
           </a:lstStyle>
-          <a:p/>
+          <a:p>
+            <a:endParaRPr/>
+          </a:p>
         </p:txBody>
       </p:sp>
       <p:sp>
         <p:nvSpPr>
           <p:cNvPr id="46" name="Google Shape;46;p4"/>
-          <p:cNvSpPr txBox="1"/>
+          <p:cNvSpPr txBox="1">
+            <a:spLocks noGrp="1"/>
+          </p:cNvSpPr>
           <p:nvPr>
-            <p:ph idx="1" type="body"/>
+            <p:ph type="body" idx="1"/>
           </p:nvPr>
         </p:nvSpPr>
         <p:spPr>
@@ -4490,11 +4329,11 @@
           </a:prstGeom>
         </p:spPr>
         <p:txBody>
-          <a:bodyPr anchorCtr="0" anchor="t" bIns="91425" lIns="91425" spcFirstLastPara="1" rIns="91425" wrap="square" tIns="91425">
+          <a:bodyPr spcFirstLastPara="1" wrap="square" lIns="91425" tIns="91425" rIns="91425" bIns="91425" anchor="t" anchorCtr="0">
             <a:noAutofit/>
           </a:bodyPr>
           <a:lstStyle>
-            <a:lvl1pPr indent="-311150" lvl="0" marL="457200">
+            <a:lvl1pPr marL="457200" lvl="0" indent="-311150">
               <a:spcBef>
                 <a:spcPts val="0"/>
               </a:spcBef>
@@ -4505,7 +4344,7 @@
               <a:buChar char="●"/>
               <a:defRPr/>
             </a:lvl1pPr>
-            <a:lvl2pPr indent="-298450" lvl="1" marL="914400">
+            <a:lvl2pPr marL="914400" lvl="1" indent="-298450">
               <a:spcBef>
                 <a:spcPts val="1600"/>
               </a:spcBef>
@@ -4516,7 +4355,7 @@
               <a:buChar char="○"/>
               <a:defRPr/>
             </a:lvl2pPr>
-            <a:lvl3pPr indent="-298450" lvl="2" marL="1371600">
+            <a:lvl3pPr marL="1371600" lvl="2" indent="-298450">
               <a:spcBef>
                 <a:spcPts val="1600"/>
               </a:spcBef>
@@ -4527,7 +4366,7 @@
               <a:buChar char="■"/>
               <a:defRPr/>
             </a:lvl3pPr>
-            <a:lvl4pPr indent="-298450" lvl="3" marL="1828800">
+            <a:lvl4pPr marL="1828800" lvl="3" indent="-298450">
               <a:spcBef>
                 <a:spcPts val="1600"/>
               </a:spcBef>
@@ -4538,7 +4377,7 @@
               <a:buChar char="●"/>
               <a:defRPr/>
             </a:lvl4pPr>
-            <a:lvl5pPr indent="-298450" lvl="4" marL="2286000">
+            <a:lvl5pPr marL="2286000" lvl="4" indent="-298450">
               <a:spcBef>
                 <a:spcPts val="1600"/>
               </a:spcBef>
@@ -4549,7 +4388,7 @@
               <a:buChar char="○"/>
               <a:defRPr/>
             </a:lvl5pPr>
-            <a:lvl6pPr indent="-298450" lvl="5" marL="2743200">
+            <a:lvl6pPr marL="2743200" lvl="5" indent="-298450">
               <a:spcBef>
                 <a:spcPts val="1600"/>
               </a:spcBef>
@@ -4560,7 +4399,7 @@
               <a:buChar char="■"/>
               <a:defRPr/>
             </a:lvl6pPr>
-            <a:lvl7pPr indent="-298450" lvl="6" marL="3200400">
+            <a:lvl7pPr marL="3200400" lvl="6" indent="-298450">
               <a:spcBef>
                 <a:spcPts val="1600"/>
               </a:spcBef>
@@ -4571,7 +4410,7 @@
               <a:buChar char="●"/>
               <a:defRPr/>
             </a:lvl7pPr>
-            <a:lvl8pPr indent="-298450" lvl="7" marL="3657600">
+            <a:lvl8pPr marL="3657600" lvl="7" indent="-298450">
               <a:spcBef>
                 <a:spcPts val="1600"/>
               </a:spcBef>
@@ -4582,7 +4421,7 @@
               <a:buChar char="○"/>
               <a:defRPr/>
             </a:lvl8pPr>
-            <a:lvl9pPr indent="-298450" lvl="8" marL="4114800">
+            <a:lvl9pPr marL="4114800" lvl="8" indent="-298450">
               <a:spcBef>
                 <a:spcPts val="1600"/>
               </a:spcBef>
@@ -4594,15 +4433,19 @@
               <a:defRPr/>
             </a:lvl9pPr>
           </a:lstStyle>
-          <a:p/>
+          <a:p>
+            <a:endParaRPr/>
+          </a:p>
         </p:txBody>
       </p:sp>
       <p:sp>
         <p:nvSpPr>
           <p:cNvPr id="47" name="Google Shape;47;p4"/>
-          <p:cNvSpPr txBox="1"/>
+          <p:cNvSpPr txBox="1">
+            <a:spLocks noGrp="1"/>
+          </p:cNvSpPr>
           <p:nvPr>
-            <p:ph idx="12" type="sldNum"/>
+            <p:ph type="sldNum" idx="12"/>
           </p:nvPr>
         </p:nvSpPr>
         <p:spPr>
@@ -4615,7 +4458,7 @@
           </a:prstGeom>
         </p:spPr>
         <p:txBody>
-          <a:bodyPr anchorCtr="0" anchor="ctr" bIns="91425" lIns="91425" spcFirstLastPara="1" rIns="91425" wrap="square" tIns="91425">
+          <a:bodyPr spcFirstLastPara="1" wrap="square" lIns="91425" tIns="91425" rIns="91425" bIns="91425" anchor="ctr" anchorCtr="0">
             <a:noAutofit/>
           </a:bodyPr>
           <a:lstStyle>
@@ -4657,7 +4500,7 @@
             </a:lvl9pPr>
           </a:lstStyle>
           <a:p>
-            <a:pPr indent="0" lvl="0" marL="0" rtl="0" algn="r">
+            <a:pPr marL="0" lvl="0" indent="0" algn="r" rtl="0">
               <a:spcBef>
                 <a:spcPts val="0"/>
               </a:spcBef>
@@ -4683,11 +4526,11 @@
 </file>
 
 <file path=ppt/slideLayouts/slideLayout4.xml><?xml version="1.0" encoding="utf-8"?>
-<p:sldLayout xmlns:a="http://schemas.openxmlformats.org/drawingml/2006/main" xmlns:r="http://schemas.openxmlformats.org/officeDocument/2006/relationships" xmlns:mc="http://schemas.openxmlformats.org/markup-compatibility/2006" xmlns:mv="urn:schemas-microsoft-com:mac:vml" xmlns:p="http://schemas.openxmlformats.org/presentationml/2006/main" xmlns:c="http://schemas.openxmlformats.org/drawingml/2006/chart" xmlns:dgm="http://schemas.openxmlformats.org/drawingml/2006/diagram" xmlns:o="urn:schemas-microsoft-com:office:office" xmlns:v="urn:schemas-microsoft-com:vml" xmlns:pvml="urn:schemas-microsoft-com:office:powerpoint" xmlns:com="http://schemas.openxmlformats.org/drawingml/2006/compatibility" xmlns:p14="http://schemas.microsoft.com/office/powerpoint/2010/main" xmlns:p15="http://schemas.microsoft.com/office/powerpoint/2012/main" xmlns:ahyp="http://schemas.microsoft.com/office/drawing/2018/hyperlinkcolor" matchingName="Title and two columns" type="twoColTx">
+<p:sldLayout xmlns:a="http://schemas.openxmlformats.org/drawingml/2006/main" xmlns:r="http://schemas.openxmlformats.org/officeDocument/2006/relationships" xmlns:p="http://schemas.openxmlformats.org/presentationml/2006/main" matchingName="Title and two columns" type="twoColTx">
   <p:cSld name="TITLE_AND_TWO_COLUMNS">
     <p:spTree>
       <p:nvGrpSpPr>
-        <p:cNvPr id="48" name="Shape 48"/>
+        <p:cNvPr id="1" name="Shape 48"/>
         <p:cNvGrpSpPr/>
         <p:nvPr/>
       </p:nvGrpSpPr>
@@ -4726,7 +4569,7 @@
             </a:xfrm>
             <a:prstGeom prst="diagStripe">
               <a:avLst>
-                <a:gd fmla="val 50000" name="adj"/>
+                <a:gd name="adj" fmla="val 50000"/>
               </a:avLst>
             </a:prstGeom>
             <a:solidFill>
@@ -4737,12 +4580,12 @@
             </a:ln>
           </p:spPr>
           <p:txBody>
-            <a:bodyPr anchorCtr="0" anchor="ctr" bIns="91425" lIns="91425" spcFirstLastPara="1" rIns="91425" wrap="square" tIns="91425">
+            <a:bodyPr spcFirstLastPara="1" wrap="square" lIns="91425" tIns="91425" rIns="91425" bIns="91425" anchor="ctr" anchorCtr="0">
               <a:noAutofit/>
             </a:bodyPr>
             <a:lstStyle/>
             <a:p>
-              <a:pPr indent="0" lvl="0" marL="0" rtl="0" algn="l">
+              <a:pPr marL="0" lvl="0" indent="0" algn="l" rtl="0">
                 <a:spcBef>
                   <a:spcPts val="0"/>
                 </a:spcBef>
@@ -4751,9 +4594,6 @@
                 </a:spcAft>
                 <a:buNone/>
               </a:pPr>
-              <a:r>
-                <a:t/>
-              </a:r>
               <a:endParaRPr/>
             </a:p>
           </p:txBody>
@@ -4771,7 +4611,7 @@
             </a:xfrm>
             <a:prstGeom prst="diagStripe">
               <a:avLst>
-                <a:gd fmla="val 50000" name="adj"/>
+                <a:gd name="adj" fmla="val 50000"/>
               </a:avLst>
             </a:prstGeom>
             <a:solidFill>
@@ -4782,12 +4622,12 @@
             </a:ln>
           </p:spPr>
           <p:txBody>
-            <a:bodyPr anchorCtr="0" anchor="ctr" bIns="91425" lIns="91425" spcFirstLastPara="1" rIns="91425" wrap="square" tIns="91425">
+            <a:bodyPr spcFirstLastPara="1" wrap="square" lIns="91425" tIns="91425" rIns="91425" bIns="91425" anchor="ctr" anchorCtr="0">
               <a:noAutofit/>
             </a:bodyPr>
             <a:lstStyle/>
             <a:p>
-              <a:pPr indent="0" lvl="0" marL="0" rtl="0" algn="l">
+              <a:pPr marL="0" lvl="0" indent="0" algn="l" rtl="0">
                 <a:spcBef>
                   <a:spcPts val="0"/>
                 </a:spcBef>
@@ -4796,9 +4636,6 @@
                 </a:spcAft>
                 <a:buNone/>
               </a:pPr>
-              <a:r>
-                <a:t/>
-              </a:r>
               <a:endParaRPr/>
             </a:p>
           </p:txBody>
@@ -4807,7 +4644,9 @@
       <p:sp>
         <p:nvSpPr>
           <p:cNvPr id="52" name="Google Shape;52;p5"/>
-          <p:cNvSpPr txBox="1"/>
+          <p:cNvSpPr txBox="1">
+            <a:spLocks noGrp="1"/>
+          </p:cNvSpPr>
           <p:nvPr>
             <p:ph type="title"/>
           </p:nvPr>
@@ -4822,7 +4661,7 @@
           </a:prstGeom>
         </p:spPr>
         <p:txBody>
-          <a:bodyPr anchorCtr="0" anchor="t" bIns="91425" lIns="91425" spcFirstLastPara="1" rIns="91425" wrap="square" tIns="91425">
+          <a:bodyPr spcFirstLastPara="1" wrap="square" lIns="91425" tIns="91425" rIns="91425" bIns="91425" anchor="t" anchorCtr="0">
             <a:noAutofit/>
           </a:bodyPr>
           <a:lstStyle>
@@ -4926,15 +4765,19 @@
               <a:defRPr sz="2400"/>
             </a:lvl9pPr>
           </a:lstStyle>
-          <a:p/>
+          <a:p>
+            <a:endParaRPr/>
+          </a:p>
         </p:txBody>
       </p:sp>
       <p:sp>
         <p:nvSpPr>
           <p:cNvPr id="53" name="Google Shape;53;p5"/>
-          <p:cNvSpPr txBox="1"/>
+          <p:cNvSpPr txBox="1">
+            <a:spLocks noGrp="1"/>
+          </p:cNvSpPr>
           <p:nvPr>
-            <p:ph idx="1" type="body"/>
+            <p:ph type="body" idx="1"/>
           </p:nvPr>
         </p:nvSpPr>
         <p:spPr>
@@ -4947,11 +4790,11 @@
           </a:prstGeom>
         </p:spPr>
         <p:txBody>
-          <a:bodyPr anchorCtr="0" anchor="t" bIns="91425" lIns="91425" spcFirstLastPara="1" rIns="91425" wrap="square" tIns="91425">
+          <a:bodyPr spcFirstLastPara="1" wrap="square" lIns="91425" tIns="91425" rIns="91425" bIns="91425" anchor="t" anchorCtr="0">
             <a:noAutofit/>
           </a:bodyPr>
           <a:lstStyle>
-            <a:lvl1pPr indent="-311150" lvl="0" marL="457200">
+            <a:lvl1pPr marL="457200" lvl="0" indent="-311150">
               <a:spcBef>
                 <a:spcPts val="0"/>
               </a:spcBef>
@@ -4962,7 +4805,7 @@
               <a:buChar char="●"/>
               <a:defRPr/>
             </a:lvl1pPr>
-            <a:lvl2pPr indent="-298450" lvl="1" marL="914400">
+            <a:lvl2pPr marL="914400" lvl="1" indent="-298450">
               <a:spcBef>
                 <a:spcPts val="1600"/>
               </a:spcBef>
@@ -4973,7 +4816,7 @@
               <a:buChar char="○"/>
               <a:defRPr/>
             </a:lvl2pPr>
-            <a:lvl3pPr indent="-298450" lvl="2" marL="1371600">
+            <a:lvl3pPr marL="1371600" lvl="2" indent="-298450">
               <a:spcBef>
                 <a:spcPts val="1600"/>
               </a:spcBef>
@@ -4984,7 +4827,7 @@
               <a:buChar char="■"/>
               <a:defRPr/>
             </a:lvl3pPr>
-            <a:lvl4pPr indent="-298450" lvl="3" marL="1828800">
+            <a:lvl4pPr marL="1828800" lvl="3" indent="-298450">
               <a:spcBef>
                 <a:spcPts val="1600"/>
               </a:spcBef>
@@ -4995,7 +4838,7 @@
               <a:buChar char="●"/>
               <a:defRPr/>
             </a:lvl4pPr>
-            <a:lvl5pPr indent="-298450" lvl="4" marL="2286000">
+            <a:lvl5pPr marL="2286000" lvl="4" indent="-298450">
               <a:spcBef>
                 <a:spcPts val="1600"/>
               </a:spcBef>
@@ -5006,7 +4849,7 @@
               <a:buChar char="○"/>
               <a:defRPr/>
             </a:lvl5pPr>
-            <a:lvl6pPr indent="-298450" lvl="5" marL="2743200">
+            <a:lvl6pPr marL="2743200" lvl="5" indent="-298450">
               <a:spcBef>
                 <a:spcPts val="1600"/>
               </a:spcBef>
@@ -5017,7 +4860,7 @@
               <a:buChar char="■"/>
               <a:defRPr/>
             </a:lvl6pPr>
-            <a:lvl7pPr indent="-298450" lvl="6" marL="3200400">
+            <a:lvl7pPr marL="3200400" lvl="6" indent="-298450">
               <a:spcBef>
                 <a:spcPts val="1600"/>
               </a:spcBef>
@@ -5028,7 +4871,7 @@
               <a:buChar char="●"/>
               <a:defRPr/>
             </a:lvl7pPr>
-            <a:lvl8pPr indent="-298450" lvl="7" marL="3657600">
+            <a:lvl8pPr marL="3657600" lvl="7" indent="-298450">
               <a:spcBef>
                 <a:spcPts val="1600"/>
               </a:spcBef>
@@ -5039,7 +4882,7 @@
               <a:buChar char="○"/>
               <a:defRPr/>
             </a:lvl8pPr>
-            <a:lvl9pPr indent="-298450" lvl="8" marL="4114800">
+            <a:lvl9pPr marL="4114800" lvl="8" indent="-298450">
               <a:spcBef>
                 <a:spcPts val="1600"/>
               </a:spcBef>
@@ -5051,15 +4894,19 @@
               <a:defRPr/>
             </a:lvl9pPr>
           </a:lstStyle>
-          <a:p/>
+          <a:p>
+            <a:endParaRPr/>
+          </a:p>
         </p:txBody>
       </p:sp>
       <p:sp>
         <p:nvSpPr>
           <p:cNvPr id="54" name="Google Shape;54;p5"/>
-          <p:cNvSpPr txBox="1"/>
+          <p:cNvSpPr txBox="1">
+            <a:spLocks noGrp="1"/>
+          </p:cNvSpPr>
           <p:nvPr>
-            <p:ph idx="2" type="body"/>
+            <p:ph type="body" idx="2"/>
           </p:nvPr>
         </p:nvSpPr>
         <p:spPr>
@@ -5072,11 +4919,11 @@
           </a:prstGeom>
         </p:spPr>
         <p:txBody>
-          <a:bodyPr anchorCtr="0" anchor="t" bIns="91425" lIns="91425" spcFirstLastPara="1" rIns="91425" wrap="square" tIns="91425">
+          <a:bodyPr spcFirstLastPara="1" wrap="square" lIns="91425" tIns="91425" rIns="91425" bIns="91425" anchor="t" anchorCtr="0">
             <a:noAutofit/>
           </a:bodyPr>
           <a:lstStyle>
-            <a:lvl1pPr indent="-311150" lvl="0" marL="457200">
+            <a:lvl1pPr marL="457200" lvl="0" indent="-311150">
               <a:spcBef>
                 <a:spcPts val="0"/>
               </a:spcBef>
@@ -5087,7 +4934,7 @@
               <a:buChar char="●"/>
               <a:defRPr/>
             </a:lvl1pPr>
-            <a:lvl2pPr indent="-298450" lvl="1" marL="914400">
+            <a:lvl2pPr marL="914400" lvl="1" indent="-298450">
               <a:spcBef>
                 <a:spcPts val="1600"/>
               </a:spcBef>
@@ -5098,7 +4945,7 @@
               <a:buChar char="○"/>
               <a:defRPr/>
             </a:lvl2pPr>
-            <a:lvl3pPr indent="-298450" lvl="2" marL="1371600">
+            <a:lvl3pPr marL="1371600" lvl="2" indent="-298450">
               <a:spcBef>
                 <a:spcPts val="1600"/>
               </a:spcBef>
@@ -5109,7 +4956,7 @@
               <a:buChar char="■"/>
               <a:defRPr/>
             </a:lvl3pPr>
-            <a:lvl4pPr indent="-298450" lvl="3" marL="1828800">
+            <a:lvl4pPr marL="1828800" lvl="3" indent="-298450">
               <a:spcBef>
                 <a:spcPts val="1600"/>
               </a:spcBef>
@@ -5120,7 +4967,7 @@
               <a:buChar char="●"/>
               <a:defRPr/>
             </a:lvl4pPr>
-            <a:lvl5pPr indent="-298450" lvl="4" marL="2286000">
+            <a:lvl5pPr marL="2286000" lvl="4" indent="-298450">
               <a:spcBef>
                 <a:spcPts val="1600"/>
               </a:spcBef>
@@ -5131,7 +4978,7 @@
               <a:buChar char="○"/>
               <a:defRPr/>
             </a:lvl5pPr>
-            <a:lvl6pPr indent="-298450" lvl="5" marL="2743200">
+            <a:lvl6pPr marL="2743200" lvl="5" indent="-298450">
               <a:spcBef>
                 <a:spcPts val="1600"/>
               </a:spcBef>
@@ -5142,7 +4989,7 @@
               <a:buChar char="■"/>
               <a:defRPr/>
             </a:lvl6pPr>
-            <a:lvl7pPr indent="-298450" lvl="6" marL="3200400">
+            <a:lvl7pPr marL="3200400" lvl="6" indent="-298450">
               <a:spcBef>
                 <a:spcPts val="1600"/>
               </a:spcBef>
@@ -5153,7 +5000,7 @@
               <a:buChar char="●"/>
               <a:defRPr/>
             </a:lvl7pPr>
-            <a:lvl8pPr indent="-298450" lvl="7" marL="3657600">
+            <a:lvl8pPr marL="3657600" lvl="7" indent="-298450">
               <a:spcBef>
                 <a:spcPts val="1600"/>
               </a:spcBef>
@@ -5164,7 +5011,7 @@
               <a:buChar char="○"/>
               <a:defRPr/>
             </a:lvl8pPr>
-            <a:lvl9pPr indent="-298450" lvl="8" marL="4114800">
+            <a:lvl9pPr marL="4114800" lvl="8" indent="-298450">
               <a:spcBef>
                 <a:spcPts val="1600"/>
               </a:spcBef>
@@ -5176,15 +5023,19 @@
               <a:defRPr/>
             </a:lvl9pPr>
           </a:lstStyle>
-          <a:p/>
+          <a:p>
+            <a:endParaRPr/>
+          </a:p>
         </p:txBody>
       </p:sp>
       <p:sp>
         <p:nvSpPr>
           <p:cNvPr id="55" name="Google Shape;55;p5"/>
-          <p:cNvSpPr txBox="1"/>
+          <p:cNvSpPr txBox="1">
+            <a:spLocks noGrp="1"/>
+          </p:cNvSpPr>
           <p:nvPr>
-            <p:ph idx="12" type="sldNum"/>
+            <p:ph type="sldNum" idx="12"/>
           </p:nvPr>
         </p:nvSpPr>
         <p:spPr>
@@ -5197,7 +5048,7 @@
           </a:prstGeom>
         </p:spPr>
         <p:txBody>
-          <a:bodyPr anchorCtr="0" anchor="ctr" bIns="91425" lIns="91425" spcFirstLastPara="1" rIns="91425" wrap="square" tIns="91425">
+          <a:bodyPr spcFirstLastPara="1" wrap="square" lIns="91425" tIns="91425" rIns="91425" bIns="91425" anchor="ctr" anchorCtr="0">
             <a:noAutofit/>
           </a:bodyPr>
           <a:lstStyle>
@@ -5239,7 +5090,7 @@
             </a:lvl9pPr>
           </a:lstStyle>
           <a:p>
-            <a:pPr indent="0" lvl="0" marL="0" rtl="0" algn="r">
+            <a:pPr marL="0" lvl="0" indent="0" algn="r" rtl="0">
               <a:spcBef>
                 <a:spcPts val="0"/>
               </a:spcBef>
@@ -5265,11 +5116,11 @@
 </file>
 
 <file path=ppt/slideLayouts/slideLayout5.xml><?xml version="1.0" encoding="utf-8"?>
-<p:sldLayout xmlns:a="http://schemas.openxmlformats.org/drawingml/2006/main" xmlns:r="http://schemas.openxmlformats.org/officeDocument/2006/relationships" xmlns:mc="http://schemas.openxmlformats.org/markup-compatibility/2006" xmlns:mv="urn:schemas-microsoft-com:mac:vml" xmlns:p="http://schemas.openxmlformats.org/presentationml/2006/main" xmlns:c="http://schemas.openxmlformats.org/drawingml/2006/chart" xmlns:dgm="http://schemas.openxmlformats.org/drawingml/2006/diagram" xmlns:o="urn:schemas-microsoft-com:office:office" xmlns:v="urn:schemas-microsoft-com:vml" xmlns:pvml="urn:schemas-microsoft-com:office:powerpoint" xmlns:com="http://schemas.openxmlformats.org/drawingml/2006/compatibility" xmlns:p14="http://schemas.microsoft.com/office/powerpoint/2010/main" xmlns:p15="http://schemas.microsoft.com/office/powerpoint/2012/main" xmlns:ahyp="http://schemas.microsoft.com/office/drawing/2018/hyperlinkcolor" matchingName="Title only" type="titleOnly">
+<p:sldLayout xmlns:a="http://schemas.openxmlformats.org/drawingml/2006/main" xmlns:r="http://schemas.openxmlformats.org/officeDocument/2006/relationships" xmlns:p="http://schemas.openxmlformats.org/presentationml/2006/main" matchingName="Title only" type="titleOnly">
   <p:cSld name="TITLE_ONLY">
     <p:spTree>
       <p:nvGrpSpPr>
-        <p:cNvPr id="56" name="Shape 56"/>
+        <p:cNvPr id="1" name="Shape 56"/>
         <p:cNvGrpSpPr/>
         <p:nvPr/>
       </p:nvGrpSpPr>
@@ -5308,7 +5159,7 @@
             </a:xfrm>
             <a:prstGeom prst="diagStripe">
               <a:avLst>
-                <a:gd fmla="val 50000" name="adj"/>
+                <a:gd name="adj" fmla="val 50000"/>
               </a:avLst>
             </a:prstGeom>
             <a:solidFill>
@@ -5319,12 +5170,12 @@
             </a:ln>
           </p:spPr>
           <p:txBody>
-            <a:bodyPr anchorCtr="0" anchor="ctr" bIns="91425" lIns="91425" spcFirstLastPara="1" rIns="91425" wrap="square" tIns="91425">
+            <a:bodyPr spcFirstLastPara="1" wrap="square" lIns="91425" tIns="91425" rIns="91425" bIns="91425" anchor="ctr" anchorCtr="0">
               <a:noAutofit/>
             </a:bodyPr>
             <a:lstStyle/>
             <a:p>
-              <a:pPr indent="0" lvl="0" marL="0" rtl="0" algn="l">
+              <a:pPr marL="0" lvl="0" indent="0" algn="l" rtl="0">
                 <a:spcBef>
                   <a:spcPts val="0"/>
                 </a:spcBef>
@@ -5333,9 +5184,6 @@
                 </a:spcAft>
                 <a:buNone/>
               </a:pPr>
-              <a:r>
-                <a:t/>
-              </a:r>
               <a:endParaRPr/>
             </a:p>
           </p:txBody>
@@ -5353,7 +5201,7 @@
             </a:xfrm>
             <a:prstGeom prst="diagStripe">
               <a:avLst>
-                <a:gd fmla="val 50000" name="adj"/>
+                <a:gd name="adj" fmla="val 50000"/>
               </a:avLst>
             </a:prstGeom>
             <a:solidFill>
@@ -5364,12 +5212,12 @@
             </a:ln>
           </p:spPr>
           <p:txBody>
-            <a:bodyPr anchorCtr="0" anchor="ctr" bIns="91425" lIns="91425" spcFirstLastPara="1" rIns="91425" wrap="square" tIns="91425">
+            <a:bodyPr spcFirstLastPara="1" wrap="square" lIns="91425" tIns="91425" rIns="91425" bIns="91425" anchor="ctr" anchorCtr="0">
               <a:noAutofit/>
             </a:bodyPr>
             <a:lstStyle/>
             <a:p>
-              <a:pPr indent="0" lvl="0" marL="0" rtl="0" algn="l">
+              <a:pPr marL="0" lvl="0" indent="0" algn="l" rtl="0">
                 <a:spcBef>
                   <a:spcPts val="0"/>
                 </a:spcBef>
@@ -5378,9 +5226,6 @@
                 </a:spcAft>
                 <a:buNone/>
               </a:pPr>
-              <a:r>
-                <a:t/>
-              </a:r>
               <a:endParaRPr/>
             </a:p>
           </p:txBody>
@@ -5389,7 +5234,9 @@
       <p:sp>
         <p:nvSpPr>
           <p:cNvPr id="60" name="Google Shape;60;p6"/>
-          <p:cNvSpPr txBox="1"/>
+          <p:cNvSpPr txBox="1">
+            <a:spLocks noGrp="1"/>
+          </p:cNvSpPr>
           <p:nvPr>
             <p:ph type="title"/>
           </p:nvPr>
@@ -5404,7 +5251,7 @@
           </a:prstGeom>
         </p:spPr>
         <p:txBody>
-          <a:bodyPr anchorCtr="0" anchor="t" bIns="91425" lIns="91425" spcFirstLastPara="1" rIns="91425" wrap="square" tIns="91425">
+          <a:bodyPr spcFirstLastPara="1" wrap="square" lIns="91425" tIns="91425" rIns="91425" bIns="91425" anchor="t" anchorCtr="0">
             <a:noAutofit/>
           </a:bodyPr>
           <a:lstStyle>
@@ -5508,15 +5355,19 @@
               <a:defRPr sz="2400"/>
             </a:lvl9pPr>
           </a:lstStyle>
-          <a:p/>
+          <a:p>
+            <a:endParaRPr/>
+          </a:p>
         </p:txBody>
       </p:sp>
       <p:sp>
         <p:nvSpPr>
           <p:cNvPr id="61" name="Google Shape;61;p6"/>
-          <p:cNvSpPr txBox="1"/>
+          <p:cNvSpPr txBox="1">
+            <a:spLocks noGrp="1"/>
+          </p:cNvSpPr>
           <p:nvPr>
-            <p:ph idx="12" type="sldNum"/>
+            <p:ph type="sldNum" idx="12"/>
           </p:nvPr>
         </p:nvSpPr>
         <p:spPr>
@@ -5529,7 +5380,7 @@
           </a:prstGeom>
         </p:spPr>
         <p:txBody>
-          <a:bodyPr anchorCtr="0" anchor="ctr" bIns="91425" lIns="91425" spcFirstLastPara="1" rIns="91425" wrap="square" tIns="91425">
+          <a:bodyPr spcFirstLastPara="1" wrap="square" lIns="91425" tIns="91425" rIns="91425" bIns="91425" anchor="ctr" anchorCtr="0">
             <a:noAutofit/>
           </a:bodyPr>
           <a:lstStyle>
@@ -5571,7 +5422,7 @@
             </a:lvl9pPr>
           </a:lstStyle>
           <a:p>
-            <a:pPr indent="0" lvl="0" marL="0" rtl="0" algn="r">
+            <a:pPr marL="0" lvl="0" indent="0" algn="r" rtl="0">
               <a:spcBef>
                 <a:spcPts val="0"/>
               </a:spcBef>
@@ -5597,11 +5448,11 @@
 </file>
 
 <file path=ppt/slideLayouts/slideLayout6.xml><?xml version="1.0" encoding="utf-8"?>
-<p:sldLayout xmlns:a="http://schemas.openxmlformats.org/drawingml/2006/main" xmlns:r="http://schemas.openxmlformats.org/officeDocument/2006/relationships" xmlns:mc="http://schemas.openxmlformats.org/markup-compatibility/2006" xmlns:mv="urn:schemas-microsoft-com:mac:vml" xmlns:p="http://schemas.openxmlformats.org/presentationml/2006/main" xmlns:c="http://schemas.openxmlformats.org/drawingml/2006/chart" xmlns:dgm="http://schemas.openxmlformats.org/drawingml/2006/diagram" xmlns:o="urn:schemas-microsoft-com:office:office" xmlns:v="urn:schemas-microsoft-com:vml" xmlns:pvml="urn:schemas-microsoft-com:office:powerpoint" xmlns:com="http://schemas.openxmlformats.org/drawingml/2006/compatibility" xmlns:p14="http://schemas.microsoft.com/office/powerpoint/2010/main" xmlns:p15="http://schemas.microsoft.com/office/powerpoint/2012/main" xmlns:ahyp="http://schemas.microsoft.com/office/drawing/2018/hyperlinkcolor" matchingName="One column text">
+<p:sldLayout xmlns:a="http://schemas.openxmlformats.org/drawingml/2006/main" xmlns:r="http://schemas.openxmlformats.org/officeDocument/2006/relationships" xmlns:p="http://schemas.openxmlformats.org/presentationml/2006/main" matchingName="One column text">
   <p:cSld name="ONE_COLUMN_TEXT">
     <p:spTree>
       <p:nvGrpSpPr>
-        <p:cNvPr id="62" name="Shape 62"/>
+        <p:cNvPr id="1" name="Shape 62"/>
         <p:cNvGrpSpPr/>
         <p:nvPr/>
       </p:nvGrpSpPr>
@@ -5640,7 +5491,7 @@
             </a:xfrm>
             <a:prstGeom prst="diagStripe">
               <a:avLst>
-                <a:gd fmla="val 50000" name="adj"/>
+                <a:gd name="adj" fmla="val 50000"/>
               </a:avLst>
             </a:prstGeom>
             <a:solidFill>
@@ -5651,12 +5502,12 @@
             </a:ln>
           </p:spPr>
           <p:txBody>
-            <a:bodyPr anchorCtr="0" anchor="ctr" bIns="91425" lIns="91425" spcFirstLastPara="1" rIns="91425" wrap="square" tIns="91425">
+            <a:bodyPr spcFirstLastPara="1" wrap="square" lIns="91425" tIns="91425" rIns="91425" bIns="91425" anchor="ctr" anchorCtr="0">
               <a:noAutofit/>
             </a:bodyPr>
             <a:lstStyle/>
             <a:p>
-              <a:pPr indent="0" lvl="0" marL="0" rtl="0" algn="l">
+              <a:pPr marL="0" lvl="0" indent="0" algn="l" rtl="0">
                 <a:spcBef>
                   <a:spcPts val="0"/>
                 </a:spcBef>
@@ -5665,9 +5516,6 @@
                 </a:spcAft>
                 <a:buNone/>
               </a:pPr>
-              <a:r>
-                <a:t/>
-              </a:r>
               <a:endParaRPr/>
             </a:p>
           </p:txBody>
@@ -5685,7 +5533,7 @@
             </a:xfrm>
             <a:prstGeom prst="diagStripe">
               <a:avLst>
-                <a:gd fmla="val 50000" name="adj"/>
+                <a:gd name="adj" fmla="val 50000"/>
               </a:avLst>
             </a:prstGeom>
             <a:solidFill>
@@ -5696,12 +5544,12 @@
             </a:ln>
           </p:spPr>
           <p:txBody>
-            <a:bodyPr anchorCtr="0" anchor="ctr" bIns="91425" lIns="91425" spcFirstLastPara="1" rIns="91425" wrap="square" tIns="91425">
+            <a:bodyPr spcFirstLastPara="1" wrap="square" lIns="91425" tIns="91425" rIns="91425" bIns="91425" anchor="ctr" anchorCtr="0">
               <a:noAutofit/>
             </a:bodyPr>
             <a:lstStyle/>
             <a:p>
-              <a:pPr indent="0" lvl="0" marL="0" rtl="0" algn="l">
+              <a:pPr marL="0" lvl="0" indent="0" algn="l" rtl="0">
                 <a:spcBef>
                   <a:spcPts val="0"/>
                 </a:spcBef>
@@ -5710,9 +5558,6 @@
                 </a:spcAft>
                 <a:buNone/>
               </a:pPr>
-              <a:r>
-                <a:t/>
-              </a:r>
               <a:endParaRPr/>
             </a:p>
           </p:txBody>
@@ -5721,7 +5566,9 @@
       <p:sp>
         <p:nvSpPr>
           <p:cNvPr id="66" name="Google Shape;66;p7"/>
-          <p:cNvSpPr txBox="1"/>
+          <p:cNvSpPr txBox="1">
+            <a:spLocks noGrp="1"/>
+          </p:cNvSpPr>
           <p:nvPr>
             <p:ph type="title"/>
           </p:nvPr>
@@ -5736,7 +5583,7 @@
           </a:prstGeom>
         </p:spPr>
         <p:txBody>
-          <a:bodyPr anchorCtr="0" anchor="t" bIns="91425" lIns="91425" spcFirstLastPara="1" rIns="91425" wrap="square" tIns="91425">
+          <a:bodyPr spcFirstLastPara="1" wrap="square" lIns="91425" tIns="91425" rIns="91425" bIns="91425" anchor="t" anchorCtr="0">
             <a:noAutofit/>
           </a:bodyPr>
           <a:lstStyle>
@@ -5840,15 +5687,19 @@
               <a:defRPr sz="2400"/>
             </a:lvl9pPr>
           </a:lstStyle>
-          <a:p/>
+          <a:p>
+            <a:endParaRPr/>
+          </a:p>
         </p:txBody>
       </p:sp>
       <p:sp>
         <p:nvSpPr>
           <p:cNvPr id="67" name="Google Shape;67;p7"/>
-          <p:cNvSpPr txBox="1"/>
+          <p:cNvSpPr txBox="1">
+            <a:spLocks noGrp="1"/>
+          </p:cNvSpPr>
           <p:nvPr>
-            <p:ph idx="1" type="body"/>
+            <p:ph type="body" idx="1"/>
           </p:nvPr>
         </p:nvSpPr>
         <p:spPr>
@@ -5861,11 +5712,11 @@
           </a:prstGeom>
         </p:spPr>
         <p:txBody>
-          <a:bodyPr anchorCtr="0" anchor="t" bIns="91425" lIns="91425" spcFirstLastPara="1" rIns="91425" wrap="square" tIns="91425">
+          <a:bodyPr spcFirstLastPara="1" wrap="square" lIns="91425" tIns="91425" rIns="91425" bIns="91425" anchor="t" anchorCtr="0">
             <a:noAutofit/>
           </a:bodyPr>
           <a:lstStyle>
-            <a:lvl1pPr indent="-311150" lvl="0" marL="457200">
+            <a:lvl1pPr marL="457200" lvl="0" indent="-311150">
               <a:spcBef>
                 <a:spcPts val="0"/>
               </a:spcBef>
@@ -5876,7 +5727,7 @@
               <a:buChar char="●"/>
               <a:defRPr/>
             </a:lvl1pPr>
-            <a:lvl2pPr indent="-298450" lvl="1" marL="914400">
+            <a:lvl2pPr marL="914400" lvl="1" indent="-298450">
               <a:spcBef>
                 <a:spcPts val="1600"/>
               </a:spcBef>
@@ -5887,7 +5738,7 @@
               <a:buChar char="○"/>
               <a:defRPr/>
             </a:lvl2pPr>
-            <a:lvl3pPr indent="-298450" lvl="2" marL="1371600">
+            <a:lvl3pPr marL="1371600" lvl="2" indent="-298450">
               <a:spcBef>
                 <a:spcPts val="1600"/>
               </a:spcBef>
@@ -5898,7 +5749,7 @@
               <a:buChar char="■"/>
               <a:defRPr/>
             </a:lvl3pPr>
-            <a:lvl4pPr indent="-298450" lvl="3" marL="1828800">
+            <a:lvl4pPr marL="1828800" lvl="3" indent="-298450">
               <a:spcBef>
                 <a:spcPts val="1600"/>
               </a:spcBef>
@@ -5909,7 +5760,7 @@
               <a:buChar char="●"/>
               <a:defRPr/>
             </a:lvl4pPr>
-            <a:lvl5pPr indent="-298450" lvl="4" marL="2286000">
+            <a:lvl5pPr marL="2286000" lvl="4" indent="-298450">
               <a:spcBef>
                 <a:spcPts val="1600"/>
               </a:spcBef>
@@ -5920,7 +5771,7 @@
               <a:buChar char="○"/>
               <a:defRPr/>
             </a:lvl5pPr>
-            <a:lvl6pPr indent="-298450" lvl="5" marL="2743200">
+            <a:lvl6pPr marL="2743200" lvl="5" indent="-298450">
               <a:spcBef>
                 <a:spcPts val="1600"/>
               </a:spcBef>
@@ -5931,7 +5782,7 @@
               <a:buChar char="■"/>
               <a:defRPr/>
             </a:lvl6pPr>
-            <a:lvl7pPr indent="-298450" lvl="6" marL="3200400">
+            <a:lvl7pPr marL="3200400" lvl="6" indent="-298450">
               <a:spcBef>
                 <a:spcPts val="1600"/>
               </a:spcBef>
@@ -5942,7 +5793,7 @@
               <a:buChar char="●"/>
               <a:defRPr/>
             </a:lvl7pPr>
-            <a:lvl8pPr indent="-298450" lvl="7" marL="3657600">
+            <a:lvl8pPr marL="3657600" lvl="7" indent="-298450">
               <a:spcBef>
                 <a:spcPts val="1600"/>
               </a:spcBef>
@@ -5953,7 +5804,7 @@
               <a:buChar char="○"/>
               <a:defRPr/>
             </a:lvl8pPr>
-            <a:lvl9pPr indent="-298450" lvl="8" marL="4114800">
+            <a:lvl9pPr marL="4114800" lvl="8" indent="-298450">
               <a:spcBef>
                 <a:spcPts val="1600"/>
               </a:spcBef>
@@ -5965,15 +5816,19 @@
               <a:defRPr/>
             </a:lvl9pPr>
           </a:lstStyle>
-          <a:p/>
+          <a:p>
+            <a:endParaRPr/>
+          </a:p>
         </p:txBody>
       </p:sp>
       <p:sp>
         <p:nvSpPr>
           <p:cNvPr id="68" name="Google Shape;68;p7"/>
-          <p:cNvSpPr txBox="1"/>
+          <p:cNvSpPr txBox="1">
+            <a:spLocks noGrp="1"/>
+          </p:cNvSpPr>
           <p:nvPr>
-            <p:ph idx="12" type="sldNum"/>
+            <p:ph type="sldNum" idx="12"/>
           </p:nvPr>
         </p:nvSpPr>
         <p:spPr>
@@ -5986,7 +5841,7 @@
           </a:prstGeom>
         </p:spPr>
         <p:txBody>
-          <a:bodyPr anchorCtr="0" anchor="ctr" bIns="91425" lIns="91425" spcFirstLastPara="1" rIns="91425" wrap="square" tIns="91425">
+          <a:bodyPr spcFirstLastPara="1" wrap="square" lIns="91425" tIns="91425" rIns="91425" bIns="91425" anchor="ctr" anchorCtr="0">
             <a:noAutofit/>
           </a:bodyPr>
           <a:lstStyle>
@@ -6028,7 +5883,7 @@
             </a:lvl9pPr>
           </a:lstStyle>
           <a:p>
-            <a:pPr indent="0" lvl="0" marL="0" rtl="0" algn="r">
+            <a:pPr marL="0" lvl="0" indent="0" algn="r" rtl="0">
               <a:spcBef>
                 <a:spcPts val="0"/>
               </a:spcBef>
@@ -6054,11 +5909,11 @@
 </file>
 
 <file path=ppt/slideLayouts/slideLayout7.xml><?xml version="1.0" encoding="utf-8"?>
-<p:sldLayout xmlns:a="http://schemas.openxmlformats.org/drawingml/2006/main" xmlns:r="http://schemas.openxmlformats.org/officeDocument/2006/relationships" xmlns:mc="http://schemas.openxmlformats.org/markup-compatibility/2006" xmlns:mv="urn:schemas-microsoft-com:mac:vml" xmlns:p="http://schemas.openxmlformats.org/presentationml/2006/main" xmlns:c="http://schemas.openxmlformats.org/drawingml/2006/chart" xmlns:dgm="http://schemas.openxmlformats.org/drawingml/2006/diagram" xmlns:o="urn:schemas-microsoft-com:office:office" xmlns:v="urn:schemas-microsoft-com:vml" xmlns:pvml="urn:schemas-microsoft-com:office:powerpoint" xmlns:com="http://schemas.openxmlformats.org/drawingml/2006/compatibility" xmlns:p14="http://schemas.microsoft.com/office/powerpoint/2010/main" xmlns:p15="http://schemas.microsoft.com/office/powerpoint/2012/main" xmlns:ahyp="http://schemas.microsoft.com/office/drawing/2018/hyperlinkcolor" matchingName="Main point">
+<p:sldLayout xmlns:a="http://schemas.openxmlformats.org/drawingml/2006/main" xmlns:r="http://schemas.openxmlformats.org/officeDocument/2006/relationships" xmlns:p="http://schemas.openxmlformats.org/presentationml/2006/main" matchingName="Main point">
   <p:cSld name="MAIN_POINT">
     <p:spTree>
       <p:nvGrpSpPr>
-        <p:cNvPr id="69" name="Shape 69"/>
+        <p:cNvPr id="1" name="Shape 69"/>
         <p:cNvGrpSpPr/>
         <p:nvPr/>
       </p:nvGrpSpPr>
@@ -6097,7 +5952,7 @@
             </a:xfrm>
             <a:prstGeom prst="diagStripe">
               <a:avLst>
-                <a:gd fmla="val 49469" name="adj"/>
+                <a:gd name="adj" fmla="val 49469"/>
               </a:avLst>
             </a:prstGeom>
             <a:solidFill>
@@ -6110,12 +5965,12 @@
             </a:ln>
           </p:spPr>
           <p:txBody>
-            <a:bodyPr anchorCtr="0" anchor="ctr" bIns="91425" lIns="91425" spcFirstLastPara="1" rIns="91425" wrap="square" tIns="91425">
+            <a:bodyPr spcFirstLastPara="1" wrap="square" lIns="91425" tIns="91425" rIns="91425" bIns="91425" anchor="ctr" anchorCtr="0">
               <a:noAutofit/>
             </a:bodyPr>
             <a:lstStyle/>
             <a:p>
-              <a:pPr indent="0" lvl="0" marL="0" rtl="0" algn="l">
+              <a:pPr marL="0" lvl="0" indent="0" algn="l" rtl="0">
                 <a:spcBef>
                   <a:spcPts val="0"/>
                 </a:spcBef>
@@ -6124,9 +5979,6 @@
                 </a:spcAft>
                 <a:buNone/>
               </a:pPr>
-              <a:r>
-                <a:t/>
-              </a:r>
               <a:endParaRPr/>
             </a:p>
           </p:txBody>
@@ -6144,7 +5996,7 @@
             </a:xfrm>
             <a:prstGeom prst="diagStripe">
               <a:avLst>
-                <a:gd fmla="val 0" name="adj"/>
+                <a:gd name="adj" fmla="val 0"/>
               </a:avLst>
             </a:prstGeom>
             <a:solidFill>
@@ -6157,12 +6009,12 @@
             </a:ln>
           </p:spPr>
           <p:txBody>
-            <a:bodyPr anchorCtr="0" anchor="ctr" bIns="91425" lIns="91425" spcFirstLastPara="1" rIns="91425" wrap="square" tIns="91425">
+            <a:bodyPr spcFirstLastPara="1" wrap="square" lIns="91425" tIns="91425" rIns="91425" bIns="91425" anchor="ctr" anchorCtr="0">
               <a:noAutofit/>
             </a:bodyPr>
             <a:lstStyle/>
             <a:p>
-              <a:pPr indent="0" lvl="0" marL="0" rtl="0" algn="l">
+              <a:pPr marL="0" lvl="0" indent="0" algn="l" rtl="0">
                 <a:spcBef>
                   <a:spcPts val="0"/>
                 </a:spcBef>
@@ -6171,9 +6023,6 @@
                 </a:spcAft>
                 <a:buNone/>
               </a:pPr>
-              <a:r>
-                <a:t/>
-              </a:r>
               <a:endParaRPr/>
             </a:p>
           </p:txBody>
@@ -6191,7 +6040,7 @@
             </a:xfrm>
             <a:prstGeom prst="diagStripe">
               <a:avLst>
-                <a:gd fmla="val 50000" name="adj"/>
+                <a:gd name="adj" fmla="val 50000"/>
               </a:avLst>
             </a:prstGeom>
             <a:solidFill>
@@ -6204,12 +6053,12 @@
             </a:ln>
           </p:spPr>
           <p:txBody>
-            <a:bodyPr anchorCtr="0" anchor="ctr" bIns="91425" lIns="91425" spcFirstLastPara="1" rIns="91425" wrap="square" tIns="91425">
+            <a:bodyPr spcFirstLastPara="1" wrap="square" lIns="91425" tIns="91425" rIns="91425" bIns="91425" anchor="ctr" anchorCtr="0">
               <a:noAutofit/>
             </a:bodyPr>
             <a:lstStyle/>
             <a:p>
-              <a:pPr indent="0" lvl="0" marL="0" rtl="0" algn="l">
+              <a:pPr marL="0" lvl="0" indent="0" algn="l" rtl="0">
                 <a:spcBef>
                   <a:spcPts val="0"/>
                 </a:spcBef>
@@ -6218,9 +6067,6 @@
                 </a:spcAft>
                 <a:buNone/>
               </a:pPr>
-              <a:r>
-                <a:t/>
-              </a:r>
               <a:endParaRPr/>
             </a:p>
           </p:txBody>
@@ -6238,7 +6084,7 @@
             </a:xfrm>
             <a:prstGeom prst="diagStripe">
               <a:avLst>
-                <a:gd fmla="val 50000" name="adj"/>
+                <a:gd name="adj" fmla="val 50000"/>
               </a:avLst>
             </a:prstGeom>
             <a:solidFill>
@@ -6251,12 +6097,12 @@
             </a:ln>
           </p:spPr>
           <p:txBody>
-            <a:bodyPr anchorCtr="0" anchor="ctr" bIns="91425" lIns="91425" spcFirstLastPara="1" rIns="91425" wrap="square" tIns="91425">
+            <a:bodyPr spcFirstLastPara="1" wrap="square" lIns="91425" tIns="91425" rIns="91425" bIns="91425" anchor="ctr" anchorCtr="0">
               <a:noAutofit/>
             </a:bodyPr>
             <a:lstStyle/>
             <a:p>
-              <a:pPr indent="0" lvl="0" marL="0" rtl="0" algn="l">
+              <a:pPr marL="0" lvl="0" indent="0" algn="l" rtl="0">
                 <a:spcBef>
                   <a:spcPts val="0"/>
                 </a:spcBef>
@@ -6265,9 +6111,6 @@
                 </a:spcAft>
                 <a:buNone/>
               </a:pPr>
-              <a:r>
-                <a:t/>
-              </a:r>
               <a:endParaRPr/>
             </a:p>
           </p:txBody>
@@ -6285,7 +6128,7 @@
             </a:xfrm>
             <a:prstGeom prst="diagStripe">
               <a:avLst>
-                <a:gd fmla="val 50000" name="adj"/>
+                <a:gd name="adj" fmla="val 50000"/>
               </a:avLst>
             </a:prstGeom>
             <a:solidFill>
@@ -6298,12 +6141,12 @@
             </a:ln>
           </p:spPr>
           <p:txBody>
-            <a:bodyPr anchorCtr="0" anchor="ctr" bIns="91425" lIns="91425" spcFirstLastPara="1" rIns="91425" wrap="square" tIns="91425">
+            <a:bodyPr spcFirstLastPara="1" wrap="square" lIns="91425" tIns="91425" rIns="91425" bIns="91425" anchor="ctr" anchorCtr="0">
               <a:noAutofit/>
             </a:bodyPr>
             <a:lstStyle/>
             <a:p>
-              <a:pPr indent="0" lvl="0" marL="0" rtl="0" algn="l">
+              <a:pPr marL="0" lvl="0" indent="0" algn="l" rtl="0">
                 <a:spcBef>
                   <a:spcPts val="0"/>
                 </a:spcBef>
@@ -6312,9 +6155,6 @@
                 </a:spcAft>
                 <a:buNone/>
               </a:pPr>
-              <a:r>
-                <a:t/>
-              </a:r>
               <a:endParaRPr/>
             </a:p>
           </p:txBody>
@@ -6332,7 +6172,7 @@
             </a:xfrm>
             <a:prstGeom prst="diagStripe">
               <a:avLst>
-                <a:gd fmla="val 50000" name="adj"/>
+                <a:gd name="adj" fmla="val 50000"/>
               </a:avLst>
             </a:prstGeom>
             <a:solidFill>
@@ -6345,12 +6185,12 @@
             </a:ln>
           </p:spPr>
           <p:txBody>
-            <a:bodyPr anchorCtr="0" anchor="ctr" bIns="91425" lIns="91425" spcFirstLastPara="1" rIns="91425" wrap="square" tIns="91425">
+            <a:bodyPr spcFirstLastPara="1" wrap="square" lIns="91425" tIns="91425" rIns="91425" bIns="91425" anchor="ctr" anchorCtr="0">
               <a:noAutofit/>
             </a:bodyPr>
             <a:lstStyle/>
             <a:p>
-              <a:pPr indent="0" lvl="0" marL="0" rtl="0" algn="l">
+              <a:pPr marL="0" lvl="0" indent="0" algn="l" rtl="0">
                 <a:spcBef>
                   <a:spcPts val="0"/>
                 </a:spcBef>
@@ -6359,9 +6199,6 @@
                 </a:spcAft>
                 <a:buNone/>
               </a:pPr>
-              <a:r>
-                <a:t/>
-              </a:r>
               <a:endParaRPr/>
             </a:p>
           </p:txBody>
@@ -6379,7 +6216,7 @@
             </a:xfrm>
             <a:prstGeom prst="diagStripe">
               <a:avLst>
-                <a:gd fmla="val 50000" name="adj"/>
+                <a:gd name="adj" fmla="val 50000"/>
               </a:avLst>
             </a:prstGeom>
             <a:solidFill>
@@ -6392,12 +6229,12 @@
             </a:ln>
           </p:spPr>
           <p:txBody>
-            <a:bodyPr anchorCtr="0" anchor="ctr" bIns="91425" lIns="91425" spcFirstLastPara="1" rIns="91425" wrap="square" tIns="91425">
+            <a:bodyPr spcFirstLastPara="1" wrap="square" lIns="91425" tIns="91425" rIns="91425" bIns="91425" anchor="ctr" anchorCtr="0">
               <a:noAutofit/>
             </a:bodyPr>
             <a:lstStyle/>
             <a:p>
-              <a:pPr indent="0" lvl="0" marL="0" rtl="0" algn="l">
+              <a:pPr marL="0" lvl="0" indent="0" algn="l" rtl="0">
                 <a:spcBef>
                   <a:spcPts val="0"/>
                 </a:spcBef>
@@ -6406,9 +6243,6 @@
                 </a:spcAft>
                 <a:buNone/>
               </a:pPr>
-              <a:r>
-                <a:t/>
-              </a:r>
               <a:endParaRPr/>
             </a:p>
           </p:txBody>
@@ -6426,7 +6260,7 @@
             </a:xfrm>
             <a:prstGeom prst="diagStripe">
               <a:avLst>
-                <a:gd fmla="val 50000" name="adj"/>
+                <a:gd name="adj" fmla="val 50000"/>
               </a:avLst>
             </a:prstGeom>
             <a:solidFill>
@@ -6437,12 +6271,12 @@
             </a:ln>
           </p:spPr>
           <p:txBody>
-            <a:bodyPr anchorCtr="0" anchor="ctr" bIns="91425" lIns="91425" spcFirstLastPara="1" rIns="91425" wrap="square" tIns="91425">
+            <a:bodyPr spcFirstLastPara="1" wrap="square" lIns="91425" tIns="91425" rIns="91425" bIns="91425" anchor="ctr" anchorCtr="0">
               <a:noAutofit/>
             </a:bodyPr>
             <a:lstStyle/>
             <a:p>
-              <a:pPr indent="0" lvl="0" marL="0" rtl="0" algn="l">
+              <a:pPr marL="0" lvl="0" indent="0" algn="l" rtl="0">
                 <a:spcBef>
                   <a:spcPts val="0"/>
                 </a:spcBef>
@@ -6451,9 +6285,6 @@
                 </a:spcAft>
                 <a:buNone/>
               </a:pPr>
-              <a:r>
-                <a:t/>
-              </a:r>
               <a:endParaRPr/>
             </a:p>
           </p:txBody>
@@ -6471,7 +6302,7 @@
             </a:xfrm>
             <a:prstGeom prst="diagStripe">
               <a:avLst>
-                <a:gd fmla="val 50000" name="adj"/>
+                <a:gd name="adj" fmla="val 50000"/>
               </a:avLst>
             </a:prstGeom>
             <a:solidFill>
@@ -6484,12 +6315,12 @@
             </a:ln>
           </p:spPr>
           <p:txBody>
-            <a:bodyPr anchorCtr="0" anchor="ctr" bIns="91425" lIns="91425" spcFirstLastPara="1" rIns="91425" wrap="square" tIns="91425">
+            <a:bodyPr spcFirstLastPara="1" wrap="square" lIns="91425" tIns="91425" rIns="91425" bIns="91425" anchor="ctr" anchorCtr="0">
               <a:noAutofit/>
             </a:bodyPr>
             <a:lstStyle/>
             <a:p>
-              <a:pPr indent="0" lvl="0" marL="0" rtl="0" algn="l">
+              <a:pPr marL="0" lvl="0" indent="0" algn="l" rtl="0">
                 <a:spcBef>
                   <a:spcPts val="0"/>
                 </a:spcBef>
@@ -6498,9 +6329,6 @@
                 </a:spcAft>
                 <a:buNone/>
               </a:pPr>
-              <a:r>
-                <a:t/>
-              </a:r>
               <a:endParaRPr/>
             </a:p>
           </p:txBody>
@@ -6518,7 +6346,7 @@
             </a:xfrm>
             <a:prstGeom prst="diagStripe">
               <a:avLst>
-                <a:gd fmla="val 50000" name="adj"/>
+                <a:gd name="adj" fmla="val 50000"/>
               </a:avLst>
             </a:prstGeom>
             <a:solidFill>
@@ -6531,12 +6359,12 @@
             </a:ln>
           </p:spPr>
           <p:txBody>
-            <a:bodyPr anchorCtr="0" anchor="ctr" bIns="91425" lIns="91425" spcFirstLastPara="1" rIns="91425" wrap="square" tIns="91425">
+            <a:bodyPr spcFirstLastPara="1" wrap="square" lIns="91425" tIns="91425" rIns="91425" bIns="91425" anchor="ctr" anchorCtr="0">
               <a:noAutofit/>
             </a:bodyPr>
             <a:lstStyle/>
             <a:p>
-              <a:pPr indent="0" lvl="0" marL="0" rtl="0" algn="l">
+              <a:pPr marL="0" lvl="0" indent="0" algn="l" rtl="0">
                 <a:spcBef>
                   <a:spcPts val="0"/>
                 </a:spcBef>
@@ -6545,9 +6373,6 @@
                 </a:spcAft>
                 <a:buNone/>
               </a:pPr>
-              <a:r>
-                <a:t/>
-              </a:r>
               <a:endParaRPr/>
             </a:p>
           </p:txBody>
@@ -6565,7 +6390,7 @@
             </a:xfrm>
             <a:prstGeom prst="diagStripe">
               <a:avLst>
-                <a:gd fmla="val 50000" name="adj"/>
+                <a:gd name="adj" fmla="val 50000"/>
               </a:avLst>
             </a:prstGeom>
             <a:solidFill>
@@ -6578,12 +6403,12 @@
             </a:ln>
           </p:spPr>
           <p:txBody>
-            <a:bodyPr anchorCtr="0" anchor="ctr" bIns="91425" lIns="91425" spcFirstLastPara="1" rIns="91425" wrap="square" tIns="91425">
+            <a:bodyPr spcFirstLastPara="1" wrap="square" lIns="91425" tIns="91425" rIns="91425" bIns="91425" anchor="ctr" anchorCtr="0">
               <a:noAutofit/>
             </a:bodyPr>
             <a:lstStyle/>
             <a:p>
-              <a:pPr indent="0" lvl="0" marL="0" rtl="0" algn="l">
+              <a:pPr marL="0" lvl="0" indent="0" algn="l" rtl="0">
                 <a:spcBef>
                   <a:spcPts val="0"/>
                 </a:spcBef>
@@ -6592,9 +6417,6 @@
                 </a:spcAft>
                 <a:buNone/>
               </a:pPr>
-              <a:r>
-                <a:t/>
-              </a:r>
               <a:endParaRPr/>
             </a:p>
           </p:txBody>
@@ -6612,7 +6434,7 @@
             </a:xfrm>
             <a:prstGeom prst="diagStripe">
               <a:avLst>
-                <a:gd fmla="val 50000" name="adj"/>
+                <a:gd name="adj" fmla="val 50000"/>
               </a:avLst>
             </a:prstGeom>
             <a:solidFill>
@@ -6625,12 +6447,12 @@
             </a:ln>
           </p:spPr>
           <p:txBody>
-            <a:bodyPr anchorCtr="0" anchor="ctr" bIns="91425" lIns="91425" spcFirstLastPara="1" rIns="91425" wrap="square" tIns="91425">
+            <a:bodyPr spcFirstLastPara="1" wrap="square" lIns="91425" tIns="91425" rIns="91425" bIns="91425" anchor="ctr" anchorCtr="0">
               <a:noAutofit/>
             </a:bodyPr>
             <a:lstStyle/>
             <a:p>
-              <a:pPr indent="0" lvl="0" marL="0" rtl="0" algn="l">
+              <a:pPr marL="0" lvl="0" indent="0" algn="l" rtl="0">
                 <a:spcBef>
                   <a:spcPts val="0"/>
                 </a:spcBef>
@@ -6639,9 +6461,6 @@
                 </a:spcAft>
                 <a:buNone/>
               </a:pPr>
-              <a:r>
-                <a:t/>
-              </a:r>
               <a:endParaRPr/>
             </a:p>
           </p:txBody>
@@ -6659,7 +6478,7 @@
             </a:xfrm>
             <a:prstGeom prst="diagStripe">
               <a:avLst>
-                <a:gd fmla="val 50000" name="adj"/>
+                <a:gd name="adj" fmla="val 50000"/>
               </a:avLst>
             </a:prstGeom>
             <a:solidFill>
@@ -6672,12 +6491,12 @@
             </a:ln>
           </p:spPr>
           <p:txBody>
-            <a:bodyPr anchorCtr="0" anchor="ctr" bIns="91425" lIns="91425" spcFirstLastPara="1" rIns="91425" wrap="square" tIns="91425">
+            <a:bodyPr spcFirstLastPara="1" wrap="square" lIns="91425" tIns="91425" rIns="91425" bIns="91425" anchor="ctr" anchorCtr="0">
               <a:noAutofit/>
             </a:bodyPr>
             <a:lstStyle/>
             <a:p>
-              <a:pPr indent="0" lvl="0" marL="0" rtl="0" algn="l">
+              <a:pPr marL="0" lvl="0" indent="0" algn="l" rtl="0">
                 <a:spcBef>
                   <a:spcPts val="0"/>
                 </a:spcBef>
@@ -6686,9 +6505,6 @@
                 </a:spcAft>
                 <a:buNone/>
               </a:pPr>
-              <a:r>
-                <a:t/>
-              </a:r>
               <a:endParaRPr/>
             </a:p>
           </p:txBody>
@@ -6706,7 +6522,7 @@
             </a:xfrm>
             <a:prstGeom prst="diagStripe">
               <a:avLst>
-                <a:gd fmla="val 50000" name="adj"/>
+                <a:gd name="adj" fmla="val 50000"/>
               </a:avLst>
             </a:prstGeom>
             <a:solidFill>
@@ -6717,12 +6533,12 @@
             </a:ln>
           </p:spPr>
           <p:txBody>
-            <a:bodyPr anchorCtr="0" anchor="ctr" bIns="91425" lIns="91425" spcFirstLastPara="1" rIns="91425" wrap="square" tIns="91425">
+            <a:bodyPr spcFirstLastPara="1" wrap="square" lIns="91425" tIns="91425" rIns="91425" bIns="91425" anchor="ctr" anchorCtr="0">
               <a:noAutofit/>
             </a:bodyPr>
             <a:lstStyle/>
             <a:p>
-              <a:pPr indent="0" lvl="0" marL="0" rtl="0" algn="l">
+              <a:pPr marL="0" lvl="0" indent="0" algn="l" rtl="0">
                 <a:spcBef>
                   <a:spcPts val="0"/>
                 </a:spcBef>
@@ -6731,9 +6547,6 @@
                 </a:spcAft>
                 <a:buNone/>
               </a:pPr>
-              <a:r>
-                <a:t/>
-              </a:r>
               <a:endParaRPr/>
             </a:p>
           </p:txBody>
@@ -6751,7 +6564,7 @@
             </a:xfrm>
             <a:prstGeom prst="diagStripe">
               <a:avLst>
-                <a:gd fmla="val 50000" name="adj"/>
+                <a:gd name="adj" fmla="val 50000"/>
               </a:avLst>
             </a:prstGeom>
             <a:solidFill>
@@ -6764,12 +6577,12 @@
             </a:ln>
           </p:spPr>
           <p:txBody>
-            <a:bodyPr anchorCtr="0" anchor="ctr" bIns="91425" lIns="91425" spcFirstLastPara="1" rIns="91425" wrap="square" tIns="91425">
+            <a:bodyPr spcFirstLastPara="1" wrap="square" lIns="91425" tIns="91425" rIns="91425" bIns="91425" anchor="ctr" anchorCtr="0">
               <a:noAutofit/>
             </a:bodyPr>
             <a:lstStyle/>
             <a:p>
-              <a:pPr indent="0" lvl="0" marL="0" rtl="0" algn="l">
+              <a:pPr marL="0" lvl="0" indent="0" algn="l" rtl="0">
                 <a:spcBef>
                   <a:spcPts val="0"/>
                 </a:spcBef>
@@ -6778,9 +6591,6 @@
                 </a:spcAft>
                 <a:buNone/>
               </a:pPr>
-              <a:r>
-                <a:t/>
-              </a:r>
               <a:endParaRPr/>
             </a:p>
           </p:txBody>
@@ -6798,7 +6608,7 @@
             </a:xfrm>
             <a:prstGeom prst="diagStripe">
               <a:avLst>
-                <a:gd fmla="val 50000" name="adj"/>
+                <a:gd name="adj" fmla="val 50000"/>
               </a:avLst>
             </a:prstGeom>
             <a:solidFill>
@@ -6811,12 +6621,12 @@
             </a:ln>
           </p:spPr>
           <p:txBody>
-            <a:bodyPr anchorCtr="0" anchor="ctr" bIns="91425" lIns="91425" spcFirstLastPara="1" rIns="91425" wrap="square" tIns="91425">
+            <a:bodyPr spcFirstLastPara="1" wrap="square" lIns="91425" tIns="91425" rIns="91425" bIns="91425" anchor="ctr" anchorCtr="0">
               <a:noAutofit/>
             </a:bodyPr>
             <a:lstStyle/>
             <a:p>
-              <a:pPr indent="0" lvl="0" marL="0" rtl="0" algn="l">
+              <a:pPr marL="0" lvl="0" indent="0" algn="l" rtl="0">
                 <a:spcBef>
                   <a:spcPts val="0"/>
                 </a:spcBef>
@@ -6825,9 +6635,6 @@
                 </a:spcAft>
                 <a:buNone/>
               </a:pPr>
-              <a:r>
-                <a:t/>
-              </a:r>
               <a:endParaRPr/>
             </a:p>
           </p:txBody>
@@ -6845,7 +6652,7 @@
             </a:xfrm>
             <a:prstGeom prst="diagStripe">
               <a:avLst>
-                <a:gd fmla="val 50000" name="adj"/>
+                <a:gd name="adj" fmla="val 50000"/>
               </a:avLst>
             </a:prstGeom>
             <a:solidFill>
@@ -6858,12 +6665,12 @@
             </a:ln>
           </p:spPr>
           <p:txBody>
-            <a:bodyPr anchorCtr="0" anchor="ctr" bIns="91425" lIns="91425" spcFirstLastPara="1" rIns="91425" wrap="square" tIns="91425">
+            <a:bodyPr spcFirstLastPara="1" wrap="square" lIns="91425" tIns="91425" rIns="91425" bIns="91425" anchor="ctr" anchorCtr="0">
               <a:noAutofit/>
             </a:bodyPr>
             <a:lstStyle/>
             <a:p>
-              <a:pPr indent="0" lvl="0" marL="0" rtl="0" algn="l">
+              <a:pPr marL="0" lvl="0" indent="0" algn="l" rtl="0">
                 <a:spcBef>
                   <a:spcPts val="0"/>
                 </a:spcBef>
@@ -6872,9 +6679,6 @@
                 </a:spcAft>
                 <a:buNone/>
               </a:pPr>
-              <a:r>
-                <a:t/>
-              </a:r>
               <a:endParaRPr/>
             </a:p>
           </p:txBody>
@@ -6892,7 +6696,7 @@
             </a:xfrm>
             <a:prstGeom prst="diagStripe">
               <a:avLst>
-                <a:gd fmla="val 50000" name="adj"/>
+                <a:gd name="adj" fmla="val 50000"/>
               </a:avLst>
             </a:prstGeom>
             <a:solidFill>
@@ -6905,12 +6709,12 @@
             </a:ln>
           </p:spPr>
           <p:txBody>
-            <a:bodyPr anchorCtr="0" anchor="ctr" bIns="91425" lIns="91425" spcFirstLastPara="1" rIns="91425" wrap="square" tIns="91425">
+            <a:bodyPr spcFirstLastPara="1" wrap="square" lIns="91425" tIns="91425" rIns="91425" bIns="91425" anchor="ctr" anchorCtr="0">
               <a:noAutofit/>
             </a:bodyPr>
             <a:lstStyle/>
             <a:p>
-              <a:pPr indent="0" lvl="0" marL="0" rtl="0" algn="l">
+              <a:pPr marL="0" lvl="0" indent="0" algn="l" rtl="0">
                 <a:spcBef>
                   <a:spcPts val="0"/>
                 </a:spcBef>
@@ -6919,9 +6723,6 @@
                 </a:spcAft>
                 <a:buNone/>
               </a:pPr>
-              <a:r>
-                <a:t/>
-              </a:r>
               <a:endParaRPr/>
             </a:p>
           </p:txBody>
@@ -6930,7 +6731,9 @@
       <p:sp>
         <p:nvSpPr>
           <p:cNvPr id="89" name="Google Shape;89;p8"/>
-          <p:cNvSpPr txBox="1"/>
+          <p:cNvSpPr txBox="1">
+            <a:spLocks noGrp="1"/>
+          </p:cNvSpPr>
           <p:nvPr>
             <p:ph type="title"/>
           </p:nvPr>
@@ -6945,7 +6748,7 @@
           </a:prstGeom>
         </p:spPr>
         <p:txBody>
-          <a:bodyPr anchorCtr="0" anchor="ctr" bIns="91425" lIns="91425" spcFirstLastPara="1" rIns="91425" wrap="square" tIns="91425">
+          <a:bodyPr spcFirstLastPara="1" wrap="square" lIns="91425" tIns="91425" rIns="91425" bIns="91425" anchor="ctr" anchorCtr="0">
             <a:noAutofit/>
           </a:bodyPr>
           <a:lstStyle>
@@ -7049,15 +6852,19 @@
               <a:defRPr/>
             </a:lvl9pPr>
           </a:lstStyle>
-          <a:p/>
+          <a:p>
+            <a:endParaRPr/>
+          </a:p>
         </p:txBody>
       </p:sp>
       <p:sp>
         <p:nvSpPr>
           <p:cNvPr id="90" name="Google Shape;90;p8"/>
-          <p:cNvSpPr txBox="1"/>
+          <p:cNvSpPr txBox="1">
+            <a:spLocks noGrp="1"/>
+          </p:cNvSpPr>
           <p:nvPr>
-            <p:ph idx="12" type="sldNum"/>
+            <p:ph type="sldNum" idx="12"/>
           </p:nvPr>
         </p:nvSpPr>
         <p:spPr>
@@ -7070,7 +6877,7 @@
           </a:prstGeom>
         </p:spPr>
         <p:txBody>
-          <a:bodyPr anchorCtr="0" anchor="ctr" bIns="91425" lIns="91425" spcFirstLastPara="1" rIns="91425" wrap="square" tIns="91425">
+          <a:bodyPr spcFirstLastPara="1" wrap="square" lIns="91425" tIns="91425" rIns="91425" bIns="91425" anchor="ctr" anchorCtr="0">
             <a:noAutofit/>
           </a:bodyPr>
           <a:lstStyle>
@@ -7112,7 +6919,7 @@
             </a:lvl9pPr>
           </a:lstStyle>
           <a:p>
-            <a:pPr indent="0" lvl="0" marL="0" rtl="0" algn="r">
+            <a:pPr marL="0" lvl="0" indent="0" algn="r" rtl="0">
               <a:spcBef>
                 <a:spcPts val="0"/>
               </a:spcBef>
@@ -7138,11 +6945,11 @@
 </file>
 
 <file path=ppt/slideLayouts/slideLayout8.xml><?xml version="1.0" encoding="utf-8"?>
-<p:sldLayout xmlns:a="http://schemas.openxmlformats.org/drawingml/2006/main" xmlns:r="http://schemas.openxmlformats.org/officeDocument/2006/relationships" xmlns:mc="http://schemas.openxmlformats.org/markup-compatibility/2006" xmlns:mv="urn:schemas-microsoft-com:mac:vml" xmlns:p="http://schemas.openxmlformats.org/presentationml/2006/main" xmlns:c="http://schemas.openxmlformats.org/drawingml/2006/chart" xmlns:dgm="http://schemas.openxmlformats.org/drawingml/2006/diagram" xmlns:o="urn:schemas-microsoft-com:office:office" xmlns:v="urn:schemas-microsoft-com:vml" xmlns:pvml="urn:schemas-microsoft-com:office:powerpoint" xmlns:com="http://schemas.openxmlformats.org/drawingml/2006/compatibility" xmlns:p14="http://schemas.microsoft.com/office/powerpoint/2010/main" xmlns:p15="http://schemas.microsoft.com/office/powerpoint/2012/main" xmlns:ahyp="http://schemas.microsoft.com/office/drawing/2018/hyperlinkcolor" matchingName="Section title and description">
+<p:sldLayout xmlns:a="http://schemas.openxmlformats.org/drawingml/2006/main" xmlns:r="http://schemas.openxmlformats.org/officeDocument/2006/relationships" xmlns:p="http://schemas.openxmlformats.org/presentationml/2006/main" matchingName="Section title and description">
   <p:cSld name="SECTION_TITLE_AND_DESCRIPTION">
     <p:spTree>
       <p:nvGrpSpPr>
-        <p:cNvPr id="91" name="Shape 91"/>
+        <p:cNvPr id="1" name="Shape 91"/>
         <p:cNvGrpSpPr/>
         <p:nvPr/>
       </p:nvGrpSpPr>
@@ -7181,7 +6988,7 @@
             </a:xfrm>
             <a:prstGeom prst="diagStripe">
               <a:avLst>
-                <a:gd fmla="val 50000" name="adj"/>
+                <a:gd name="adj" fmla="val 50000"/>
               </a:avLst>
             </a:prstGeom>
             <a:solidFill>
@@ -7192,12 +6999,12 @@
             </a:ln>
           </p:spPr>
           <p:txBody>
-            <a:bodyPr anchorCtr="0" anchor="ctr" bIns="91425" lIns="91425" spcFirstLastPara="1" rIns="91425" wrap="square" tIns="91425">
+            <a:bodyPr spcFirstLastPara="1" wrap="square" lIns="91425" tIns="91425" rIns="91425" bIns="91425" anchor="ctr" anchorCtr="0">
               <a:noAutofit/>
             </a:bodyPr>
             <a:lstStyle/>
             <a:p>
-              <a:pPr indent="0" lvl="0" marL="0" rtl="0" algn="l">
+              <a:pPr marL="0" lvl="0" indent="0" algn="l" rtl="0">
                 <a:spcBef>
                   <a:spcPts val="0"/>
                 </a:spcBef>
@@ -7206,9 +7013,6 @@
                 </a:spcAft>
                 <a:buNone/>
               </a:pPr>
-              <a:r>
-                <a:t/>
-              </a:r>
               <a:endParaRPr/>
             </a:p>
           </p:txBody>
@@ -7226,7 +7030,7 @@
             </a:xfrm>
             <a:prstGeom prst="diagStripe">
               <a:avLst>
-                <a:gd fmla="val 50000" name="adj"/>
+                <a:gd name="adj" fmla="val 50000"/>
               </a:avLst>
             </a:prstGeom>
             <a:solidFill>
@@ -7237,12 +7041,12 @@
             </a:ln>
           </p:spPr>
           <p:txBody>
-            <a:bodyPr anchorCtr="0" anchor="ctr" bIns="91425" lIns="91425" spcFirstLastPara="1" rIns="91425" wrap="square" tIns="91425">
+            <a:bodyPr spcFirstLastPara="1" wrap="square" lIns="91425" tIns="91425" rIns="91425" bIns="91425" anchor="ctr" anchorCtr="0">
               <a:noAutofit/>
             </a:bodyPr>
             <a:lstStyle/>
             <a:p>
-              <a:pPr indent="0" lvl="0" marL="0" rtl="0" algn="l">
+              <a:pPr marL="0" lvl="0" indent="0" algn="l" rtl="0">
                 <a:spcBef>
                   <a:spcPts val="0"/>
                 </a:spcBef>
@@ -7251,9 +7055,6 @@
                 </a:spcAft>
                 <a:buNone/>
               </a:pPr>
-              <a:r>
-                <a:t/>
-              </a:r>
               <a:endParaRPr/>
             </a:p>
           </p:txBody>
@@ -7262,7 +7063,9 @@
       <p:sp>
         <p:nvSpPr>
           <p:cNvPr id="95" name="Google Shape;95;p9"/>
-          <p:cNvSpPr txBox="1"/>
+          <p:cNvSpPr txBox="1">
+            <a:spLocks noGrp="1"/>
+          </p:cNvSpPr>
           <p:nvPr>
             <p:ph type="title"/>
           </p:nvPr>
@@ -7277,7 +7080,7 @@
           </a:prstGeom>
         </p:spPr>
         <p:txBody>
-          <a:bodyPr anchorCtr="0" anchor="t" bIns="91425" lIns="91425" spcFirstLastPara="1" rIns="91425" wrap="square" tIns="91425">
+          <a:bodyPr spcFirstLastPara="1" wrap="square" lIns="91425" tIns="91425" rIns="91425" bIns="91425" anchor="t" anchorCtr="0">
             <a:noAutofit/>
           </a:bodyPr>
           <a:lstStyle>
@@ -7381,15 +7184,19 @@
               <a:defRPr sz="2400"/>
             </a:lvl9pPr>
           </a:lstStyle>
-          <a:p/>
+          <a:p>
+            <a:endParaRPr/>
+          </a:p>
         </p:txBody>
       </p:sp>
       <p:sp>
         <p:nvSpPr>
           <p:cNvPr id="96" name="Google Shape;96;p9"/>
-          <p:cNvSpPr txBox="1"/>
+          <p:cNvSpPr txBox="1">
+            <a:spLocks noGrp="1"/>
+          </p:cNvSpPr>
           <p:nvPr>
-            <p:ph idx="1" type="subTitle"/>
+            <p:ph type="subTitle" idx="1"/>
           </p:nvPr>
         </p:nvSpPr>
         <p:spPr>
@@ -7402,7 +7209,7 @@
           </a:prstGeom>
         </p:spPr>
         <p:txBody>
-          <a:bodyPr anchorCtr="0" anchor="t" bIns="91425" lIns="91425" spcFirstLastPara="1" rIns="91425" wrap="square" tIns="91425">
+          <a:bodyPr spcFirstLastPara="1" wrap="square" lIns="91425" tIns="91425" rIns="91425" bIns="91425" anchor="t" anchorCtr="0">
             <a:noAutofit/>
           </a:bodyPr>
           <a:lstStyle>
@@ -7533,15 +7340,19 @@
               <a:defRPr sz="1300"/>
             </a:lvl9pPr>
           </a:lstStyle>
-          <a:p/>
+          <a:p>
+            <a:endParaRPr/>
+          </a:p>
         </p:txBody>
       </p:sp>
       <p:sp>
         <p:nvSpPr>
           <p:cNvPr id="97" name="Google Shape;97;p9"/>
-          <p:cNvSpPr txBox="1"/>
+          <p:cNvSpPr txBox="1">
+            <a:spLocks noGrp="1"/>
+          </p:cNvSpPr>
           <p:nvPr>
-            <p:ph idx="2" type="body"/>
+            <p:ph type="body" idx="2"/>
           </p:nvPr>
         </p:nvSpPr>
         <p:spPr>
@@ -7554,11 +7365,11 @@
           </a:prstGeom>
         </p:spPr>
         <p:txBody>
-          <a:bodyPr anchorCtr="0" anchor="t" bIns="91425" lIns="91425" spcFirstLastPara="1" rIns="91425" wrap="square" tIns="91425">
+          <a:bodyPr spcFirstLastPara="1" wrap="square" lIns="91425" tIns="91425" rIns="91425" bIns="91425" anchor="t" anchorCtr="0">
             <a:noAutofit/>
           </a:bodyPr>
           <a:lstStyle>
-            <a:lvl1pPr indent="-311150" lvl="0" marL="457200">
+            <a:lvl1pPr marL="457200" lvl="0" indent="-311150">
               <a:spcBef>
                 <a:spcPts val="0"/>
               </a:spcBef>
@@ -7569,7 +7380,7 @@
               <a:buChar char="●"/>
               <a:defRPr/>
             </a:lvl1pPr>
-            <a:lvl2pPr indent="-298450" lvl="1" marL="914400">
+            <a:lvl2pPr marL="914400" lvl="1" indent="-298450">
               <a:spcBef>
                 <a:spcPts val="1600"/>
               </a:spcBef>
@@ -7580,7 +7391,7 @@
               <a:buChar char="○"/>
               <a:defRPr/>
             </a:lvl2pPr>
-            <a:lvl3pPr indent="-298450" lvl="2" marL="1371600">
+            <a:lvl3pPr marL="1371600" lvl="2" indent="-298450">
               <a:spcBef>
                 <a:spcPts val="1600"/>
               </a:spcBef>
@@ -7591,7 +7402,7 @@
               <a:buChar char="■"/>
               <a:defRPr/>
             </a:lvl3pPr>
-            <a:lvl4pPr indent="-298450" lvl="3" marL="1828800">
+            <a:lvl4pPr marL="1828800" lvl="3" indent="-298450">
               <a:spcBef>
                 <a:spcPts val="1600"/>
               </a:spcBef>
@@ -7602,7 +7413,7 @@
               <a:buChar char="●"/>
               <a:defRPr/>
             </a:lvl4pPr>
-            <a:lvl5pPr indent="-298450" lvl="4" marL="2286000">
+            <a:lvl5pPr marL="2286000" lvl="4" indent="-298450">
               <a:spcBef>
                 <a:spcPts val="1600"/>
               </a:spcBef>
@@ -7613,7 +7424,7 @@
               <a:buChar char="○"/>
               <a:defRPr/>
             </a:lvl5pPr>
-            <a:lvl6pPr indent="-298450" lvl="5" marL="2743200">
+            <a:lvl6pPr marL="2743200" lvl="5" indent="-298450">
               <a:spcBef>
                 <a:spcPts val="1600"/>
               </a:spcBef>
@@ -7624,7 +7435,7 @@
               <a:buChar char="■"/>
               <a:defRPr/>
             </a:lvl6pPr>
-            <a:lvl7pPr indent="-298450" lvl="6" marL="3200400">
+            <a:lvl7pPr marL="3200400" lvl="6" indent="-298450">
               <a:spcBef>
                 <a:spcPts val="1600"/>
               </a:spcBef>
@@ -7635,7 +7446,7 @@
               <a:buChar char="●"/>
               <a:defRPr/>
             </a:lvl7pPr>
-            <a:lvl8pPr indent="-298450" lvl="7" marL="3657600">
+            <a:lvl8pPr marL="3657600" lvl="7" indent="-298450">
               <a:spcBef>
                 <a:spcPts val="1600"/>
               </a:spcBef>
@@ -7646,7 +7457,7 @@
               <a:buChar char="○"/>
               <a:defRPr/>
             </a:lvl8pPr>
-            <a:lvl9pPr indent="-298450" lvl="8" marL="4114800">
+            <a:lvl9pPr marL="4114800" lvl="8" indent="-298450">
               <a:spcBef>
                 <a:spcPts val="1600"/>
               </a:spcBef>
@@ -7658,15 +7469,19 @@
               <a:defRPr/>
             </a:lvl9pPr>
           </a:lstStyle>
-          <a:p/>
+          <a:p>
+            <a:endParaRPr/>
+          </a:p>
         </p:txBody>
       </p:sp>
       <p:sp>
         <p:nvSpPr>
           <p:cNvPr id="98" name="Google Shape;98;p9"/>
-          <p:cNvSpPr txBox="1"/>
+          <p:cNvSpPr txBox="1">
+            <a:spLocks noGrp="1"/>
+          </p:cNvSpPr>
           <p:nvPr>
-            <p:ph idx="12" type="sldNum"/>
+            <p:ph type="sldNum" idx="12"/>
           </p:nvPr>
         </p:nvSpPr>
         <p:spPr>
@@ -7679,7 +7494,7 @@
           </a:prstGeom>
         </p:spPr>
         <p:txBody>
-          <a:bodyPr anchorCtr="0" anchor="ctr" bIns="91425" lIns="91425" spcFirstLastPara="1" rIns="91425" wrap="square" tIns="91425">
+          <a:bodyPr spcFirstLastPara="1" wrap="square" lIns="91425" tIns="91425" rIns="91425" bIns="91425" anchor="ctr" anchorCtr="0">
             <a:noAutofit/>
           </a:bodyPr>
           <a:lstStyle>
@@ -7721,7 +7536,7 @@
             </a:lvl9pPr>
           </a:lstStyle>
           <a:p>
-            <a:pPr indent="0" lvl="0" marL="0" rtl="0" algn="r">
+            <a:pPr marL="0" lvl="0" indent="0" algn="r" rtl="0">
               <a:spcBef>
                 <a:spcPts val="0"/>
               </a:spcBef>
@@ -7747,11 +7562,11 @@
 </file>
 
 <file path=ppt/slideLayouts/slideLayout9.xml><?xml version="1.0" encoding="utf-8"?>
-<p:sldLayout xmlns:a="http://schemas.openxmlformats.org/drawingml/2006/main" xmlns:r="http://schemas.openxmlformats.org/officeDocument/2006/relationships" xmlns:mc="http://schemas.openxmlformats.org/markup-compatibility/2006" xmlns:mv="urn:schemas-microsoft-com:mac:vml" xmlns:p="http://schemas.openxmlformats.org/presentationml/2006/main" xmlns:c="http://schemas.openxmlformats.org/drawingml/2006/chart" xmlns:dgm="http://schemas.openxmlformats.org/drawingml/2006/diagram" xmlns:o="urn:schemas-microsoft-com:office:office" xmlns:v="urn:schemas-microsoft-com:vml" xmlns:pvml="urn:schemas-microsoft-com:office:powerpoint" xmlns:com="http://schemas.openxmlformats.org/drawingml/2006/compatibility" xmlns:p14="http://schemas.microsoft.com/office/powerpoint/2010/main" xmlns:p15="http://schemas.microsoft.com/office/powerpoint/2012/main" xmlns:ahyp="http://schemas.microsoft.com/office/drawing/2018/hyperlinkcolor" matchingName="Caption">
+<p:sldLayout xmlns:a="http://schemas.openxmlformats.org/drawingml/2006/main" xmlns:r="http://schemas.openxmlformats.org/officeDocument/2006/relationships" xmlns:p="http://schemas.openxmlformats.org/presentationml/2006/main" matchingName="Caption">
   <p:cSld name="CAPTION_ONLY">
     <p:spTree>
       <p:nvGrpSpPr>
-        <p:cNvPr id="99" name="Shape 99"/>
+        <p:cNvPr id="1" name="Shape 99"/>
         <p:cNvGrpSpPr/>
         <p:nvPr/>
       </p:nvGrpSpPr>
@@ -7790,7 +7605,7 @@
             </a:xfrm>
             <a:prstGeom prst="diagStripe">
               <a:avLst>
-                <a:gd fmla="val 50000" name="adj"/>
+                <a:gd name="adj" fmla="val 50000"/>
               </a:avLst>
             </a:prstGeom>
             <a:solidFill>
@@ -7803,12 +7618,12 @@
             </a:ln>
           </p:spPr>
           <p:txBody>
-            <a:bodyPr anchorCtr="0" anchor="ctr" bIns="91425" lIns="91425" spcFirstLastPara="1" rIns="91425" wrap="square" tIns="91425">
+            <a:bodyPr spcFirstLastPara="1" wrap="square" lIns="91425" tIns="91425" rIns="91425" bIns="91425" anchor="ctr" anchorCtr="0">
               <a:noAutofit/>
             </a:bodyPr>
             <a:lstStyle/>
             <a:p>
-              <a:pPr indent="0" lvl="0" marL="0" rtl="0" algn="l">
+              <a:pPr marL="0" lvl="0" indent="0" algn="l" rtl="0">
                 <a:spcBef>
                   <a:spcPts val="0"/>
                 </a:spcBef>
@@ -7817,9 +7632,6 @@
                 </a:spcAft>
                 <a:buNone/>
               </a:pPr>
-              <a:r>
-                <a:t/>
-              </a:r>
               <a:endParaRPr/>
             </a:p>
           </p:txBody>
@@ -7837,7 +7649,7 @@
             </a:xfrm>
             <a:prstGeom prst="diagStripe">
               <a:avLst>
-                <a:gd fmla="val 50000" name="adj"/>
+                <a:gd name="adj" fmla="val 50000"/>
               </a:avLst>
             </a:prstGeom>
             <a:solidFill>
@@ -7850,12 +7662,12 @@
             </a:ln>
           </p:spPr>
           <p:txBody>
-            <a:bodyPr anchorCtr="0" anchor="ctr" bIns="91425" lIns="91425" spcFirstLastPara="1" rIns="91425" wrap="square" tIns="91425">
+            <a:bodyPr spcFirstLastPara="1" wrap="square" lIns="91425" tIns="91425" rIns="91425" bIns="91425" anchor="ctr" anchorCtr="0">
               <a:noAutofit/>
             </a:bodyPr>
             <a:lstStyle/>
             <a:p>
-              <a:pPr indent="0" lvl="0" marL="0" rtl="0" algn="l">
+              <a:pPr marL="0" lvl="0" indent="0" algn="l" rtl="0">
                 <a:spcBef>
                   <a:spcPts val="0"/>
                 </a:spcBef>
@@ -7864,9 +7676,6 @@
                 </a:spcAft>
                 <a:buNone/>
               </a:pPr>
-              <a:r>
-                <a:t/>
-              </a:r>
               <a:endParaRPr/>
             </a:p>
           </p:txBody>
@@ -7875,9 +7684,11 @@
       <p:sp>
         <p:nvSpPr>
           <p:cNvPr id="103" name="Google Shape;103;p10"/>
-          <p:cNvSpPr txBox="1"/>
+          <p:cNvSpPr txBox="1">
+            <a:spLocks noGrp="1"/>
+          </p:cNvSpPr>
           <p:nvPr>
-            <p:ph idx="1" type="body"/>
+            <p:ph type="body" idx="1"/>
           </p:nvPr>
         </p:nvSpPr>
         <p:spPr>
@@ -7890,11 +7701,11 @@
           </a:prstGeom>
         </p:spPr>
         <p:txBody>
-          <a:bodyPr anchorCtr="0" anchor="ctr" bIns="91425" lIns="91425" spcFirstLastPara="1" rIns="91425" wrap="square" tIns="91425">
+          <a:bodyPr spcFirstLastPara="1" wrap="square" lIns="91425" tIns="91425" rIns="91425" bIns="91425" anchor="ctr" anchorCtr="0">
             <a:noAutofit/>
           </a:bodyPr>
           <a:lstStyle>
-            <a:lvl1pPr indent="-228600" lvl="0" marL="457200">
+            <a:lvl1pPr marL="457200" lvl="0" indent="-228600">
               <a:lnSpc>
                 <a:spcPct val="100000"/>
               </a:lnSpc>
@@ -7909,15 +7720,19 @@
               <a:defRPr/>
             </a:lvl1pPr>
           </a:lstStyle>
-          <a:p/>
+          <a:p>
+            <a:endParaRPr/>
+          </a:p>
         </p:txBody>
       </p:sp>
       <p:sp>
         <p:nvSpPr>
           <p:cNvPr id="104" name="Google Shape;104;p10"/>
-          <p:cNvSpPr txBox="1"/>
+          <p:cNvSpPr txBox="1">
+            <a:spLocks noGrp="1"/>
+          </p:cNvSpPr>
           <p:nvPr>
-            <p:ph idx="12" type="sldNum"/>
+            <p:ph type="sldNum" idx="12"/>
           </p:nvPr>
         </p:nvSpPr>
         <p:spPr>
@@ -7930,7 +7745,7 @@
           </a:prstGeom>
         </p:spPr>
         <p:txBody>
-          <a:bodyPr anchorCtr="0" anchor="ctr" bIns="91425" lIns="91425" spcFirstLastPara="1" rIns="91425" wrap="square" tIns="91425">
+          <a:bodyPr spcFirstLastPara="1" wrap="square" lIns="91425" tIns="91425" rIns="91425" bIns="91425" anchor="ctr" anchorCtr="0">
             <a:noAutofit/>
           </a:bodyPr>
           <a:lstStyle>
@@ -7972,7 +7787,7 @@
             </a:lvl9pPr>
           </a:lstStyle>
           <a:p>
-            <a:pPr indent="0" lvl="0" marL="0" rtl="0" algn="r">
+            <a:pPr marL="0" lvl="0" indent="0" algn="r" rtl="0">
               <a:spcBef>
                 <a:spcPts val="0"/>
               </a:spcBef>
@@ -7998,18 +7813,19 @@
 </file>
 
 <file path=ppt/slideMasters/slideMaster1.xml><?xml version="1.0" encoding="utf-8"?>
-<p:sldMaster xmlns:a="http://schemas.openxmlformats.org/drawingml/2006/main" xmlns:r="http://schemas.openxmlformats.org/officeDocument/2006/relationships" xmlns:mc="http://schemas.openxmlformats.org/markup-compatibility/2006" xmlns:mv="urn:schemas-microsoft-com:mac:vml" xmlns:p="http://schemas.openxmlformats.org/presentationml/2006/main" xmlns:c="http://schemas.openxmlformats.org/drawingml/2006/chart" xmlns:dgm="http://schemas.openxmlformats.org/drawingml/2006/diagram" xmlns:o="urn:schemas-microsoft-com:office:office" xmlns:v="urn:schemas-microsoft-com:vml" xmlns:pvml="urn:schemas-microsoft-com:office:powerpoint" xmlns:com="http://schemas.openxmlformats.org/drawingml/2006/compatibility" xmlns:p14="http://schemas.microsoft.com/office/powerpoint/2010/main" xmlns:p15="http://schemas.microsoft.com/office/powerpoint/2012/main" xmlns:ahyp="http://schemas.microsoft.com/office/drawing/2018/hyperlinkcolor">
+<p:sldMaster xmlns:a="http://schemas.openxmlformats.org/drawingml/2006/main" xmlns:r="http://schemas.openxmlformats.org/officeDocument/2006/relationships" xmlns:p="http://schemas.openxmlformats.org/presentationml/2006/main">
   <p:cSld name="focus">
     <p:bg>
       <p:bgPr>
         <a:solidFill>
           <a:schemeClr val="dk1"/>
         </a:solidFill>
+        <a:effectLst/>
       </p:bgPr>
     </p:bg>
     <p:spTree>
       <p:nvGrpSpPr>
-        <p:cNvPr id="5" name="Shape 5"/>
+        <p:cNvPr id="1" name="Shape 5"/>
         <p:cNvGrpSpPr/>
         <p:nvPr/>
       </p:nvGrpSpPr>
@@ -8024,7 +7840,9 @@
       <p:sp>
         <p:nvSpPr>
           <p:cNvPr id="6" name="Google Shape;6;p1"/>
-          <p:cNvSpPr txBox="1"/>
+          <p:cNvSpPr txBox="1">
+            <a:spLocks noGrp="1"/>
+          </p:cNvSpPr>
           <p:nvPr>
             <p:ph type="title"/>
           </p:nvPr>
@@ -8043,7 +7861,7 @@
           </a:ln>
         </p:spPr>
         <p:txBody>
-          <a:bodyPr anchorCtr="0" anchor="t" bIns="91425" lIns="91425" spcFirstLastPara="1" rIns="91425" wrap="square" tIns="91425">
+          <a:bodyPr spcFirstLastPara="1" wrap="square" lIns="91425" tIns="91425" rIns="91425" bIns="91425" anchor="t" anchorCtr="0">
             <a:noAutofit/>
           </a:bodyPr>
           <a:lstStyle>
@@ -8255,15 +8073,19 @@
               </a:defRPr>
             </a:lvl9pPr>
           </a:lstStyle>
-          <a:p/>
+          <a:p>
+            <a:endParaRPr/>
+          </a:p>
         </p:txBody>
       </p:sp>
       <p:sp>
         <p:nvSpPr>
           <p:cNvPr id="7" name="Google Shape;7;p1"/>
-          <p:cNvSpPr txBox="1"/>
+          <p:cNvSpPr txBox="1">
+            <a:spLocks noGrp="1"/>
+          </p:cNvSpPr>
           <p:nvPr>
-            <p:ph idx="1" type="body"/>
+            <p:ph type="body" idx="1"/>
           </p:nvPr>
         </p:nvSpPr>
         <p:spPr>
@@ -8280,11 +8102,11 @@
           </a:ln>
         </p:spPr>
         <p:txBody>
-          <a:bodyPr anchorCtr="0" anchor="t" bIns="91425" lIns="91425" spcFirstLastPara="1" rIns="91425" wrap="square" tIns="91425">
+          <a:bodyPr spcFirstLastPara="1" wrap="square" lIns="91425" tIns="91425" rIns="91425" bIns="91425" anchor="t" anchorCtr="0">
             <a:noAutofit/>
           </a:bodyPr>
           <a:lstStyle>
-            <a:lvl1pPr indent="-311150" lvl="0" marL="457200">
+            <a:lvl1pPr marL="457200" lvl="0" indent="-311150">
               <a:lnSpc>
                 <a:spcPct val="115000"/>
               </a:lnSpc>
@@ -8310,7 +8132,7 @@
                 <a:sym typeface="Lato"/>
               </a:defRPr>
             </a:lvl1pPr>
-            <a:lvl2pPr indent="-298450" lvl="1" marL="914400">
+            <a:lvl2pPr marL="914400" lvl="1" indent="-298450">
               <a:lnSpc>
                 <a:spcPct val="115000"/>
               </a:lnSpc>
@@ -8336,7 +8158,7 @@
                 <a:sym typeface="Lato"/>
               </a:defRPr>
             </a:lvl2pPr>
-            <a:lvl3pPr indent="-298450" lvl="2" marL="1371600">
+            <a:lvl3pPr marL="1371600" lvl="2" indent="-298450">
               <a:lnSpc>
                 <a:spcPct val="115000"/>
               </a:lnSpc>
@@ -8362,7 +8184,7 @@
                 <a:sym typeface="Lato"/>
               </a:defRPr>
             </a:lvl3pPr>
-            <a:lvl4pPr indent="-298450" lvl="3" marL="1828800">
+            <a:lvl4pPr marL="1828800" lvl="3" indent="-298450">
               <a:lnSpc>
                 <a:spcPct val="115000"/>
               </a:lnSpc>
@@ -8388,7 +8210,7 @@
                 <a:sym typeface="Lato"/>
               </a:defRPr>
             </a:lvl4pPr>
-            <a:lvl5pPr indent="-298450" lvl="4" marL="2286000">
+            <a:lvl5pPr marL="2286000" lvl="4" indent="-298450">
               <a:lnSpc>
                 <a:spcPct val="115000"/>
               </a:lnSpc>
@@ -8414,7 +8236,7 @@
                 <a:sym typeface="Lato"/>
               </a:defRPr>
             </a:lvl5pPr>
-            <a:lvl6pPr indent="-298450" lvl="5" marL="2743200">
+            <a:lvl6pPr marL="2743200" lvl="5" indent="-298450">
               <a:lnSpc>
                 <a:spcPct val="115000"/>
               </a:lnSpc>
@@ -8440,7 +8262,7 @@
                 <a:sym typeface="Lato"/>
               </a:defRPr>
             </a:lvl6pPr>
-            <a:lvl7pPr indent="-298450" lvl="6" marL="3200400">
+            <a:lvl7pPr marL="3200400" lvl="6" indent="-298450">
               <a:lnSpc>
                 <a:spcPct val="115000"/>
               </a:lnSpc>
@@ -8466,7 +8288,7 @@
                 <a:sym typeface="Lato"/>
               </a:defRPr>
             </a:lvl7pPr>
-            <a:lvl8pPr indent="-298450" lvl="7" marL="3657600">
+            <a:lvl8pPr marL="3657600" lvl="7" indent="-298450">
               <a:lnSpc>
                 <a:spcPct val="115000"/>
               </a:lnSpc>
@@ -8492,7 +8314,7 @@
                 <a:sym typeface="Lato"/>
               </a:defRPr>
             </a:lvl8pPr>
-            <a:lvl9pPr indent="-298450" lvl="8" marL="4114800">
+            <a:lvl9pPr marL="4114800" lvl="8" indent="-298450">
               <a:lnSpc>
                 <a:spcPct val="115000"/>
               </a:lnSpc>
@@ -8519,15 +8341,19 @@
               </a:defRPr>
             </a:lvl9pPr>
           </a:lstStyle>
-          <a:p/>
+          <a:p>
+            <a:endParaRPr/>
+          </a:p>
         </p:txBody>
       </p:sp>
       <p:sp>
         <p:nvSpPr>
           <p:cNvPr id="8" name="Google Shape;8;p1"/>
-          <p:cNvSpPr txBox="1"/>
+          <p:cNvSpPr txBox="1">
+            <a:spLocks noGrp="1"/>
+          </p:cNvSpPr>
           <p:nvPr>
-            <p:ph idx="12" type="sldNum"/>
+            <p:ph type="sldNum" idx="12"/>
           </p:nvPr>
         </p:nvSpPr>
         <p:spPr>
@@ -8544,7 +8370,7 @@
           </a:ln>
         </p:spPr>
         <p:txBody>
-          <a:bodyPr anchorCtr="0" anchor="ctr" bIns="91425" lIns="91425" spcFirstLastPara="1" rIns="91425" wrap="square" tIns="91425">
+          <a:bodyPr spcFirstLastPara="1" wrap="square" lIns="91425" tIns="91425" rIns="91425" bIns="91425" anchor="ctr" anchorCtr="0">
             <a:noAutofit/>
           </a:bodyPr>
           <a:lstStyle>
@@ -8658,7 +8484,7 @@
             </a:lvl9pPr>
           </a:lstStyle>
           <a:p>
-            <a:pPr indent="0" lvl="0" marL="0" rtl="0" algn="r">
+            <a:pPr marL="0" lvl="0" indent="0" algn="r" rtl="0">
               <a:spcBef>
                 <a:spcPts val="0"/>
               </a:spcBef>
@@ -8677,7 +8503,7 @@
       </p:sp>
     </p:spTree>
   </p:cSld>
-  <p:clrMap accent1="accent1" accent2="accent2" accent3="accent3" accent4="accent4" accent5="accent5" accent6="accent6" bg1="lt1" bg2="dk2" tx1="dk1" tx2="lt2" folHlink="folHlink" hlink="hlink"/>
+  <p:clrMap bg1="lt1" tx1="dk1" bg2="dk2" tx2="lt2" accent1="accent1" accent2="accent2" accent3="accent3" accent4="accent4" accent5="accent5" accent6="accent6" hlink="hlink" folHlink="folHlink"/>
   <p:sldLayoutIdLst>
     <p:sldLayoutId id="2147483648" r:id="rId1"/>
     <p:sldLayoutId id="2147483649" r:id="rId2"/>
@@ -8691,10 +8517,10 @@
     <p:sldLayoutId id="2147483657" r:id="rId10"/>
     <p:sldLayoutId id="2147483658" r:id="rId11"/>
   </p:sldLayoutIdLst>
-  <p:hf dt="0" ftr="0" hdr="0" sldNum="0"/>
+  <p:hf sldNum="0" hdr="0" ftr="0" dt="0"/>
   <p:txStyles>
     <p:titleStyle>
-      <a:defPPr lvl="0" marR="0" rtl="0" algn="l">
+      <a:defPPr marR="0" lvl="0" algn="l" rtl="0">
         <a:lnSpc>
           <a:spcPct val="100000"/>
         </a:lnSpc>
@@ -8705,7 +8531,7 @@
           <a:spcPts val="0"/>
         </a:spcAft>
       </a:defPPr>
-      <a:lvl1pPr lvl="0" marR="0" rtl="0" algn="l">
+      <a:lvl1pPr marR="0" lvl="0" algn="l" rtl="0">
         <a:lnSpc>
           <a:spcPct val="100000"/>
         </a:lnSpc>
@@ -8719,7 +8545,7 @@
           <a:srgbClr val="000000"/>
         </a:buClr>
         <a:buFont typeface="Arial"/>
-        <a:defRPr b="0" i="0" sz="1400" u="none" cap="none" strike="noStrike">
+        <a:defRPr sz="1400" b="0" i="0" u="none" strike="noStrike" cap="none">
           <a:solidFill>
             <a:srgbClr val="000000"/>
           </a:solidFill>
@@ -8729,7 +8555,7 @@
           <a:sym typeface="Arial"/>
         </a:defRPr>
       </a:lvl1pPr>
-      <a:lvl2pPr lvl="1" marR="0" rtl="0" algn="l">
+      <a:lvl2pPr marR="0" lvl="1" algn="l" rtl="0">
         <a:lnSpc>
           <a:spcPct val="100000"/>
         </a:lnSpc>
@@ -8743,7 +8569,7 @@
           <a:srgbClr val="000000"/>
         </a:buClr>
         <a:buFont typeface="Arial"/>
-        <a:defRPr b="0" i="0" sz="1400" u="none" cap="none" strike="noStrike">
+        <a:defRPr sz="1400" b="0" i="0" u="none" strike="noStrike" cap="none">
           <a:solidFill>
             <a:srgbClr val="000000"/>
           </a:solidFill>
@@ -8753,7 +8579,7 @@
           <a:sym typeface="Arial"/>
         </a:defRPr>
       </a:lvl2pPr>
-      <a:lvl3pPr lvl="2" marR="0" rtl="0" algn="l">
+      <a:lvl3pPr marR="0" lvl="2" algn="l" rtl="0">
         <a:lnSpc>
           <a:spcPct val="100000"/>
         </a:lnSpc>
@@ -8767,7 +8593,7 @@
           <a:srgbClr val="000000"/>
         </a:buClr>
         <a:buFont typeface="Arial"/>
-        <a:defRPr b="0" i="0" sz="1400" u="none" cap="none" strike="noStrike">
+        <a:defRPr sz="1400" b="0" i="0" u="none" strike="noStrike" cap="none">
           <a:solidFill>
             <a:srgbClr val="000000"/>
           </a:solidFill>
@@ -8777,7 +8603,7 @@
           <a:sym typeface="Arial"/>
         </a:defRPr>
       </a:lvl3pPr>
-      <a:lvl4pPr lvl="3" marR="0" rtl="0" algn="l">
+      <a:lvl4pPr marR="0" lvl="3" algn="l" rtl="0">
         <a:lnSpc>
           <a:spcPct val="100000"/>
         </a:lnSpc>
@@ -8791,7 +8617,7 @@
           <a:srgbClr val="000000"/>
         </a:buClr>
         <a:buFont typeface="Arial"/>
-        <a:defRPr b="0" i="0" sz="1400" u="none" cap="none" strike="noStrike">
+        <a:defRPr sz="1400" b="0" i="0" u="none" strike="noStrike" cap="none">
           <a:solidFill>
             <a:srgbClr val="000000"/>
           </a:solidFill>
@@ -8801,7 +8627,7 @@
           <a:sym typeface="Arial"/>
         </a:defRPr>
       </a:lvl4pPr>
-      <a:lvl5pPr lvl="4" marR="0" rtl="0" algn="l">
+      <a:lvl5pPr marR="0" lvl="4" algn="l" rtl="0">
         <a:lnSpc>
           <a:spcPct val="100000"/>
         </a:lnSpc>
@@ -8815,7 +8641,7 @@
           <a:srgbClr val="000000"/>
         </a:buClr>
         <a:buFont typeface="Arial"/>
-        <a:defRPr b="0" i="0" sz="1400" u="none" cap="none" strike="noStrike">
+        <a:defRPr sz="1400" b="0" i="0" u="none" strike="noStrike" cap="none">
           <a:solidFill>
             <a:srgbClr val="000000"/>
           </a:solidFill>
@@ -8825,7 +8651,7 @@
           <a:sym typeface="Arial"/>
         </a:defRPr>
       </a:lvl5pPr>
-      <a:lvl6pPr lvl="5" marR="0" rtl="0" algn="l">
+      <a:lvl6pPr marR="0" lvl="5" algn="l" rtl="0">
         <a:lnSpc>
           <a:spcPct val="100000"/>
         </a:lnSpc>
@@ -8839,7 +8665,7 @@
           <a:srgbClr val="000000"/>
         </a:buClr>
         <a:buFont typeface="Arial"/>
-        <a:defRPr b="0" i="0" sz="1400" u="none" cap="none" strike="noStrike">
+        <a:defRPr sz="1400" b="0" i="0" u="none" strike="noStrike" cap="none">
           <a:solidFill>
             <a:srgbClr val="000000"/>
           </a:solidFill>
@@ -8849,7 +8675,7 @@
           <a:sym typeface="Arial"/>
         </a:defRPr>
       </a:lvl6pPr>
-      <a:lvl7pPr lvl="6" marR="0" rtl="0" algn="l">
+      <a:lvl7pPr marR="0" lvl="6" algn="l" rtl="0">
         <a:lnSpc>
           <a:spcPct val="100000"/>
         </a:lnSpc>
@@ -8863,7 +8689,7 @@
           <a:srgbClr val="000000"/>
         </a:buClr>
         <a:buFont typeface="Arial"/>
-        <a:defRPr b="0" i="0" sz="1400" u="none" cap="none" strike="noStrike">
+        <a:defRPr sz="1400" b="0" i="0" u="none" strike="noStrike" cap="none">
           <a:solidFill>
             <a:srgbClr val="000000"/>
           </a:solidFill>
@@ -8873,7 +8699,7 @@
           <a:sym typeface="Arial"/>
         </a:defRPr>
       </a:lvl7pPr>
-      <a:lvl8pPr lvl="7" marR="0" rtl="0" algn="l">
+      <a:lvl8pPr marR="0" lvl="7" algn="l" rtl="0">
         <a:lnSpc>
           <a:spcPct val="100000"/>
         </a:lnSpc>
@@ -8887,7 +8713,7 @@
           <a:srgbClr val="000000"/>
         </a:buClr>
         <a:buFont typeface="Arial"/>
-        <a:defRPr b="0" i="0" sz="1400" u="none" cap="none" strike="noStrike">
+        <a:defRPr sz="1400" b="0" i="0" u="none" strike="noStrike" cap="none">
           <a:solidFill>
             <a:srgbClr val="000000"/>
           </a:solidFill>
@@ -8897,7 +8723,7 @@
           <a:sym typeface="Arial"/>
         </a:defRPr>
       </a:lvl8pPr>
-      <a:lvl9pPr lvl="8" marR="0" rtl="0" algn="l">
+      <a:lvl9pPr marR="0" lvl="8" algn="l" rtl="0">
         <a:lnSpc>
           <a:spcPct val="100000"/>
         </a:lnSpc>
@@ -8911,7 +8737,7 @@
           <a:srgbClr val="000000"/>
         </a:buClr>
         <a:buFont typeface="Arial"/>
-        <a:defRPr b="0" i="0" sz="1400" u="none" cap="none" strike="noStrike">
+        <a:defRPr sz="1400" b="0" i="0" u="none" strike="noStrike" cap="none">
           <a:solidFill>
             <a:srgbClr val="000000"/>
           </a:solidFill>
@@ -8923,7 +8749,7 @@
       </a:lvl9pPr>
     </p:titleStyle>
     <p:bodyStyle>
-      <a:defPPr lvl="0" marR="0" rtl="0" algn="l">
+      <a:defPPr marR="0" lvl="0" algn="l" rtl="0">
         <a:lnSpc>
           <a:spcPct val="100000"/>
         </a:lnSpc>
@@ -8934,7 +8760,7 @@
           <a:spcPts val="0"/>
         </a:spcAft>
       </a:defPPr>
-      <a:lvl1pPr lvl="0" marR="0" rtl="0" algn="l">
+      <a:lvl1pPr marR="0" lvl="0" algn="l" rtl="0">
         <a:lnSpc>
           <a:spcPct val="100000"/>
         </a:lnSpc>
@@ -8948,7 +8774,7 @@
           <a:srgbClr val="000000"/>
         </a:buClr>
         <a:buFont typeface="Arial"/>
-        <a:defRPr b="0" i="0" sz="1400" u="none" cap="none" strike="noStrike">
+        <a:defRPr sz="1400" b="0" i="0" u="none" strike="noStrike" cap="none">
           <a:solidFill>
             <a:srgbClr val="000000"/>
           </a:solidFill>
@@ -8958,7 +8784,7 @@
           <a:sym typeface="Arial"/>
         </a:defRPr>
       </a:lvl1pPr>
-      <a:lvl2pPr lvl="1" marR="0" rtl="0" algn="l">
+      <a:lvl2pPr marR="0" lvl="1" algn="l" rtl="0">
         <a:lnSpc>
           <a:spcPct val="100000"/>
         </a:lnSpc>
@@ -8972,7 +8798,7 @@
           <a:srgbClr val="000000"/>
         </a:buClr>
         <a:buFont typeface="Arial"/>
-        <a:defRPr b="0" i="0" sz="1400" u="none" cap="none" strike="noStrike">
+        <a:defRPr sz="1400" b="0" i="0" u="none" strike="noStrike" cap="none">
           <a:solidFill>
             <a:srgbClr val="000000"/>
           </a:solidFill>
@@ -8982,7 +8808,7 @@
           <a:sym typeface="Arial"/>
         </a:defRPr>
       </a:lvl2pPr>
-      <a:lvl3pPr lvl="2" marR="0" rtl="0" algn="l">
+      <a:lvl3pPr marR="0" lvl="2" algn="l" rtl="0">
         <a:lnSpc>
           <a:spcPct val="100000"/>
         </a:lnSpc>
@@ -8996,7 +8822,7 @@
           <a:srgbClr val="000000"/>
         </a:buClr>
         <a:buFont typeface="Arial"/>
-        <a:defRPr b="0" i="0" sz="1400" u="none" cap="none" strike="noStrike">
+        <a:defRPr sz="1400" b="0" i="0" u="none" strike="noStrike" cap="none">
           <a:solidFill>
             <a:srgbClr val="000000"/>
           </a:solidFill>
@@ -9006,7 +8832,7 @@
           <a:sym typeface="Arial"/>
         </a:defRPr>
       </a:lvl3pPr>
-      <a:lvl4pPr lvl="3" marR="0" rtl="0" algn="l">
+      <a:lvl4pPr marR="0" lvl="3" algn="l" rtl="0">
         <a:lnSpc>
           <a:spcPct val="100000"/>
         </a:lnSpc>
@@ -9020,7 +8846,7 @@
           <a:srgbClr val="000000"/>
         </a:buClr>
         <a:buFont typeface="Arial"/>
-        <a:defRPr b="0" i="0" sz="1400" u="none" cap="none" strike="noStrike">
+        <a:defRPr sz="1400" b="0" i="0" u="none" strike="noStrike" cap="none">
           <a:solidFill>
             <a:srgbClr val="000000"/>
           </a:solidFill>
@@ -9030,7 +8856,7 @@
           <a:sym typeface="Arial"/>
         </a:defRPr>
       </a:lvl4pPr>
-      <a:lvl5pPr lvl="4" marR="0" rtl="0" algn="l">
+      <a:lvl5pPr marR="0" lvl="4" algn="l" rtl="0">
         <a:lnSpc>
           <a:spcPct val="100000"/>
         </a:lnSpc>
@@ -9044,7 +8870,7 @@
           <a:srgbClr val="000000"/>
         </a:buClr>
         <a:buFont typeface="Arial"/>
-        <a:defRPr b="0" i="0" sz="1400" u="none" cap="none" strike="noStrike">
+        <a:defRPr sz="1400" b="0" i="0" u="none" strike="noStrike" cap="none">
           <a:solidFill>
             <a:srgbClr val="000000"/>
           </a:solidFill>
@@ -9054,7 +8880,7 @@
           <a:sym typeface="Arial"/>
         </a:defRPr>
       </a:lvl5pPr>
-      <a:lvl6pPr lvl="5" marR="0" rtl="0" algn="l">
+      <a:lvl6pPr marR="0" lvl="5" algn="l" rtl="0">
         <a:lnSpc>
           <a:spcPct val="100000"/>
         </a:lnSpc>
@@ -9068,7 +8894,7 @@
           <a:srgbClr val="000000"/>
         </a:buClr>
         <a:buFont typeface="Arial"/>
-        <a:defRPr b="0" i="0" sz="1400" u="none" cap="none" strike="noStrike">
+        <a:defRPr sz="1400" b="0" i="0" u="none" strike="noStrike" cap="none">
           <a:solidFill>
             <a:srgbClr val="000000"/>
           </a:solidFill>
@@ -9078,7 +8904,7 @@
           <a:sym typeface="Arial"/>
         </a:defRPr>
       </a:lvl6pPr>
-      <a:lvl7pPr lvl="6" marR="0" rtl="0" algn="l">
+      <a:lvl7pPr marR="0" lvl="6" algn="l" rtl="0">
         <a:lnSpc>
           <a:spcPct val="100000"/>
         </a:lnSpc>
@@ -9092,7 +8918,7 @@
           <a:srgbClr val="000000"/>
         </a:buClr>
         <a:buFont typeface="Arial"/>
-        <a:defRPr b="0" i="0" sz="1400" u="none" cap="none" strike="noStrike">
+        <a:defRPr sz="1400" b="0" i="0" u="none" strike="noStrike" cap="none">
           <a:solidFill>
             <a:srgbClr val="000000"/>
           </a:solidFill>
@@ -9102,7 +8928,7 @@
           <a:sym typeface="Arial"/>
         </a:defRPr>
       </a:lvl7pPr>
-      <a:lvl8pPr lvl="7" marR="0" rtl="0" algn="l">
+      <a:lvl8pPr marR="0" lvl="7" algn="l" rtl="0">
         <a:lnSpc>
           <a:spcPct val="100000"/>
         </a:lnSpc>
@@ -9116,7 +8942,7 @@
           <a:srgbClr val="000000"/>
         </a:buClr>
         <a:buFont typeface="Arial"/>
-        <a:defRPr b="0" i="0" sz="1400" u="none" cap="none" strike="noStrike">
+        <a:defRPr sz="1400" b="0" i="0" u="none" strike="noStrike" cap="none">
           <a:solidFill>
             <a:srgbClr val="000000"/>
           </a:solidFill>
@@ -9126,7 +8952,7 @@
           <a:sym typeface="Arial"/>
         </a:defRPr>
       </a:lvl8pPr>
-      <a:lvl9pPr lvl="8" marR="0" rtl="0" algn="l">
+      <a:lvl9pPr marR="0" lvl="8" algn="l" rtl="0">
         <a:lnSpc>
           <a:spcPct val="100000"/>
         </a:lnSpc>
@@ -9140,7 +8966,7 @@
           <a:srgbClr val="000000"/>
         </a:buClr>
         <a:buFont typeface="Arial"/>
-        <a:defRPr b="0" i="0" sz="1400" u="none" cap="none" strike="noStrike">
+        <a:defRPr sz="1400" b="0" i="0" u="none" strike="noStrike" cap="none">
           <a:solidFill>
             <a:srgbClr val="000000"/>
           </a:solidFill>
@@ -9152,7 +8978,7 @@
       </a:lvl9pPr>
     </p:bodyStyle>
     <p:otherStyle>
-      <a:defPPr lvl="0" marR="0" rtl="0" algn="l">
+      <a:defPPr marR="0" lvl="0" algn="l" rtl="0">
         <a:lnSpc>
           <a:spcPct val="100000"/>
         </a:lnSpc>
@@ -9163,7 +8989,7 @@
           <a:spcPts val="0"/>
         </a:spcAft>
       </a:defPPr>
-      <a:lvl1pPr lvl="0" marR="0" rtl="0" algn="l">
+      <a:lvl1pPr marR="0" lvl="0" algn="l" rtl="0">
         <a:lnSpc>
           <a:spcPct val="100000"/>
         </a:lnSpc>
@@ -9177,7 +9003,7 @@
           <a:srgbClr val="000000"/>
         </a:buClr>
         <a:buFont typeface="Arial"/>
-        <a:defRPr b="0" i="0" sz="1400" u="none" cap="none" strike="noStrike">
+        <a:defRPr sz="1400" b="0" i="0" u="none" strike="noStrike" cap="none">
           <a:solidFill>
             <a:srgbClr val="000000"/>
           </a:solidFill>
@@ -9187,7 +9013,7 @@
           <a:sym typeface="Arial"/>
         </a:defRPr>
       </a:lvl1pPr>
-      <a:lvl2pPr lvl="1" marR="0" rtl="0" algn="l">
+      <a:lvl2pPr marR="0" lvl="1" algn="l" rtl="0">
         <a:lnSpc>
           <a:spcPct val="100000"/>
         </a:lnSpc>
@@ -9201,7 +9027,7 @@
           <a:srgbClr val="000000"/>
         </a:buClr>
         <a:buFont typeface="Arial"/>
-        <a:defRPr b="0" i="0" sz="1400" u="none" cap="none" strike="noStrike">
+        <a:defRPr sz="1400" b="0" i="0" u="none" strike="noStrike" cap="none">
           <a:solidFill>
             <a:srgbClr val="000000"/>
           </a:solidFill>
@@ -9211,7 +9037,7 @@
           <a:sym typeface="Arial"/>
         </a:defRPr>
       </a:lvl2pPr>
-      <a:lvl3pPr lvl="2" marR="0" rtl="0" algn="l">
+      <a:lvl3pPr marR="0" lvl="2" algn="l" rtl="0">
         <a:lnSpc>
           <a:spcPct val="100000"/>
         </a:lnSpc>
@@ -9225,7 +9051,7 @@
           <a:srgbClr val="000000"/>
         </a:buClr>
         <a:buFont typeface="Arial"/>
-        <a:defRPr b="0" i="0" sz="1400" u="none" cap="none" strike="noStrike">
+        <a:defRPr sz="1400" b="0" i="0" u="none" strike="noStrike" cap="none">
           <a:solidFill>
             <a:srgbClr val="000000"/>
           </a:solidFill>
@@ -9235,7 +9061,7 @@
           <a:sym typeface="Arial"/>
         </a:defRPr>
       </a:lvl3pPr>
-      <a:lvl4pPr lvl="3" marR="0" rtl="0" algn="l">
+      <a:lvl4pPr marR="0" lvl="3" algn="l" rtl="0">
         <a:lnSpc>
           <a:spcPct val="100000"/>
         </a:lnSpc>
@@ -9249,7 +9075,7 @@
           <a:srgbClr val="000000"/>
         </a:buClr>
         <a:buFont typeface="Arial"/>
-        <a:defRPr b="0" i="0" sz="1400" u="none" cap="none" strike="noStrike">
+        <a:defRPr sz="1400" b="0" i="0" u="none" strike="noStrike" cap="none">
           <a:solidFill>
             <a:srgbClr val="000000"/>
           </a:solidFill>
@@ -9259,7 +9085,7 @@
           <a:sym typeface="Arial"/>
         </a:defRPr>
       </a:lvl4pPr>
-      <a:lvl5pPr lvl="4" marR="0" rtl="0" algn="l">
+      <a:lvl5pPr marR="0" lvl="4" algn="l" rtl="0">
         <a:lnSpc>
           <a:spcPct val="100000"/>
         </a:lnSpc>
@@ -9273,7 +9099,7 @@
           <a:srgbClr val="000000"/>
         </a:buClr>
         <a:buFont typeface="Arial"/>
-        <a:defRPr b="0" i="0" sz="1400" u="none" cap="none" strike="noStrike">
+        <a:defRPr sz="1400" b="0" i="0" u="none" strike="noStrike" cap="none">
           <a:solidFill>
             <a:srgbClr val="000000"/>
           </a:solidFill>
@@ -9283,7 +9109,7 @@
           <a:sym typeface="Arial"/>
         </a:defRPr>
       </a:lvl5pPr>
-      <a:lvl6pPr lvl="5" marR="0" rtl="0" algn="l">
+      <a:lvl6pPr marR="0" lvl="5" algn="l" rtl="0">
         <a:lnSpc>
           <a:spcPct val="100000"/>
         </a:lnSpc>
@@ -9297,7 +9123,7 @@
           <a:srgbClr val="000000"/>
         </a:buClr>
         <a:buFont typeface="Arial"/>
-        <a:defRPr b="0" i="0" sz="1400" u="none" cap="none" strike="noStrike">
+        <a:defRPr sz="1400" b="0" i="0" u="none" strike="noStrike" cap="none">
           <a:solidFill>
             <a:srgbClr val="000000"/>
           </a:solidFill>
@@ -9307,7 +9133,7 @@
           <a:sym typeface="Arial"/>
         </a:defRPr>
       </a:lvl6pPr>
-      <a:lvl7pPr lvl="6" marR="0" rtl="0" algn="l">
+      <a:lvl7pPr marR="0" lvl="6" algn="l" rtl="0">
         <a:lnSpc>
           <a:spcPct val="100000"/>
         </a:lnSpc>
@@ -9321,7 +9147,7 @@
           <a:srgbClr val="000000"/>
         </a:buClr>
         <a:buFont typeface="Arial"/>
-        <a:defRPr b="0" i="0" sz="1400" u="none" cap="none" strike="noStrike">
+        <a:defRPr sz="1400" b="0" i="0" u="none" strike="noStrike" cap="none">
           <a:solidFill>
             <a:srgbClr val="000000"/>
           </a:solidFill>
@@ -9331,7 +9157,7 @@
           <a:sym typeface="Arial"/>
         </a:defRPr>
       </a:lvl7pPr>
-      <a:lvl8pPr lvl="7" marR="0" rtl="0" algn="l">
+      <a:lvl8pPr marR="0" lvl="7" algn="l" rtl="0">
         <a:lnSpc>
           <a:spcPct val="100000"/>
         </a:lnSpc>
@@ -9345,7 +9171,7 @@
           <a:srgbClr val="000000"/>
         </a:buClr>
         <a:buFont typeface="Arial"/>
-        <a:defRPr b="0" i="0" sz="1400" u="none" cap="none" strike="noStrike">
+        <a:defRPr sz="1400" b="0" i="0" u="none" strike="noStrike" cap="none">
           <a:solidFill>
             <a:srgbClr val="000000"/>
           </a:solidFill>
@@ -9355,7 +9181,7 @@
           <a:sym typeface="Arial"/>
         </a:defRPr>
       </a:lvl8pPr>
-      <a:lvl9pPr lvl="8" marR="0" rtl="0" algn="l">
+      <a:lvl9pPr marR="0" lvl="8" algn="l" rtl="0">
         <a:lnSpc>
           <a:spcPct val="100000"/>
         </a:lnSpc>
@@ -9369,7 +9195,7 @@
           <a:srgbClr val="000000"/>
         </a:buClr>
         <a:buFont typeface="Arial"/>
-        <a:defRPr b="0" i="0" sz="1400" u="none" cap="none" strike="noStrike">
+        <a:defRPr sz="1400" b="0" i="0" u="none" strike="noStrike" cap="none">
           <a:solidFill>
             <a:srgbClr val="000000"/>
           </a:solidFill>
@@ -9385,11 +9211,11 @@
 </file>
 
 <file path=ppt/slides/slide1.xml><?xml version="1.0" encoding="utf-8"?>
-<p:sld xmlns:a="http://schemas.openxmlformats.org/drawingml/2006/main" xmlns:r="http://schemas.openxmlformats.org/officeDocument/2006/relationships" xmlns:mc="http://schemas.openxmlformats.org/markup-compatibility/2006" xmlns:mv="urn:schemas-microsoft-com:mac:vml" xmlns:p="http://schemas.openxmlformats.org/presentationml/2006/main" xmlns:c="http://schemas.openxmlformats.org/drawingml/2006/chart" xmlns:dgm="http://schemas.openxmlformats.org/drawingml/2006/diagram" xmlns:o="urn:schemas-microsoft-com:office:office" xmlns:v="urn:schemas-microsoft-com:vml" xmlns:pvml="urn:schemas-microsoft-com:office:powerpoint" xmlns:com="http://schemas.openxmlformats.org/drawingml/2006/compatibility" xmlns:p14="http://schemas.microsoft.com/office/powerpoint/2010/main" xmlns:p15="http://schemas.microsoft.com/office/powerpoint/2012/main" xmlns:ahyp="http://schemas.microsoft.com/office/drawing/2018/hyperlinkcolor">
+<p:sld xmlns:a="http://schemas.openxmlformats.org/drawingml/2006/main" xmlns:r="http://schemas.openxmlformats.org/officeDocument/2006/relationships" xmlns:p="http://schemas.openxmlformats.org/presentationml/2006/main">
   <p:cSld>
     <p:spTree>
       <p:nvGrpSpPr>
-        <p:cNvPr id="133" name="Shape 133"/>
+        <p:cNvPr id="1" name="Shape 133"/>
         <p:cNvGrpSpPr/>
         <p:nvPr/>
       </p:nvGrpSpPr>
@@ -9404,7 +9230,9 @@
       <p:sp>
         <p:nvSpPr>
           <p:cNvPr id="134" name="Google Shape;134;p13"/>
-          <p:cNvSpPr txBox="1"/>
+          <p:cNvSpPr txBox="1">
+            <a:spLocks noGrp="1"/>
+          </p:cNvSpPr>
           <p:nvPr>
             <p:ph type="ctrTitle"/>
           </p:nvPr>
@@ -9419,12 +9247,12 @@
           </a:prstGeom>
         </p:spPr>
         <p:txBody>
-          <a:bodyPr anchorCtr="0" anchor="t" bIns="91425" lIns="91425" spcFirstLastPara="1" rIns="91425" wrap="square" tIns="91425">
+          <a:bodyPr spcFirstLastPara="1" wrap="square" lIns="91425" tIns="91425" rIns="91425" bIns="91425" anchor="t" anchorCtr="0">
             <a:noAutofit/>
           </a:bodyPr>
           <a:lstStyle/>
           <a:p>
-            <a:pPr indent="0" lvl="0" marL="0" rtl="0" algn="l">
+            <a:pPr marL="0" lvl="0" indent="0" algn="l" rtl="0">
               <a:spcBef>
                 <a:spcPts val="0"/>
               </a:spcBef>
@@ -9444,9 +9272,11 @@
       <p:sp>
         <p:nvSpPr>
           <p:cNvPr id="135" name="Google Shape;135;p13"/>
-          <p:cNvSpPr txBox="1"/>
+          <p:cNvSpPr txBox="1">
+            <a:spLocks noGrp="1"/>
+          </p:cNvSpPr>
           <p:nvPr>
-            <p:ph idx="1" type="subTitle"/>
+            <p:ph type="subTitle" idx="1"/>
           </p:nvPr>
         </p:nvSpPr>
         <p:spPr>
@@ -9459,12 +9289,12 @@
           </a:prstGeom>
         </p:spPr>
         <p:txBody>
-          <a:bodyPr anchorCtr="0" anchor="t" bIns="91425" lIns="91425" spcFirstLastPara="1" rIns="91425" wrap="square" tIns="91425">
+          <a:bodyPr spcFirstLastPara="1" wrap="square" lIns="91425" tIns="91425" rIns="91425" bIns="91425" anchor="t" anchorCtr="0">
             <a:noAutofit/>
           </a:bodyPr>
           <a:lstStyle/>
           <a:p>
-            <a:pPr indent="0" lvl="0" marL="0" rtl="0" algn="l">
+            <a:pPr marL="0" lvl="0" indent="0" algn="l" rtl="0">
               <a:spcBef>
                 <a:spcPts val="0"/>
               </a:spcBef>
@@ -9480,7 +9310,7 @@
             <a:endParaRPr/>
           </a:p>
           <a:p>
-            <a:pPr indent="0" lvl="0" marL="0" rtl="0" algn="l">
+            <a:pPr marL="0" lvl="0" indent="0" algn="l" rtl="0">
               <a:spcBef>
                 <a:spcPts val="0"/>
               </a:spcBef>
@@ -9489,13 +9319,10 @@
               </a:spcAft>
               <a:buNone/>
             </a:pPr>
-            <a:r>
-              <a:t/>
-            </a:r>
             <a:endParaRPr/>
           </a:p>
           <a:p>
-            <a:pPr indent="0" lvl="0" marL="0" rtl="0" algn="l">
+            <a:pPr marL="0" lvl="0" indent="0" algn="l" rtl="0">
               <a:spcBef>
                 <a:spcPts val="0"/>
               </a:spcBef>
@@ -9511,7 +9338,7 @@
             <a:endParaRPr/>
           </a:p>
           <a:p>
-            <a:pPr indent="0" lvl="0" marL="0" rtl="0" algn="l">
+            <a:pPr marL="0" lvl="0" indent="0" algn="l" rtl="0">
               <a:spcBef>
                 <a:spcPts val="0"/>
               </a:spcBef>
@@ -9527,7 +9354,7 @@
             <a:endParaRPr/>
           </a:p>
           <a:p>
-            <a:pPr indent="0" lvl="0" marL="0" rtl="0" algn="l">
+            <a:pPr marL="0" lvl="0" indent="0" algn="l" rtl="0">
               <a:spcBef>
                 <a:spcPts val="0"/>
               </a:spcBef>
@@ -9553,11 +9380,11 @@
 </file>
 
 <file path=ppt/slides/slide2.xml><?xml version="1.0" encoding="utf-8"?>
-<p:sld xmlns:a="http://schemas.openxmlformats.org/drawingml/2006/main" xmlns:r="http://schemas.openxmlformats.org/officeDocument/2006/relationships" xmlns:mc="http://schemas.openxmlformats.org/markup-compatibility/2006" xmlns:mv="urn:schemas-microsoft-com:mac:vml" xmlns:p="http://schemas.openxmlformats.org/presentationml/2006/main" xmlns:c="http://schemas.openxmlformats.org/drawingml/2006/chart" xmlns:dgm="http://schemas.openxmlformats.org/drawingml/2006/diagram" xmlns:o="urn:schemas-microsoft-com:office:office" xmlns:v="urn:schemas-microsoft-com:vml" xmlns:pvml="urn:schemas-microsoft-com:office:powerpoint" xmlns:com="http://schemas.openxmlformats.org/drawingml/2006/compatibility" xmlns:p14="http://schemas.microsoft.com/office/powerpoint/2010/main" xmlns:p15="http://schemas.microsoft.com/office/powerpoint/2012/main" xmlns:ahyp="http://schemas.microsoft.com/office/drawing/2018/hyperlinkcolor">
+<p:sld xmlns:a="http://schemas.openxmlformats.org/drawingml/2006/main" xmlns:r="http://schemas.openxmlformats.org/officeDocument/2006/relationships" xmlns:p="http://schemas.openxmlformats.org/presentationml/2006/main">
   <p:cSld>
     <p:spTree>
       <p:nvGrpSpPr>
-        <p:cNvPr id="139" name="Shape 139"/>
+        <p:cNvPr id="1" name="Shape 139"/>
         <p:cNvGrpSpPr/>
         <p:nvPr/>
       </p:nvGrpSpPr>
@@ -9572,7 +9399,9 @@
       <p:sp>
         <p:nvSpPr>
           <p:cNvPr id="140" name="Google Shape;140;p14"/>
-          <p:cNvSpPr txBox="1"/>
+          <p:cNvSpPr txBox="1">
+            <a:spLocks noGrp="1"/>
+          </p:cNvSpPr>
           <p:nvPr>
             <p:ph type="title"/>
           </p:nvPr>
@@ -9587,12 +9416,12 @@
           </a:prstGeom>
         </p:spPr>
         <p:txBody>
-          <a:bodyPr anchorCtr="0" anchor="t" bIns="91425" lIns="91425" spcFirstLastPara="1" rIns="91425" wrap="square" tIns="91425">
+          <a:bodyPr spcFirstLastPara="1" wrap="square" lIns="91425" tIns="91425" rIns="91425" bIns="91425" anchor="t" anchorCtr="0">
             <a:noAutofit/>
           </a:bodyPr>
           <a:lstStyle/>
           <a:p>
-            <a:pPr indent="0" lvl="0" marL="0" rtl="0" algn="l">
+            <a:pPr marL="0" lvl="0" indent="0" algn="l" rtl="0">
               <a:spcBef>
                 <a:spcPts val="0"/>
               </a:spcBef>
@@ -9612,9 +9441,11 @@
       <p:sp>
         <p:nvSpPr>
           <p:cNvPr id="141" name="Google Shape;141;p14"/>
-          <p:cNvSpPr txBox="1"/>
+          <p:cNvSpPr txBox="1">
+            <a:spLocks noGrp="1"/>
+          </p:cNvSpPr>
           <p:nvPr>
-            <p:ph idx="1" type="body"/>
+            <p:ph type="body" idx="1"/>
           </p:nvPr>
         </p:nvSpPr>
         <p:spPr>
@@ -9627,12 +9458,12 @@
           </a:prstGeom>
         </p:spPr>
         <p:txBody>
-          <a:bodyPr anchorCtr="0" anchor="t" bIns="91425" lIns="91425" spcFirstLastPara="1" rIns="91425" wrap="square" tIns="91425">
+          <a:bodyPr spcFirstLastPara="1" wrap="square" lIns="91425" tIns="91425" rIns="91425" bIns="91425" anchor="t" anchorCtr="0">
             <a:noAutofit/>
           </a:bodyPr>
           <a:lstStyle/>
           <a:p>
-            <a:pPr indent="0" lvl="0" marL="0" rtl="0" algn="l">
+            <a:pPr marL="0" lvl="0" indent="0" algn="l" rtl="0">
               <a:spcBef>
                 <a:spcPts val="0"/>
               </a:spcBef>
@@ -9641,9 +9472,6 @@
               </a:spcAft>
               <a:buNone/>
             </a:pPr>
-            <a:r>
-              <a:t/>
-            </a:r>
             <a:endParaRPr/>
           </a:p>
         </p:txBody>
@@ -9657,11 +9485,11 @@
 </file>
 
 <file path=ppt/slides/slide3.xml><?xml version="1.0" encoding="utf-8"?>
-<p:sld xmlns:a="http://schemas.openxmlformats.org/drawingml/2006/main" xmlns:r="http://schemas.openxmlformats.org/officeDocument/2006/relationships" xmlns:mc="http://schemas.openxmlformats.org/markup-compatibility/2006" xmlns:mv="urn:schemas-microsoft-com:mac:vml" xmlns:p="http://schemas.openxmlformats.org/presentationml/2006/main" xmlns:c="http://schemas.openxmlformats.org/drawingml/2006/chart" xmlns:dgm="http://schemas.openxmlformats.org/drawingml/2006/diagram" xmlns:o="urn:schemas-microsoft-com:office:office" xmlns:v="urn:schemas-microsoft-com:vml" xmlns:pvml="urn:schemas-microsoft-com:office:powerpoint" xmlns:com="http://schemas.openxmlformats.org/drawingml/2006/compatibility" xmlns:p14="http://schemas.microsoft.com/office/powerpoint/2010/main" xmlns:p15="http://schemas.microsoft.com/office/powerpoint/2012/main" xmlns:ahyp="http://schemas.microsoft.com/office/drawing/2018/hyperlinkcolor">
+<p:sld xmlns:a="http://schemas.openxmlformats.org/drawingml/2006/main" xmlns:r="http://schemas.openxmlformats.org/officeDocument/2006/relationships" xmlns:p="http://schemas.openxmlformats.org/presentationml/2006/main">
   <p:cSld>
     <p:spTree>
       <p:nvGrpSpPr>
-        <p:cNvPr id="145" name="Shape 145"/>
+        <p:cNvPr id="1" name="Shape 145"/>
         <p:cNvGrpSpPr/>
         <p:nvPr/>
       </p:nvGrpSpPr>
@@ -9676,7 +9504,9 @@
       <p:sp>
         <p:nvSpPr>
           <p:cNvPr id="146" name="Google Shape;146;p15"/>
-          <p:cNvSpPr txBox="1"/>
+          <p:cNvSpPr txBox="1">
+            <a:spLocks noGrp="1"/>
+          </p:cNvSpPr>
           <p:nvPr>
             <p:ph type="title"/>
           </p:nvPr>
@@ -9691,12 +9521,12 @@
           </a:prstGeom>
         </p:spPr>
         <p:txBody>
-          <a:bodyPr anchorCtr="0" anchor="t" bIns="91425" lIns="91425" spcFirstLastPara="1" rIns="91425" wrap="square" tIns="91425">
+          <a:bodyPr spcFirstLastPara="1" wrap="square" lIns="91425" tIns="91425" rIns="91425" bIns="91425" anchor="t" anchorCtr="0">
             <a:noAutofit/>
           </a:bodyPr>
           <a:lstStyle/>
           <a:p>
-            <a:pPr indent="0" lvl="0" marL="0" rtl="0" algn="l">
+            <a:pPr marL="0" lvl="0" indent="0" algn="l" rtl="0">
               <a:spcBef>
                 <a:spcPts val="0"/>
               </a:spcBef>
@@ -9712,7 +9542,7 @@
             <a:endParaRPr/>
           </a:p>
           <a:p>
-            <a:pPr indent="0" lvl="0" marL="0" rtl="0" algn="l">
+            <a:pPr marL="0" lvl="0" indent="0" algn="l" rtl="0">
               <a:spcBef>
                 <a:spcPts val="0"/>
               </a:spcBef>
@@ -9721,13 +9551,10 @@
               </a:spcAft>
               <a:buNone/>
             </a:pPr>
-            <a:r>
-              <a:t/>
-            </a:r>
             <a:endParaRPr/>
           </a:p>
           <a:p>
-            <a:pPr indent="-381000" lvl="0" marL="457200" rtl="0" algn="l">
+            <a:pPr marL="457200" lvl="0" indent="-381000" algn="l" rtl="0">
               <a:spcBef>
                 <a:spcPts val="0"/>
               </a:spcBef>
@@ -9744,7 +9571,7 @@
             <a:endParaRPr/>
           </a:p>
           <a:p>
-            <a:pPr indent="-381000" lvl="0" marL="457200" rtl="0" algn="l">
+            <a:pPr marL="457200" lvl="0" indent="-381000" algn="l" rtl="0">
               <a:spcBef>
                 <a:spcPts val="0"/>
               </a:spcBef>
@@ -9761,7 +9588,7 @@
             <a:endParaRPr/>
           </a:p>
           <a:p>
-            <a:pPr indent="-381000" lvl="0" marL="457200" rtl="0" algn="l">
+            <a:pPr marL="457200" lvl="0" indent="-381000" algn="l" rtl="0">
               <a:spcBef>
                 <a:spcPts val="0"/>
               </a:spcBef>
@@ -9778,7 +9605,7 @@
             <a:endParaRPr/>
           </a:p>
           <a:p>
-            <a:pPr indent="-381000" lvl="0" marL="457200" rtl="0" algn="l">
+            <a:pPr marL="457200" lvl="0" indent="-381000" algn="l" rtl="0">
               <a:spcBef>
                 <a:spcPts val="0"/>
               </a:spcBef>
@@ -9795,7 +9622,7 @@
             <a:endParaRPr/>
           </a:p>
           <a:p>
-            <a:pPr indent="0" lvl="0" marL="0" rtl="0" algn="l">
+            <a:pPr marL="0" lvl="0" indent="0" algn="l" rtl="0">
               <a:spcBef>
                 <a:spcPts val="0"/>
               </a:spcBef>
@@ -9804,9 +9631,6 @@
               </a:spcAft>
               <a:buNone/>
             </a:pPr>
-            <a:r>
-              <a:t/>
-            </a:r>
             <a:endParaRPr/>
           </a:p>
         </p:txBody>
@@ -9814,9 +9638,11 @@
       <p:sp>
         <p:nvSpPr>
           <p:cNvPr id="147" name="Google Shape;147;p15"/>
-          <p:cNvSpPr txBox="1"/>
+          <p:cNvSpPr txBox="1">
+            <a:spLocks noGrp="1"/>
+          </p:cNvSpPr>
           <p:nvPr>
-            <p:ph idx="1" type="body"/>
+            <p:ph type="body" idx="1"/>
           </p:nvPr>
         </p:nvSpPr>
         <p:spPr>
@@ -9829,12 +9655,12 @@
           </a:prstGeom>
         </p:spPr>
         <p:txBody>
-          <a:bodyPr anchorCtr="0" anchor="t" bIns="91425" lIns="91425" spcFirstLastPara="1" rIns="91425" wrap="square" tIns="91425">
+          <a:bodyPr spcFirstLastPara="1" wrap="square" lIns="91425" tIns="91425" rIns="91425" bIns="91425" anchor="t" anchorCtr="0">
             <a:noAutofit/>
           </a:bodyPr>
           <a:lstStyle/>
           <a:p>
-            <a:pPr indent="0" lvl="0" marL="0" rtl="0" algn="l">
+            <a:pPr marL="0" lvl="0" indent="0" algn="l" rtl="0">
               <a:spcBef>
                 <a:spcPts val="0"/>
               </a:spcBef>
@@ -9843,9 +9669,6 @@
               </a:spcAft>
               <a:buNone/>
             </a:pPr>
-            <a:r>
-              <a:t/>
-            </a:r>
             <a:endParaRPr/>
           </a:p>
         </p:txBody>
@@ -9859,11 +9682,11 @@
 </file>
 
 <file path=ppt/slides/slide4.xml><?xml version="1.0" encoding="utf-8"?>
-<p:sld xmlns:a="http://schemas.openxmlformats.org/drawingml/2006/main" xmlns:r="http://schemas.openxmlformats.org/officeDocument/2006/relationships" xmlns:mc="http://schemas.openxmlformats.org/markup-compatibility/2006" xmlns:mv="urn:schemas-microsoft-com:mac:vml" xmlns:p="http://schemas.openxmlformats.org/presentationml/2006/main" xmlns:c="http://schemas.openxmlformats.org/drawingml/2006/chart" xmlns:dgm="http://schemas.openxmlformats.org/drawingml/2006/diagram" xmlns:o="urn:schemas-microsoft-com:office:office" xmlns:v="urn:schemas-microsoft-com:vml" xmlns:pvml="urn:schemas-microsoft-com:office:powerpoint" xmlns:com="http://schemas.openxmlformats.org/drawingml/2006/compatibility" xmlns:p14="http://schemas.microsoft.com/office/powerpoint/2010/main" xmlns:p15="http://schemas.microsoft.com/office/powerpoint/2012/main" xmlns:ahyp="http://schemas.microsoft.com/office/drawing/2018/hyperlinkcolor">
+<p:sld xmlns:a="http://schemas.openxmlformats.org/drawingml/2006/main" xmlns:r="http://schemas.openxmlformats.org/officeDocument/2006/relationships" xmlns:p="http://schemas.openxmlformats.org/presentationml/2006/main">
   <p:cSld>
     <p:spTree>
       <p:nvGrpSpPr>
-        <p:cNvPr id="151" name="Shape 151"/>
+        <p:cNvPr id="1" name="Shape 157"/>
         <p:cNvGrpSpPr/>
         <p:nvPr/>
       </p:nvGrpSpPr>
@@ -9877,8 +9700,10 @@
       </p:grpSpPr>
       <p:sp>
         <p:nvSpPr>
-          <p:cNvPr id="152" name="Google Shape;152;p16"/>
-          <p:cNvSpPr txBox="1"/>
+          <p:cNvPr id="158" name="Google Shape;158;p17"/>
+          <p:cNvSpPr txBox="1">
+            <a:spLocks noGrp="1"/>
+          </p:cNvSpPr>
           <p:nvPr>
             <p:ph type="title"/>
           </p:nvPr>
@@ -9893,12 +9718,12 @@
           </a:prstGeom>
         </p:spPr>
         <p:txBody>
-          <a:bodyPr anchorCtr="0" anchor="t" bIns="91425" lIns="91425" spcFirstLastPara="1" rIns="91425" wrap="square" tIns="91425">
+          <a:bodyPr spcFirstLastPara="1" wrap="square" lIns="91425" tIns="91425" rIns="91425" bIns="91425" anchor="t" anchorCtr="0">
             <a:noAutofit/>
           </a:bodyPr>
           <a:lstStyle/>
           <a:p>
-            <a:pPr indent="0" lvl="0" marL="0" rtl="0" algn="l">
+            <a:pPr marL="0" lvl="0" indent="0" algn="l" rtl="0">
               <a:spcBef>
                 <a:spcPts val="0"/>
               </a:spcBef>
@@ -9907,19 +9732,18 @@
               </a:spcAft>
               <a:buNone/>
             </a:pPr>
-            <a:r>
-              <a:t/>
-            </a:r>
-            <a:endParaRPr/>
+            <a:endParaRPr dirty="0"/>
           </a:p>
         </p:txBody>
       </p:sp>
       <p:sp>
         <p:nvSpPr>
-          <p:cNvPr id="153" name="Google Shape;153;p16"/>
-          <p:cNvSpPr txBox="1"/>
+          <p:cNvPr id="159" name="Google Shape;159;p17"/>
+          <p:cNvSpPr txBox="1">
+            <a:spLocks noGrp="1"/>
+          </p:cNvSpPr>
           <p:nvPr>
-            <p:ph idx="1" type="body"/>
+            <p:ph type="body" idx="1"/>
           </p:nvPr>
         </p:nvSpPr>
         <p:spPr>
@@ -9932,12 +9756,12 @@
           </a:prstGeom>
         </p:spPr>
         <p:txBody>
-          <a:bodyPr anchorCtr="0" anchor="t" bIns="91425" lIns="91425" spcFirstLastPara="1" rIns="91425" wrap="square" tIns="91425">
+          <a:bodyPr spcFirstLastPara="1" wrap="square" lIns="91425" tIns="91425" rIns="91425" bIns="91425" anchor="t" anchorCtr="0">
             <a:noAutofit/>
           </a:bodyPr>
           <a:lstStyle/>
           <a:p>
-            <a:pPr indent="0" lvl="0" marL="0" rtl="0" algn="l">
+            <a:pPr marL="0" lvl="0" indent="0" algn="l" rtl="0">
               <a:spcBef>
                 <a:spcPts val="0"/>
               </a:spcBef>
@@ -9947,9 +9771,72 @@
               <a:buNone/>
             </a:pPr>
             <a:r>
-              <a:t/>
+              <a:rPr lang="en-US" dirty="0"/>
+              <a:t>We have a HTML and </a:t>
             </a:r>
-            <a:endParaRPr/>
+            <a:r>
+              <a:rPr lang="en-US" dirty="0" err="1"/>
+              <a:t>javascript</a:t>
+            </a:r>
+            <a:r>
+              <a:rPr lang="en-US" dirty="0"/>
+              <a:t> file. The </a:t>
+            </a:r>
+            <a:r>
+              <a:rPr lang="en-US" dirty="0" err="1"/>
+              <a:t>javascript</a:t>
+            </a:r>
+            <a:r>
+              <a:rPr lang="en-US" dirty="0"/>
+              <a:t> file contains the functions that allow the puzzle to function. There are eight functions, that start the game, create a new game, determine if the game is done, move the tiles, and check if the tiles can be moved</a:t>
+            </a:r>
+          </a:p>
+          <a:p>
+            <a:pPr marL="0" lvl="0" indent="0" algn="l" rtl="0">
+              <a:spcBef>
+                <a:spcPts val="0"/>
+              </a:spcBef>
+              <a:spcAft>
+                <a:spcPts val="1600"/>
+              </a:spcAft>
+              <a:buNone/>
+            </a:pPr>
+            <a:endParaRPr lang="en-US" dirty="0"/>
+          </a:p>
+          <a:p>
+            <a:pPr marL="0" lvl="0" indent="0" algn="l" rtl="0">
+              <a:spcBef>
+                <a:spcPts val="0"/>
+              </a:spcBef>
+              <a:spcAft>
+                <a:spcPts val="1600"/>
+              </a:spcAft>
+              <a:buNone/>
+            </a:pPr>
+            <a:r>
+              <a:rPr lang="en-US" dirty="0"/>
+              <a:t>The HTML page links the </a:t>
+            </a:r>
+            <a:r>
+              <a:rPr lang="en-US" dirty="0" err="1"/>
+              <a:t>javascript</a:t>
+            </a:r>
+            <a:r>
+              <a:rPr lang="en-US" dirty="0"/>
+              <a:t> file and has buttons that allows the user to input the rows and columns that they prefer. </a:t>
+            </a:r>
+          </a:p>
+          <a:p>
+            <a:pPr marL="0" lvl="0" indent="0" algn="l" rtl="0">
+              <a:spcBef>
+                <a:spcPts val="0"/>
+              </a:spcBef>
+              <a:spcAft>
+                <a:spcPts val="1600"/>
+              </a:spcAft>
+              <a:buNone/>
+            </a:pPr>
+            <a:endParaRPr dirty="0"/>
           </a:p>
         </p:txBody>
       </p:sp>
@@ -9962,11 +9849,11 @@
 </file>
 
 <file path=ppt/slides/slide5.xml><?xml version="1.0" encoding="utf-8"?>
-<p:sld xmlns:a="http://schemas.openxmlformats.org/drawingml/2006/main" xmlns:r="http://schemas.openxmlformats.org/officeDocument/2006/relationships" xmlns:mc="http://schemas.openxmlformats.org/markup-compatibility/2006" xmlns:mv="urn:schemas-microsoft-com:mac:vml" xmlns:p="http://schemas.openxmlformats.org/presentationml/2006/main" xmlns:c="http://schemas.openxmlformats.org/drawingml/2006/chart" xmlns:dgm="http://schemas.openxmlformats.org/drawingml/2006/diagram" xmlns:o="urn:schemas-microsoft-com:office:office" xmlns:v="urn:schemas-microsoft-com:vml" xmlns:pvml="urn:schemas-microsoft-com:office:powerpoint" xmlns:com="http://schemas.openxmlformats.org/drawingml/2006/compatibility" xmlns:p14="http://schemas.microsoft.com/office/powerpoint/2010/main" xmlns:p15="http://schemas.microsoft.com/office/powerpoint/2012/main" xmlns:ahyp="http://schemas.microsoft.com/office/drawing/2018/hyperlinkcolor">
+<p:sld xmlns:a="http://schemas.openxmlformats.org/drawingml/2006/main" xmlns:r="http://schemas.openxmlformats.org/officeDocument/2006/relationships" xmlns:p="http://schemas.openxmlformats.org/presentationml/2006/main">
   <p:cSld>
     <p:spTree>
       <p:nvGrpSpPr>
-        <p:cNvPr id="157" name="Shape 157"/>
+        <p:cNvPr id="1" name=""/>
         <p:cNvGrpSpPr/>
         <p:nvPr/>
       </p:nvGrpSpPr>
@@ -9980,83 +9867,71 @@
       </p:grpSpPr>
       <p:sp>
         <p:nvSpPr>
-          <p:cNvPr id="158" name="Google Shape;158;p17"/>
-          <p:cNvSpPr txBox="1"/>
+          <p:cNvPr id="2" name="Title 1">
+            <a:extLst>
+              <a:ext uri="{FF2B5EF4-FFF2-40B4-BE49-F238E27FC236}">
+                <a16:creationId xmlns:a16="http://schemas.microsoft.com/office/drawing/2014/main" id="{5F6F0B1E-BA3C-4E54-810B-FCE4C59E0CC8}"/>
+              </a:ext>
+            </a:extLst>
+          </p:cNvPr>
+          <p:cNvSpPr>
+            <a:spLocks noGrp="1"/>
+          </p:cNvSpPr>
           <p:nvPr>
             <p:ph type="title"/>
           </p:nvPr>
         </p:nvSpPr>
-        <p:spPr>
-          <a:xfrm>
-            <a:off x="1297500" y="393750"/>
-            <a:ext cx="7038900" cy="914100"/>
-          </a:xfrm>
-          <a:prstGeom prst="rect">
-            <a:avLst/>
-          </a:prstGeom>
-        </p:spPr>
+        <p:spPr/>
         <p:txBody>
-          <a:bodyPr anchorCtr="0" anchor="t" bIns="91425" lIns="91425" spcFirstLastPara="1" rIns="91425" wrap="square" tIns="91425">
-            <a:noAutofit/>
-          </a:bodyPr>
+          <a:bodyPr/>
           <a:lstStyle/>
           <a:p>
-            <a:pPr indent="0" lvl="0" marL="0" rtl="0" algn="l">
-              <a:spcBef>
-                <a:spcPts val="0"/>
-              </a:spcBef>
-              <a:spcAft>
-                <a:spcPts val="0"/>
-              </a:spcAft>
-              <a:buNone/>
-            </a:pPr>
-            <a:r>
-              <a:t/>
-            </a:r>
-            <a:endParaRPr/>
+            <a:endParaRPr lang="en-US"/>
           </a:p>
         </p:txBody>
       </p:sp>
       <p:sp>
         <p:nvSpPr>
-          <p:cNvPr id="159" name="Google Shape;159;p17"/>
-          <p:cNvSpPr txBox="1"/>
+          <p:cNvPr id="3" name="Text Placeholder 2">
+            <a:extLst>
+              <a:ext uri="{FF2B5EF4-FFF2-40B4-BE49-F238E27FC236}">
+                <a16:creationId xmlns:a16="http://schemas.microsoft.com/office/drawing/2014/main" id="{E629319C-C069-467C-80AB-97309E4FCC4D}"/>
+              </a:ext>
+            </a:extLst>
+          </p:cNvPr>
+          <p:cNvSpPr>
+            <a:spLocks noGrp="1"/>
+          </p:cNvSpPr>
           <p:nvPr>
-            <p:ph idx="1" type="body"/>
+            <p:ph type="body" idx="1"/>
           </p:nvPr>
         </p:nvSpPr>
-        <p:spPr>
-          <a:xfrm>
-            <a:off x="1297500" y="1567550"/>
-            <a:ext cx="7038900" cy="2911200"/>
-          </a:xfrm>
-          <a:prstGeom prst="rect">
-            <a:avLst/>
-          </a:prstGeom>
-        </p:spPr>
+        <p:spPr/>
         <p:txBody>
-          <a:bodyPr anchorCtr="0" anchor="t" bIns="91425" lIns="91425" spcFirstLastPara="1" rIns="91425" wrap="square" tIns="91425">
-            <a:noAutofit/>
-          </a:bodyPr>
+          <a:bodyPr/>
           <a:lstStyle/>
           <a:p>
-            <a:pPr indent="0" lvl="0" marL="0" rtl="0" algn="l">
-              <a:spcBef>
-                <a:spcPts val="0"/>
-              </a:spcBef>
-              <a:spcAft>
-                <a:spcPts val="1600"/>
-              </a:spcAft>
-              <a:buNone/>
-            </a:pPr>
             <a:r>
-              <a:t/>
+              <a:rPr lang="en-US" dirty="0"/>
+              <a:t>The CSS: was </a:t>
             </a:r>
-            <a:endParaRPr/>
+            <a:r>
+              <a:rPr lang="en-US" dirty="0" err="1"/>
+              <a:t>arifuls</a:t>
+            </a:r>
+            <a:r>
+              <a:rPr lang="en-US" dirty="0"/>
+              <a:t> so I guess he can add whatever he did </a:t>
+            </a:r>
           </a:p>
         </p:txBody>
       </p:sp>
     </p:spTree>
+    <p:extLst>
+      <p:ext uri="{BB962C8B-B14F-4D97-AF65-F5344CB8AC3E}">
+        <p14:creationId xmlns:p14="http://schemas.microsoft.com/office/powerpoint/2010/main" val="2150844276"/>
+      </p:ext>
+    </p:extLst>
   </p:cSld>
   <p:clrMapOvr>
     <a:masterClrMapping/>
@@ -10065,7 +9940,7 @@
 </file>
 
 <file path=ppt/theme/theme1.xml><?xml version="1.0" encoding="utf-8"?>
-<a:theme xmlns:a="http://schemas.openxmlformats.org/drawingml/2006/main" xmlns:r="http://schemas.openxmlformats.org/officeDocument/2006/relationships" name="Focus">
+<a:theme xmlns:a="http://schemas.openxmlformats.org/drawingml/2006/main" name="Focus">
   <a:themeElements>
     <a:clrScheme name="Focus">
       <a:dk1>
@@ -10340,11 +10215,13 @@
       </a:bgFillStyleLst>
     </a:fmtScheme>
   </a:themeElements>
+  <a:objectDefaults/>
+  <a:extraClrSchemeLst/>
 </a:theme>
 </file>
 
 <file path=ppt/theme/theme2.xml><?xml version="1.0" encoding="utf-8"?>
-<a:theme xmlns:a="http://schemas.openxmlformats.org/drawingml/2006/main" xmlns:r="http://schemas.openxmlformats.org/officeDocument/2006/relationships">
+<a:theme xmlns:a="http://schemas.openxmlformats.org/drawingml/2006/main">
   <a:themeElements>
     <a:clrScheme name="Default">
       <a:dk1>
@@ -10619,5 +10496,7 @@
       </a:bgFillStyleLst>
     </a:fmtScheme>
   </a:themeElements>
+  <a:objectDefaults/>
+  <a:extraClrSchemeLst/>
 </a:theme>
 </file>